--- a/output/Advertisement Click Prediction.pptx
+++ b/output/Advertisement Click Prediction.pptx
@@ -10,6 +10,7 @@
     <p:sldId id="259" r:id="rId4"/>
     <p:sldId id="260" r:id="rId5"/>
     <p:sldId id="261" r:id="rId6"/>
+    <p:sldId id="262" r:id="rId7"/>
   </p:sldIdLst>
   <p:sldSz cx="12192000" cy="6858000"/>
   <p:notesSz cx="6858000" cy="9144000"/>
@@ -108,6 +109,11 @@
       </a:defRPr>
     </a:lvl9pPr>
   </p:defaultTextStyle>
+  <p:extLst>
+    <p:ext uri="{EFAFB233-063F-42B5-8137-9DF3F51BA10A}">
+      <p15:sldGuideLst xmlns:p15="http://schemas.microsoft.com/office/powerpoint/2012/main"/>
+    </p:ext>
+  </p:extLst>
 </p:presentation>
 </file>
 
@@ -3616,6 +3622,925 @@
 </file>
 
 <file path=ppt/diagrams/colors5.xml><?xml version="1.0" encoding="utf-8"?>
+<dgm:colorsDef xmlns:dgm="http://schemas.openxmlformats.org/drawingml/2006/diagram" xmlns:a="http://schemas.openxmlformats.org/drawingml/2006/main" uniqueId="urn:microsoft.com/office/officeart/2005/8/colors/colorful1">
+  <dgm:title val=""/>
+  <dgm:desc val=""/>
+  <dgm:catLst>
+    <dgm:cat type="colorful" pri="10100"/>
+  </dgm:catLst>
+  <dgm:styleLbl name="node0">
+    <dgm:fillClrLst meth="repeat">
+      <a:schemeClr val="accent1"/>
+    </dgm:fillClrLst>
+    <dgm:linClrLst meth="repeat">
+      <a:schemeClr val="lt1"/>
+    </dgm:linClrLst>
+    <dgm:effectClrLst/>
+    <dgm:txLinClrLst/>
+    <dgm:txFillClrLst/>
+    <dgm:txEffectClrLst/>
+  </dgm:styleLbl>
+  <dgm:styleLbl name="node1">
+    <dgm:fillClrLst meth="repeat">
+      <a:schemeClr val="accent2"/>
+      <a:schemeClr val="accent3"/>
+      <a:schemeClr val="accent4"/>
+      <a:schemeClr val="accent5"/>
+      <a:schemeClr val="accent6"/>
+    </dgm:fillClrLst>
+    <dgm:linClrLst meth="repeat">
+      <a:schemeClr val="lt1"/>
+    </dgm:linClrLst>
+    <dgm:effectClrLst/>
+    <dgm:txLinClrLst/>
+    <dgm:txFillClrLst/>
+    <dgm:txEffectClrLst/>
+  </dgm:styleLbl>
+  <dgm:styleLbl name="alignNode1">
+    <dgm:fillClrLst meth="repeat">
+      <a:schemeClr val="accent2"/>
+      <a:schemeClr val="accent3"/>
+      <a:schemeClr val="accent4"/>
+      <a:schemeClr val="accent5"/>
+      <a:schemeClr val="accent6"/>
+    </dgm:fillClrLst>
+    <dgm:linClrLst meth="repeat">
+      <a:schemeClr val="accent2"/>
+      <a:schemeClr val="accent3"/>
+      <a:schemeClr val="accent4"/>
+      <a:schemeClr val="accent5"/>
+      <a:schemeClr val="accent6"/>
+    </dgm:linClrLst>
+    <dgm:effectClrLst/>
+    <dgm:txLinClrLst/>
+    <dgm:txFillClrLst/>
+    <dgm:txEffectClrLst/>
+  </dgm:styleLbl>
+  <dgm:styleLbl name="lnNode1">
+    <dgm:fillClrLst meth="repeat">
+      <a:schemeClr val="accent2"/>
+      <a:schemeClr val="accent3"/>
+      <a:schemeClr val="accent4"/>
+      <a:schemeClr val="accent5"/>
+      <a:schemeClr val="accent6"/>
+    </dgm:fillClrLst>
+    <dgm:linClrLst meth="repeat">
+      <a:schemeClr val="lt1"/>
+    </dgm:linClrLst>
+    <dgm:effectClrLst/>
+    <dgm:txLinClrLst/>
+    <dgm:txFillClrLst/>
+    <dgm:txEffectClrLst/>
+  </dgm:styleLbl>
+  <dgm:styleLbl name="vennNode1">
+    <dgm:fillClrLst meth="repeat">
+      <a:schemeClr val="accent2">
+        <a:alpha val="50000"/>
+      </a:schemeClr>
+      <a:schemeClr val="accent3">
+        <a:alpha val="50000"/>
+      </a:schemeClr>
+      <a:schemeClr val="accent4">
+        <a:alpha val="50000"/>
+      </a:schemeClr>
+      <a:schemeClr val="accent5">
+        <a:alpha val="50000"/>
+      </a:schemeClr>
+      <a:schemeClr val="accent6">
+        <a:alpha val="50000"/>
+      </a:schemeClr>
+    </dgm:fillClrLst>
+    <dgm:linClrLst meth="repeat">
+      <a:schemeClr val="lt1"/>
+    </dgm:linClrLst>
+    <dgm:effectClrLst/>
+    <dgm:txLinClrLst/>
+    <dgm:txFillClrLst/>
+    <dgm:txEffectClrLst/>
+  </dgm:styleLbl>
+  <dgm:styleLbl name="node2">
+    <dgm:fillClrLst>
+      <a:schemeClr val="accent2"/>
+    </dgm:fillClrLst>
+    <dgm:linClrLst meth="repeat">
+      <a:schemeClr val="lt1"/>
+    </dgm:linClrLst>
+    <dgm:effectClrLst/>
+    <dgm:txLinClrLst/>
+    <dgm:txFillClrLst/>
+    <dgm:txEffectClrLst/>
+  </dgm:styleLbl>
+  <dgm:styleLbl name="node3">
+    <dgm:fillClrLst>
+      <a:schemeClr val="accent3"/>
+    </dgm:fillClrLst>
+    <dgm:linClrLst meth="repeat">
+      <a:schemeClr val="lt1"/>
+    </dgm:linClrLst>
+    <dgm:effectClrLst/>
+    <dgm:txLinClrLst/>
+    <dgm:txFillClrLst/>
+    <dgm:txEffectClrLst/>
+  </dgm:styleLbl>
+  <dgm:styleLbl name="node4">
+    <dgm:fillClrLst>
+      <a:schemeClr val="accent4"/>
+    </dgm:fillClrLst>
+    <dgm:linClrLst meth="repeat">
+      <a:schemeClr val="lt1"/>
+    </dgm:linClrLst>
+    <dgm:effectClrLst/>
+    <dgm:txLinClrLst/>
+    <dgm:txFillClrLst/>
+    <dgm:txEffectClrLst/>
+  </dgm:styleLbl>
+  <dgm:styleLbl name="fgImgPlace1">
+    <dgm:fillClrLst meth="repeat">
+      <a:schemeClr val="accent2">
+        <a:tint val="50000"/>
+      </a:schemeClr>
+      <a:schemeClr val="accent3">
+        <a:tint val="50000"/>
+      </a:schemeClr>
+      <a:schemeClr val="accent4">
+        <a:tint val="50000"/>
+      </a:schemeClr>
+      <a:schemeClr val="accent5">
+        <a:tint val="50000"/>
+      </a:schemeClr>
+      <a:schemeClr val="accent6">
+        <a:tint val="50000"/>
+      </a:schemeClr>
+    </dgm:fillClrLst>
+    <dgm:linClrLst meth="repeat">
+      <a:schemeClr val="lt1"/>
+    </dgm:linClrLst>
+    <dgm:effectClrLst/>
+    <dgm:txLinClrLst/>
+    <dgm:txFillClrLst meth="repeat">
+      <a:schemeClr val="lt1"/>
+    </dgm:txFillClrLst>
+    <dgm:txEffectClrLst/>
+  </dgm:styleLbl>
+  <dgm:styleLbl name="alignImgPlace1">
+    <dgm:fillClrLst>
+      <a:schemeClr val="accent1">
+        <a:tint val="50000"/>
+      </a:schemeClr>
+      <a:schemeClr val="accent2">
+        <a:tint val="20000"/>
+      </a:schemeClr>
+    </dgm:fillClrLst>
+    <dgm:linClrLst meth="repeat">
+      <a:schemeClr val="lt1"/>
+    </dgm:linClrLst>
+    <dgm:effectClrLst/>
+    <dgm:txLinClrLst/>
+    <dgm:txFillClrLst meth="repeat">
+      <a:schemeClr val="lt1"/>
+    </dgm:txFillClrLst>
+    <dgm:txEffectClrLst/>
+  </dgm:styleLbl>
+  <dgm:styleLbl name="bgImgPlace1">
+    <dgm:fillClrLst>
+      <a:schemeClr val="accent1">
+        <a:tint val="50000"/>
+      </a:schemeClr>
+      <a:schemeClr val="accent2">
+        <a:tint val="20000"/>
+      </a:schemeClr>
+    </dgm:fillClrLst>
+    <dgm:linClrLst meth="repeat">
+      <a:schemeClr val="lt1"/>
+    </dgm:linClrLst>
+    <dgm:effectClrLst/>
+    <dgm:txLinClrLst/>
+    <dgm:txFillClrLst meth="repeat">
+      <a:schemeClr val="lt1"/>
+    </dgm:txFillClrLst>
+    <dgm:txEffectClrLst/>
+  </dgm:styleLbl>
+  <dgm:styleLbl name="sibTrans2D1">
+    <dgm:fillClrLst meth="repeat">
+      <a:schemeClr val="accent2"/>
+      <a:schemeClr val="accent3"/>
+      <a:schemeClr val="accent4"/>
+      <a:schemeClr val="accent5"/>
+      <a:schemeClr val="accent6"/>
+    </dgm:fillClrLst>
+    <dgm:linClrLst meth="cycle">
+      <a:schemeClr val="lt1"/>
+    </dgm:linClrLst>
+    <dgm:effectClrLst/>
+    <dgm:txLinClrLst/>
+    <dgm:txFillClrLst/>
+    <dgm:txEffectClrLst/>
+  </dgm:styleLbl>
+  <dgm:styleLbl name="fgSibTrans2D1">
+    <dgm:fillClrLst meth="repeat">
+      <a:schemeClr val="accent2"/>
+      <a:schemeClr val="accent3"/>
+      <a:schemeClr val="accent4"/>
+      <a:schemeClr val="accent5"/>
+      <a:schemeClr val="accent6"/>
+    </dgm:fillClrLst>
+    <dgm:linClrLst meth="cycle">
+      <a:schemeClr val="lt1"/>
+    </dgm:linClrLst>
+    <dgm:effectClrLst/>
+    <dgm:txLinClrLst/>
+    <dgm:txFillClrLst meth="repeat">
+      <a:schemeClr val="lt1"/>
+    </dgm:txFillClrLst>
+    <dgm:txEffectClrLst/>
+  </dgm:styleLbl>
+  <dgm:styleLbl name="bgSibTrans2D1">
+    <dgm:fillClrLst meth="repeat">
+      <a:schemeClr val="accent2"/>
+      <a:schemeClr val="accent3"/>
+      <a:schemeClr val="accent4"/>
+      <a:schemeClr val="accent5"/>
+      <a:schemeClr val="accent6"/>
+    </dgm:fillClrLst>
+    <dgm:linClrLst meth="cycle">
+      <a:schemeClr val="lt1"/>
+    </dgm:linClrLst>
+    <dgm:effectClrLst/>
+    <dgm:txLinClrLst/>
+    <dgm:txFillClrLst meth="repeat">
+      <a:schemeClr val="lt1"/>
+    </dgm:txFillClrLst>
+    <dgm:txEffectClrLst/>
+  </dgm:styleLbl>
+  <dgm:styleLbl name="sibTrans1D1">
+    <dgm:fillClrLst meth="repeat">
+      <a:schemeClr val="accent2"/>
+      <a:schemeClr val="accent3"/>
+      <a:schemeClr val="accent4"/>
+      <a:schemeClr val="accent5"/>
+      <a:schemeClr val="accent6"/>
+    </dgm:fillClrLst>
+    <dgm:linClrLst meth="repeat">
+      <a:schemeClr val="accent2"/>
+      <a:schemeClr val="accent3"/>
+      <a:schemeClr val="accent4"/>
+      <a:schemeClr val="accent5"/>
+      <a:schemeClr val="accent6"/>
+    </dgm:linClrLst>
+    <dgm:effectClrLst/>
+    <dgm:txLinClrLst/>
+    <dgm:txFillClrLst meth="repeat">
+      <a:schemeClr val="tx1"/>
+    </dgm:txFillClrLst>
+    <dgm:txEffectClrLst/>
+  </dgm:styleLbl>
+  <dgm:styleLbl name="callout">
+    <dgm:fillClrLst meth="repeat">
+      <a:schemeClr val="accent2"/>
+    </dgm:fillClrLst>
+    <dgm:linClrLst meth="repeat">
+      <a:schemeClr val="accent2">
+        <a:tint val="50000"/>
+      </a:schemeClr>
+    </dgm:linClrLst>
+    <dgm:effectClrLst/>
+    <dgm:txLinClrLst/>
+    <dgm:txFillClrLst meth="repeat">
+      <a:schemeClr val="tx1"/>
+    </dgm:txFillClrLst>
+    <dgm:txEffectClrLst/>
+  </dgm:styleLbl>
+  <dgm:styleLbl name="asst0">
+    <dgm:fillClrLst meth="repeat">
+      <a:schemeClr val="accent1"/>
+    </dgm:fillClrLst>
+    <dgm:linClrLst meth="repeat">
+      <a:schemeClr val="lt1"/>
+    </dgm:linClrLst>
+    <dgm:effectClrLst/>
+    <dgm:txLinClrLst/>
+    <dgm:txFillClrLst/>
+    <dgm:txEffectClrLst/>
+  </dgm:styleLbl>
+  <dgm:styleLbl name="asst1">
+    <dgm:fillClrLst meth="repeat">
+      <a:schemeClr val="accent2"/>
+    </dgm:fillClrLst>
+    <dgm:linClrLst meth="repeat">
+      <a:schemeClr val="lt1"/>
+    </dgm:linClrLst>
+    <dgm:effectClrLst/>
+    <dgm:txLinClrLst/>
+    <dgm:txFillClrLst/>
+    <dgm:txEffectClrLst/>
+  </dgm:styleLbl>
+  <dgm:styleLbl name="asst2">
+    <dgm:fillClrLst>
+      <a:schemeClr val="accent3"/>
+    </dgm:fillClrLst>
+    <dgm:linClrLst meth="repeat">
+      <a:schemeClr val="lt1"/>
+    </dgm:linClrLst>
+    <dgm:effectClrLst/>
+    <dgm:txLinClrLst/>
+    <dgm:txFillClrLst/>
+    <dgm:txEffectClrLst/>
+  </dgm:styleLbl>
+  <dgm:styleLbl name="asst3">
+    <dgm:fillClrLst>
+      <a:schemeClr val="accent4"/>
+    </dgm:fillClrLst>
+    <dgm:linClrLst meth="repeat">
+      <a:schemeClr val="lt1"/>
+    </dgm:linClrLst>
+    <dgm:effectClrLst/>
+    <dgm:txLinClrLst/>
+    <dgm:txFillClrLst/>
+    <dgm:txEffectClrLst/>
+  </dgm:styleLbl>
+  <dgm:styleLbl name="asst4">
+    <dgm:fillClrLst>
+      <a:schemeClr val="accent5"/>
+    </dgm:fillClrLst>
+    <dgm:linClrLst meth="repeat">
+      <a:schemeClr val="lt1"/>
+    </dgm:linClrLst>
+    <dgm:effectClrLst/>
+    <dgm:txLinClrLst/>
+    <dgm:txFillClrLst/>
+    <dgm:txEffectClrLst/>
+  </dgm:styleLbl>
+  <dgm:styleLbl name="parChTrans2D1">
+    <dgm:fillClrLst meth="repeat">
+      <a:schemeClr val="accent2"/>
+    </dgm:fillClrLst>
+    <dgm:linClrLst meth="repeat">
+      <a:schemeClr val="lt1"/>
+    </dgm:linClrLst>
+    <dgm:effectClrLst/>
+    <dgm:txLinClrLst/>
+    <dgm:txFillClrLst meth="repeat">
+      <a:schemeClr val="lt1"/>
+    </dgm:txFillClrLst>
+    <dgm:txEffectClrLst/>
+  </dgm:styleLbl>
+  <dgm:styleLbl name="parChTrans2D2">
+    <dgm:fillClrLst meth="repeat">
+      <a:schemeClr val="accent3"/>
+    </dgm:fillClrLst>
+    <dgm:linClrLst meth="repeat">
+      <a:schemeClr val="lt1"/>
+    </dgm:linClrLst>
+    <dgm:effectClrLst/>
+    <dgm:txLinClrLst/>
+    <dgm:txFillClrLst/>
+    <dgm:txEffectClrLst/>
+  </dgm:styleLbl>
+  <dgm:styleLbl name="parChTrans2D3">
+    <dgm:fillClrLst meth="repeat">
+      <a:schemeClr val="accent4"/>
+    </dgm:fillClrLst>
+    <dgm:linClrLst meth="repeat">
+      <a:schemeClr val="lt1"/>
+    </dgm:linClrLst>
+    <dgm:effectClrLst/>
+    <dgm:txLinClrLst/>
+    <dgm:txFillClrLst/>
+    <dgm:txEffectClrLst/>
+  </dgm:styleLbl>
+  <dgm:styleLbl name="parChTrans2D4">
+    <dgm:fillClrLst meth="repeat">
+      <a:schemeClr val="accent5"/>
+    </dgm:fillClrLst>
+    <dgm:linClrLst meth="repeat">
+      <a:schemeClr val="lt1"/>
+    </dgm:linClrLst>
+    <dgm:effectClrLst/>
+    <dgm:txLinClrLst/>
+    <dgm:txFillClrLst meth="repeat">
+      <a:schemeClr val="lt1"/>
+    </dgm:txFillClrLst>
+    <dgm:txEffectClrLst/>
+  </dgm:styleLbl>
+  <dgm:styleLbl name="parChTrans1D1">
+    <dgm:fillClrLst meth="repeat">
+      <a:schemeClr val="accent2"/>
+    </dgm:fillClrLst>
+    <dgm:linClrLst meth="repeat">
+      <a:schemeClr val="accent1"/>
+    </dgm:linClrLst>
+    <dgm:effectClrLst/>
+    <dgm:txLinClrLst/>
+    <dgm:txFillClrLst meth="repeat">
+      <a:schemeClr val="tx1"/>
+    </dgm:txFillClrLst>
+    <dgm:txEffectClrLst/>
+  </dgm:styleLbl>
+  <dgm:styleLbl name="parChTrans1D2">
+    <dgm:fillClrLst meth="repeat">
+      <a:schemeClr val="accent3">
+        <a:tint val="90000"/>
+      </a:schemeClr>
+    </dgm:fillClrLst>
+    <dgm:linClrLst meth="repeat">
+      <a:schemeClr val="accent2"/>
+    </dgm:linClrLst>
+    <dgm:effectClrLst/>
+    <dgm:txLinClrLst/>
+    <dgm:txFillClrLst meth="repeat">
+      <a:schemeClr val="tx1"/>
+    </dgm:txFillClrLst>
+    <dgm:txEffectClrLst/>
+  </dgm:styleLbl>
+  <dgm:styleLbl name="parChTrans1D3">
+    <dgm:fillClrLst meth="repeat">
+      <a:schemeClr val="accent4">
+        <a:tint val="70000"/>
+      </a:schemeClr>
+    </dgm:fillClrLst>
+    <dgm:linClrLst meth="repeat">
+      <a:schemeClr val="accent3"/>
+    </dgm:linClrLst>
+    <dgm:effectClrLst/>
+    <dgm:txLinClrLst/>
+    <dgm:txFillClrLst meth="repeat">
+      <a:schemeClr val="tx1"/>
+    </dgm:txFillClrLst>
+    <dgm:txEffectClrLst/>
+  </dgm:styleLbl>
+  <dgm:styleLbl name="parChTrans1D4">
+    <dgm:fillClrLst meth="repeat">
+      <a:schemeClr val="accent5">
+        <a:tint val="50000"/>
+      </a:schemeClr>
+    </dgm:fillClrLst>
+    <dgm:linClrLst meth="repeat">
+      <a:schemeClr val="accent4"/>
+    </dgm:linClrLst>
+    <dgm:effectClrLst/>
+    <dgm:txLinClrLst/>
+    <dgm:txFillClrLst meth="repeat">
+      <a:schemeClr val="tx1"/>
+    </dgm:txFillClrLst>
+    <dgm:txEffectClrLst/>
+  </dgm:styleLbl>
+  <dgm:styleLbl name="fgAcc1">
+    <dgm:fillClrLst meth="repeat">
+      <a:schemeClr val="lt1">
+        <a:alpha val="90000"/>
+      </a:schemeClr>
+    </dgm:fillClrLst>
+    <dgm:linClrLst meth="repeat">
+      <a:schemeClr val="accent2"/>
+      <a:schemeClr val="accent3"/>
+      <a:schemeClr val="accent4"/>
+      <a:schemeClr val="accent5"/>
+      <a:schemeClr val="accent6"/>
+    </dgm:linClrLst>
+    <dgm:effectClrLst/>
+    <dgm:txLinClrLst/>
+    <dgm:txFillClrLst meth="repeat">
+      <a:schemeClr val="dk1"/>
+    </dgm:txFillClrLst>
+    <dgm:txEffectClrLst/>
+  </dgm:styleLbl>
+  <dgm:styleLbl name="conFgAcc1">
+    <dgm:fillClrLst meth="repeat">
+      <a:schemeClr val="lt1">
+        <a:alpha val="90000"/>
+      </a:schemeClr>
+    </dgm:fillClrLst>
+    <dgm:linClrLst meth="repeat">
+      <a:schemeClr val="accent2"/>
+      <a:schemeClr val="accent3"/>
+      <a:schemeClr val="accent4"/>
+      <a:schemeClr val="accent5"/>
+      <a:schemeClr val="accent6"/>
+    </dgm:linClrLst>
+    <dgm:effectClrLst/>
+    <dgm:txLinClrLst/>
+    <dgm:txFillClrLst meth="repeat">
+      <a:schemeClr val="dk1"/>
+    </dgm:txFillClrLst>
+    <dgm:txEffectClrLst/>
+  </dgm:styleLbl>
+  <dgm:styleLbl name="alignAcc1">
+    <dgm:fillClrLst meth="repeat">
+      <a:schemeClr val="lt1">
+        <a:alpha val="90000"/>
+      </a:schemeClr>
+    </dgm:fillClrLst>
+    <dgm:linClrLst meth="repeat">
+      <a:schemeClr val="accent2"/>
+      <a:schemeClr val="accent3"/>
+      <a:schemeClr val="accent4"/>
+      <a:schemeClr val="accent5"/>
+      <a:schemeClr val="accent6"/>
+    </dgm:linClrLst>
+    <dgm:effectClrLst/>
+    <dgm:txLinClrLst/>
+    <dgm:txFillClrLst meth="repeat">
+      <a:schemeClr val="dk1"/>
+    </dgm:txFillClrLst>
+    <dgm:txEffectClrLst/>
+  </dgm:styleLbl>
+  <dgm:styleLbl name="trAlignAcc1">
+    <dgm:fillClrLst meth="repeat">
+      <a:schemeClr val="lt1">
+        <a:alpha val="40000"/>
+      </a:schemeClr>
+    </dgm:fillClrLst>
+    <dgm:linClrLst meth="repeat">
+      <a:schemeClr val="accent1"/>
+    </dgm:linClrLst>
+    <dgm:effectClrLst/>
+    <dgm:txLinClrLst/>
+    <dgm:txFillClrLst meth="repeat">
+      <a:schemeClr val="dk1"/>
+    </dgm:txFillClrLst>
+    <dgm:txEffectClrLst/>
+  </dgm:styleLbl>
+  <dgm:styleLbl name="bgAcc1">
+    <dgm:fillClrLst meth="repeat">
+      <a:schemeClr val="lt1">
+        <a:alpha val="90000"/>
+      </a:schemeClr>
+    </dgm:fillClrLst>
+    <dgm:linClrLst meth="repeat">
+      <a:schemeClr val="accent2"/>
+      <a:schemeClr val="accent3"/>
+      <a:schemeClr val="accent4"/>
+      <a:schemeClr val="accent5"/>
+      <a:schemeClr val="accent6"/>
+    </dgm:linClrLst>
+    <dgm:effectClrLst/>
+    <dgm:txLinClrLst/>
+    <dgm:txFillClrLst meth="repeat">
+      <a:schemeClr val="dk1"/>
+    </dgm:txFillClrLst>
+    <dgm:txEffectClrLst/>
+  </dgm:styleLbl>
+  <dgm:styleLbl name="solidFgAcc1">
+    <dgm:fillClrLst meth="repeat">
+      <a:schemeClr val="lt1"/>
+    </dgm:fillClrLst>
+    <dgm:linClrLst meth="repeat">
+      <a:schemeClr val="accent2"/>
+      <a:schemeClr val="accent3"/>
+      <a:schemeClr val="accent4"/>
+      <a:schemeClr val="accent5"/>
+      <a:schemeClr val="accent6"/>
+    </dgm:linClrLst>
+    <dgm:effectClrLst/>
+    <dgm:txLinClrLst/>
+    <dgm:txFillClrLst meth="repeat">
+      <a:schemeClr val="dk1"/>
+    </dgm:txFillClrLst>
+    <dgm:txEffectClrLst/>
+  </dgm:styleLbl>
+  <dgm:styleLbl name="solidAlignAcc1">
+    <dgm:fillClrLst meth="repeat">
+      <a:schemeClr val="lt1"/>
+    </dgm:fillClrLst>
+    <dgm:linClrLst meth="repeat">
+      <a:schemeClr val="accent2"/>
+      <a:schemeClr val="accent3"/>
+      <a:schemeClr val="accent4"/>
+      <a:schemeClr val="accent5"/>
+      <a:schemeClr val="accent6"/>
+    </dgm:linClrLst>
+    <dgm:effectClrLst/>
+    <dgm:txLinClrLst/>
+    <dgm:txFillClrLst meth="repeat">
+      <a:schemeClr val="dk1"/>
+    </dgm:txFillClrLst>
+    <dgm:txEffectClrLst/>
+  </dgm:styleLbl>
+  <dgm:styleLbl name="solidBgAcc1">
+    <dgm:fillClrLst meth="repeat">
+      <a:schemeClr val="lt1"/>
+    </dgm:fillClrLst>
+    <dgm:linClrLst meth="repeat">
+      <a:schemeClr val="accent2"/>
+      <a:schemeClr val="accent3"/>
+      <a:schemeClr val="accent4"/>
+      <a:schemeClr val="accent5"/>
+      <a:schemeClr val="accent6"/>
+    </dgm:linClrLst>
+    <dgm:effectClrLst/>
+    <dgm:txLinClrLst/>
+    <dgm:txFillClrLst meth="repeat">
+      <a:schemeClr val="dk1"/>
+    </dgm:txFillClrLst>
+    <dgm:txEffectClrLst/>
+  </dgm:styleLbl>
+  <dgm:styleLbl name="fgAccFollowNode1">
+    <dgm:fillClrLst meth="repeat">
+      <a:schemeClr val="accent2">
+        <a:tint val="40000"/>
+        <a:alpha val="90000"/>
+      </a:schemeClr>
+      <a:schemeClr val="accent3">
+        <a:tint val="40000"/>
+        <a:alpha val="90000"/>
+      </a:schemeClr>
+      <a:schemeClr val="accent4">
+        <a:tint val="40000"/>
+        <a:alpha val="90000"/>
+      </a:schemeClr>
+      <a:schemeClr val="accent5">
+        <a:tint val="40000"/>
+        <a:alpha val="90000"/>
+      </a:schemeClr>
+      <a:schemeClr val="accent6">
+        <a:tint val="40000"/>
+        <a:alpha val="90000"/>
+      </a:schemeClr>
+    </dgm:fillClrLst>
+    <dgm:linClrLst meth="repeat">
+      <a:schemeClr val="accent2">
+        <a:tint val="40000"/>
+        <a:alpha val="90000"/>
+      </a:schemeClr>
+      <a:schemeClr val="accent3">
+        <a:tint val="40000"/>
+        <a:alpha val="90000"/>
+      </a:schemeClr>
+      <a:schemeClr val="accent4">
+        <a:tint val="40000"/>
+        <a:alpha val="90000"/>
+      </a:schemeClr>
+      <a:schemeClr val="accent5">
+        <a:tint val="40000"/>
+        <a:alpha val="90000"/>
+      </a:schemeClr>
+      <a:schemeClr val="accent6">
+        <a:tint val="40000"/>
+        <a:alpha val="90000"/>
+      </a:schemeClr>
+    </dgm:linClrLst>
+    <dgm:effectClrLst/>
+    <dgm:txLinClrLst/>
+    <dgm:txFillClrLst meth="repeat">
+      <a:schemeClr val="dk1"/>
+    </dgm:txFillClrLst>
+    <dgm:txEffectClrLst/>
+  </dgm:styleLbl>
+  <dgm:styleLbl name="alignAccFollowNode1">
+    <dgm:fillClrLst meth="repeat">
+      <a:schemeClr val="accent2">
+        <a:tint val="40000"/>
+        <a:alpha val="90000"/>
+      </a:schemeClr>
+      <a:schemeClr val="accent3">
+        <a:tint val="40000"/>
+        <a:alpha val="90000"/>
+      </a:schemeClr>
+      <a:schemeClr val="accent4">
+        <a:tint val="40000"/>
+        <a:alpha val="90000"/>
+      </a:schemeClr>
+      <a:schemeClr val="accent5">
+        <a:tint val="40000"/>
+        <a:alpha val="90000"/>
+      </a:schemeClr>
+      <a:schemeClr val="accent6">
+        <a:tint val="40000"/>
+        <a:alpha val="90000"/>
+      </a:schemeClr>
+    </dgm:fillClrLst>
+    <dgm:linClrLst meth="repeat">
+      <a:schemeClr val="accent2">
+        <a:tint val="40000"/>
+        <a:alpha val="90000"/>
+      </a:schemeClr>
+      <a:schemeClr val="accent3">
+        <a:tint val="40000"/>
+        <a:alpha val="90000"/>
+      </a:schemeClr>
+      <a:schemeClr val="accent4">
+        <a:tint val="40000"/>
+        <a:alpha val="90000"/>
+      </a:schemeClr>
+      <a:schemeClr val="accent5">
+        <a:tint val="40000"/>
+        <a:alpha val="90000"/>
+      </a:schemeClr>
+      <a:schemeClr val="accent6">
+        <a:tint val="40000"/>
+        <a:alpha val="90000"/>
+      </a:schemeClr>
+    </dgm:linClrLst>
+    <dgm:effectClrLst/>
+    <dgm:txLinClrLst/>
+    <dgm:txFillClrLst meth="repeat">
+      <a:schemeClr val="dk1"/>
+    </dgm:txFillClrLst>
+    <dgm:txEffectClrLst/>
+  </dgm:styleLbl>
+  <dgm:styleLbl name="bgAccFollowNode1">
+    <dgm:fillClrLst meth="repeat">
+      <a:schemeClr val="accent2">
+        <a:tint val="40000"/>
+        <a:alpha val="90000"/>
+      </a:schemeClr>
+      <a:schemeClr val="accent3">
+        <a:tint val="40000"/>
+        <a:alpha val="90000"/>
+      </a:schemeClr>
+      <a:schemeClr val="accent4">
+        <a:tint val="40000"/>
+        <a:alpha val="90000"/>
+      </a:schemeClr>
+      <a:schemeClr val="accent5">
+        <a:tint val="40000"/>
+        <a:alpha val="90000"/>
+      </a:schemeClr>
+      <a:schemeClr val="accent6">
+        <a:tint val="40000"/>
+        <a:alpha val="90000"/>
+      </a:schemeClr>
+    </dgm:fillClrLst>
+    <dgm:linClrLst meth="repeat">
+      <a:schemeClr val="accent2">
+        <a:tint val="40000"/>
+        <a:alpha val="90000"/>
+      </a:schemeClr>
+      <a:schemeClr val="accent3">
+        <a:tint val="40000"/>
+        <a:alpha val="90000"/>
+      </a:schemeClr>
+      <a:schemeClr val="accent4">
+        <a:tint val="40000"/>
+        <a:alpha val="90000"/>
+      </a:schemeClr>
+      <a:schemeClr val="accent5">
+        <a:tint val="40000"/>
+        <a:alpha val="90000"/>
+      </a:schemeClr>
+      <a:schemeClr val="accent6">
+        <a:tint val="40000"/>
+        <a:alpha val="90000"/>
+      </a:schemeClr>
+    </dgm:linClrLst>
+    <dgm:effectClrLst/>
+    <dgm:txLinClrLst/>
+    <dgm:txFillClrLst meth="repeat">
+      <a:schemeClr val="dk1"/>
+    </dgm:txFillClrLst>
+    <dgm:txEffectClrLst/>
+  </dgm:styleLbl>
+  <dgm:styleLbl name="fgAcc0">
+    <dgm:fillClrLst meth="repeat">
+      <a:schemeClr val="lt1">
+        <a:alpha val="90000"/>
+      </a:schemeClr>
+    </dgm:fillClrLst>
+    <dgm:linClrLst>
+      <a:schemeClr val="accent1"/>
+    </dgm:linClrLst>
+    <dgm:effectClrLst/>
+    <dgm:txLinClrLst/>
+    <dgm:txFillClrLst meth="repeat">
+      <a:schemeClr val="dk1"/>
+    </dgm:txFillClrLst>
+    <dgm:txEffectClrLst/>
+  </dgm:styleLbl>
+  <dgm:styleLbl name="fgAcc2">
+    <dgm:fillClrLst meth="repeat">
+      <a:schemeClr val="lt1">
+        <a:alpha val="90000"/>
+      </a:schemeClr>
+    </dgm:fillClrLst>
+    <dgm:linClrLst>
+      <a:schemeClr val="accent2"/>
+    </dgm:linClrLst>
+    <dgm:effectClrLst/>
+    <dgm:txLinClrLst/>
+    <dgm:txFillClrLst meth="repeat">
+      <a:schemeClr val="dk1"/>
+    </dgm:txFillClrLst>
+    <dgm:txEffectClrLst/>
+  </dgm:styleLbl>
+  <dgm:styleLbl name="fgAcc3">
+    <dgm:fillClrLst meth="repeat">
+      <a:schemeClr val="lt1">
+        <a:alpha val="90000"/>
+      </a:schemeClr>
+    </dgm:fillClrLst>
+    <dgm:linClrLst>
+      <a:schemeClr val="accent3"/>
+    </dgm:linClrLst>
+    <dgm:effectClrLst/>
+    <dgm:txLinClrLst/>
+    <dgm:txFillClrLst meth="repeat">
+      <a:schemeClr val="dk1"/>
+    </dgm:txFillClrLst>
+    <dgm:txEffectClrLst/>
+  </dgm:styleLbl>
+  <dgm:styleLbl name="fgAcc4">
+    <dgm:fillClrLst meth="repeat">
+      <a:schemeClr val="lt1">
+        <a:alpha val="90000"/>
+      </a:schemeClr>
+    </dgm:fillClrLst>
+    <dgm:linClrLst>
+      <a:schemeClr val="accent4"/>
+    </dgm:linClrLst>
+    <dgm:effectClrLst/>
+    <dgm:txLinClrLst/>
+    <dgm:txFillClrLst meth="repeat">
+      <a:schemeClr val="dk1"/>
+    </dgm:txFillClrLst>
+    <dgm:txEffectClrLst/>
+  </dgm:styleLbl>
+  <dgm:styleLbl name="bgShp">
+    <dgm:fillClrLst meth="repeat">
+      <a:schemeClr val="accent2">
+        <a:tint val="40000"/>
+      </a:schemeClr>
+    </dgm:fillClrLst>
+    <dgm:linClrLst meth="repeat">
+      <a:schemeClr val="dk1"/>
+    </dgm:linClrLst>
+    <dgm:effectClrLst/>
+    <dgm:txLinClrLst/>
+    <dgm:txFillClrLst meth="repeat">
+      <a:schemeClr val="dk1"/>
+    </dgm:txFillClrLst>
+    <dgm:txEffectClrLst/>
+  </dgm:styleLbl>
+  <dgm:styleLbl name="dkBgShp">
+    <dgm:fillClrLst meth="repeat">
+      <a:schemeClr val="accent2">
+        <a:shade val="90000"/>
+      </a:schemeClr>
+    </dgm:fillClrLst>
+    <dgm:linClrLst meth="repeat">
+      <a:schemeClr val="dk1"/>
+    </dgm:linClrLst>
+    <dgm:effectClrLst/>
+    <dgm:txLinClrLst/>
+    <dgm:txFillClrLst meth="repeat">
+      <a:schemeClr val="lt1"/>
+    </dgm:txFillClrLst>
+    <dgm:txEffectClrLst/>
+  </dgm:styleLbl>
+  <dgm:styleLbl name="trBgShp">
+    <dgm:fillClrLst meth="repeat">
+      <a:schemeClr val="accent1">
+        <a:tint val="50000"/>
+        <a:alpha val="40000"/>
+      </a:schemeClr>
+    </dgm:fillClrLst>
+    <dgm:linClrLst meth="repeat">
+      <a:schemeClr val="accent2"/>
+    </dgm:linClrLst>
+    <dgm:effectClrLst/>
+    <dgm:txLinClrLst/>
+    <dgm:txFillClrLst meth="repeat">
+      <a:schemeClr val="lt1"/>
+    </dgm:txFillClrLst>
+    <dgm:txEffectClrLst/>
+  </dgm:styleLbl>
+  <dgm:styleLbl name="fgShp">
+    <dgm:fillClrLst meth="repeat">
+      <a:schemeClr val="accent2">
+        <a:tint val="40000"/>
+      </a:schemeClr>
+    </dgm:fillClrLst>
+    <dgm:linClrLst meth="repeat">
+      <a:schemeClr val="lt1"/>
+    </dgm:linClrLst>
+    <dgm:effectClrLst/>
+    <dgm:txLinClrLst/>
+    <dgm:txFillClrLst meth="repeat">
+      <a:schemeClr val="dk1"/>
+    </dgm:txFillClrLst>
+    <dgm:txEffectClrLst/>
+  </dgm:styleLbl>
+  <dgm:styleLbl name="revTx">
+    <dgm:fillClrLst meth="repeat">
+      <a:schemeClr val="lt1">
+        <a:alpha val="0"/>
+      </a:schemeClr>
+    </dgm:fillClrLst>
+    <dgm:linClrLst meth="repeat">
+      <a:schemeClr val="dk1">
+        <a:alpha val="0"/>
+      </a:schemeClr>
+    </dgm:linClrLst>
+    <dgm:effectClrLst/>
+    <dgm:txLinClrLst/>
+    <dgm:txFillClrLst meth="repeat">
+      <a:schemeClr val="tx1"/>
+    </dgm:txFillClrLst>
+    <dgm:txEffectClrLst/>
+  </dgm:styleLbl>
+</dgm:colorsDef>
+</file>
+
+<file path=ppt/diagrams/colors6.xml><?xml version="1.0" encoding="utf-8"?>
 <dgm:colorsDef xmlns:dgm="http://schemas.openxmlformats.org/drawingml/2006/diagram" xmlns:a="http://schemas.openxmlformats.org/drawingml/2006/main" uniqueId="urn:microsoft.com/office/officeart/2005/8/colors/colorful1">
   <dgm:title val=""/>
   <dgm:desc val=""/>
@@ -4700,6 +5625,13 @@
         </dgm:presLayoutVars>
       </dgm:prSet>
       <dgm:spPr/>
+      <dgm:t>
+        <a:bodyPr/>
+        <a:lstStyle/>
+        <a:p>
+          <a:endParaRPr lang="en-US"/>
+        </a:p>
+      </dgm:t>
     </dgm:pt>
     <dgm:pt modelId="{5616BC66-0697-428E-99E0-2BDA22F1793D}" type="pres">
       <dgm:prSet presAssocID="{72F3D273-1F0C-476B-9701-763CAC292759}" presName="parTxOnlySpace" presStyleCnt="0"/>
@@ -4911,6 +5843,13 @@
         </dgm:presLayoutVars>
       </dgm:prSet>
       <dgm:spPr/>
+      <dgm:t>
+        <a:bodyPr/>
+        <a:lstStyle/>
+        <a:p>
+          <a:endParaRPr lang="en-US"/>
+        </a:p>
+      </dgm:t>
     </dgm:pt>
     <dgm:pt modelId="{C6E09253-7A77-4BCE-9B03-0D37A7DE5FAD}" type="pres">
       <dgm:prSet presAssocID="{3B367015-3BBF-4792-8C97-13D7DD6C4D9B}" presName="parTxOnly" presStyleLbl="node1" presStyleIdx="0" presStyleCnt="3">
@@ -4942,6 +5881,13 @@
         </dgm:presLayoutVars>
       </dgm:prSet>
       <dgm:spPr/>
+      <dgm:t>
+        <a:bodyPr/>
+        <a:lstStyle/>
+        <a:p>
+          <a:endParaRPr lang="en-US"/>
+        </a:p>
+      </dgm:t>
     </dgm:pt>
     <dgm:pt modelId="{BB89E59B-1AB8-4880-863B-ECBC35F3D4AB}" type="pres">
       <dgm:prSet presAssocID="{2976EC31-A138-453F-9CDF-45D90A76D998}" presName="parTxOnlySpace" presStyleCnt="0"/>
@@ -4967,12 +5913,12 @@
   </dgm:ptLst>
   <dgm:cxnLst>
     <dgm:cxn modelId="{24DD7722-46FD-4200-B7D5-61A9E110788C}" srcId="{3D9273F7-7E7E-4C59-809F-5613DB78CA3C}" destId="{7BFB5E0C-2087-4FC0-B908-02C54578800C}" srcOrd="2" destOrd="0" parTransId="{37C758F1-5F9D-47B0-BA06-F5E94879872B}" sibTransId="{9E84FEFD-F5E5-42F1-84F0-60A7DA731232}"/>
-    <dgm:cxn modelId="{E2B36F32-8BE0-42BA-A297-94CD8276B41E}" srcId="{3D9273F7-7E7E-4C59-809F-5613DB78CA3C}" destId="{EC8E9226-10F1-42F8-84D8-4822C8CAEA02}" srcOrd="1" destOrd="0" parTransId="{88F57ECB-17E9-47E1-A62F-FD695A54F6B9}" sibTransId="{2976EC31-A138-453F-9CDF-45D90A76D998}"/>
-    <dgm:cxn modelId="{3E9C5680-102D-4A1A-ABDE-3D3203FEF883}" type="presOf" srcId="{3D9273F7-7E7E-4C59-809F-5613DB78CA3C}" destId="{208A7384-CC27-451E-8B48-C70FD933E605}" srcOrd="0" destOrd="0" presId="urn:microsoft.com/office/officeart/2005/8/layout/chevron1"/>
+    <dgm:cxn modelId="{24FB12CC-901B-4FA5-AE87-5AED1A9C976F}" type="presOf" srcId="{EC8E9226-10F1-42F8-84D8-4822C8CAEA02}" destId="{584B76BB-8120-498C-B1E4-A92DE635FF67}" srcOrd="0" destOrd="0" presId="urn:microsoft.com/office/officeart/2005/8/layout/chevron1"/>
     <dgm:cxn modelId="{B0A2F802-781E-45F8-B2CC-E8867DE1DA50}" type="presOf" srcId="{7BFB5E0C-2087-4FC0-B908-02C54578800C}" destId="{4622EEEB-E606-472B-8F1D-CEF0AAFCF9F7}" srcOrd="0" destOrd="0" presId="urn:microsoft.com/office/officeart/2005/8/layout/chevron1"/>
     <dgm:cxn modelId="{569137A7-1735-4D24-BE59-0EE5C2615C28}" type="presOf" srcId="{3B367015-3BBF-4792-8C97-13D7DD6C4D9B}" destId="{C6E09253-7A77-4BCE-9B03-0D37A7DE5FAD}" srcOrd="0" destOrd="0" presId="urn:microsoft.com/office/officeart/2005/8/layout/chevron1"/>
-    <dgm:cxn modelId="{24FB12CC-901B-4FA5-AE87-5AED1A9C976F}" type="presOf" srcId="{EC8E9226-10F1-42F8-84D8-4822C8CAEA02}" destId="{584B76BB-8120-498C-B1E4-A92DE635FF67}" srcOrd="0" destOrd="0" presId="urn:microsoft.com/office/officeart/2005/8/layout/chevron1"/>
+    <dgm:cxn modelId="{E2B36F32-8BE0-42BA-A297-94CD8276B41E}" srcId="{3D9273F7-7E7E-4C59-809F-5613DB78CA3C}" destId="{EC8E9226-10F1-42F8-84D8-4822C8CAEA02}" srcOrd="1" destOrd="0" parTransId="{88F57ECB-17E9-47E1-A62F-FD695A54F6B9}" sibTransId="{2976EC31-A138-453F-9CDF-45D90A76D998}"/>
     <dgm:cxn modelId="{A512C76E-4C0A-4972-9873-26727D8807CF}" srcId="{3D9273F7-7E7E-4C59-809F-5613DB78CA3C}" destId="{3B367015-3BBF-4792-8C97-13D7DD6C4D9B}" srcOrd="0" destOrd="0" parTransId="{F69A5F9A-A4FD-47C3-8D3D-A13ACE06ECAD}" sibTransId="{1C53695C-CC28-49D5-B332-E52AA771D9A3}"/>
+    <dgm:cxn modelId="{3E9C5680-102D-4A1A-ABDE-3D3203FEF883}" type="presOf" srcId="{3D9273F7-7E7E-4C59-809F-5613DB78CA3C}" destId="{208A7384-CC27-451E-8B48-C70FD933E605}" srcOrd="0" destOrd="0" presId="urn:microsoft.com/office/officeart/2005/8/layout/chevron1"/>
     <dgm:cxn modelId="{5E1DB265-0126-48B0-A3D2-3610181CB7F6}" type="presParOf" srcId="{208A7384-CC27-451E-8B48-C70FD933E605}" destId="{C6E09253-7A77-4BCE-9B03-0D37A7DE5FAD}" srcOrd="0" destOrd="0" presId="urn:microsoft.com/office/officeart/2005/8/layout/chevron1"/>
     <dgm:cxn modelId="{E94B9368-D233-4900-ABEA-924D68DFA156}" type="presParOf" srcId="{208A7384-CC27-451E-8B48-C70FD933E605}" destId="{D64E4D7D-F94C-4F93-8F66-70779D9A9F65}" srcOrd="1" destOrd="0" presId="urn:microsoft.com/office/officeart/2005/8/layout/chevron1"/>
     <dgm:cxn modelId="{740F73EE-7CCD-4453-A40B-6343B363C369}" type="presParOf" srcId="{208A7384-CC27-451E-8B48-C70FD933E605}" destId="{584B76BB-8120-498C-B1E4-A92DE635FF67}" srcOrd="2" destOrd="0" presId="urn:microsoft.com/office/officeart/2005/8/layout/chevron1"/>
@@ -5153,6 +6099,13 @@
         </dgm:presLayoutVars>
       </dgm:prSet>
       <dgm:spPr/>
+      <dgm:t>
+        <a:bodyPr/>
+        <a:lstStyle/>
+        <a:p>
+          <a:endParaRPr lang="en-US"/>
+        </a:p>
+      </dgm:t>
     </dgm:pt>
     <dgm:pt modelId="{C6E09253-7A77-4BCE-9B03-0D37A7DE5FAD}" type="pres">
       <dgm:prSet presAssocID="{3B367015-3BBF-4792-8C97-13D7DD6C4D9B}" presName="parTxOnly" presStyleLbl="node1" presStyleIdx="0" presStyleCnt="3">
@@ -5184,6 +6137,13 @@
         </dgm:presLayoutVars>
       </dgm:prSet>
       <dgm:spPr/>
+      <dgm:t>
+        <a:bodyPr/>
+        <a:lstStyle/>
+        <a:p>
+          <a:endParaRPr lang="en-US"/>
+        </a:p>
+      </dgm:t>
     </dgm:pt>
     <dgm:pt modelId="{BB89E59B-1AB8-4880-863B-ECBC35F3D4AB}" type="pres">
       <dgm:prSet presAssocID="{2976EC31-A138-453F-9CDF-45D90A76D998}" presName="parTxOnlySpace" presStyleCnt="0"/>
@@ -5412,6 +6372,13 @@
         </dgm:presLayoutVars>
       </dgm:prSet>
       <dgm:spPr/>
+      <dgm:t>
+        <a:bodyPr/>
+        <a:lstStyle/>
+        <a:p>
+          <a:endParaRPr lang="en-US"/>
+        </a:p>
+      </dgm:t>
     </dgm:pt>
     <dgm:pt modelId="{C6E09253-7A77-4BCE-9B03-0D37A7DE5FAD}" type="pres">
       <dgm:prSet presAssocID="{3B367015-3BBF-4792-8C97-13D7DD6C4D9B}" presName="parTxOnly" presStyleLbl="node1" presStyleIdx="0" presStyleCnt="3">
@@ -5443,6 +6410,13 @@
         </dgm:presLayoutVars>
       </dgm:prSet>
       <dgm:spPr/>
+      <dgm:t>
+        <a:bodyPr/>
+        <a:lstStyle/>
+        <a:p>
+          <a:endParaRPr lang="en-US"/>
+        </a:p>
+      </dgm:t>
     </dgm:pt>
     <dgm:pt modelId="{BB89E59B-1AB8-4880-863B-ECBC35F3D4AB}" type="pres">
       <dgm:prSet presAssocID="{2976EC31-A138-453F-9CDF-45D90A76D998}" presName="parTxOnlySpace" presStyleCnt="0"/>
@@ -5505,7 +6479,22 @@
       </dgm:t>
     </dgm:pt>
     <dgm:pt modelId="{3B367015-3BBF-4792-8C97-13D7DD6C4D9B}">
-      <dgm:prSet phldrT="[Text]"/>
+      <dgm:prSet phldrT="[Text]">
+        <dgm:style>
+          <a:lnRef idx="3">
+            <a:schemeClr val="lt1"/>
+          </a:lnRef>
+          <a:fillRef idx="1">
+            <a:schemeClr val="accent3"/>
+          </a:fillRef>
+          <a:effectRef idx="1">
+            <a:schemeClr val="accent3"/>
+          </a:effectRef>
+          <a:fontRef idx="minor">
+            <a:schemeClr val="lt1"/>
+          </a:fontRef>
+        </dgm:style>
+      </dgm:prSet>
       <dgm:spPr/>
       <dgm:t>
         <a:bodyPr/>
@@ -5544,14 +6533,16 @@
     <dgm:pt modelId="{EC8E9226-10F1-42F8-84D8-4822C8CAEA02}">
       <dgm:prSet phldrT="[Text]">
         <dgm:style>
-          <a:lnRef idx="3">
-            <a:schemeClr val="lt1"/>
+          <a:lnRef idx="2">
+            <a:schemeClr val="accent2">
+              <a:shade val="50000"/>
+            </a:schemeClr>
           </a:lnRef>
           <a:fillRef idx="1">
-            <a:schemeClr val="accent3"/>
+            <a:schemeClr val="accent2"/>
           </a:fillRef>
-          <a:effectRef idx="1">
-            <a:schemeClr val="accent3"/>
+          <a:effectRef idx="0">
+            <a:schemeClr val="accent2"/>
           </a:effectRef>
           <a:fontRef idx="minor">
             <a:schemeClr val="lt1"/>
@@ -5654,6 +6645,13 @@
         </dgm:presLayoutVars>
       </dgm:prSet>
       <dgm:spPr/>
+      <dgm:t>
+        <a:bodyPr/>
+        <a:lstStyle/>
+        <a:p>
+          <a:endParaRPr lang="en-US"/>
+        </a:p>
+      </dgm:t>
     </dgm:pt>
     <dgm:pt modelId="{C6E09253-7A77-4BCE-9B03-0D37A7DE5FAD}" type="pres">
       <dgm:prSet presAssocID="{3B367015-3BBF-4792-8C97-13D7DD6C4D9B}" presName="parTxOnly" presStyleLbl="node1" presStyleIdx="0" presStyleCnt="3">
@@ -5685,6 +6683,284 @@
         </dgm:presLayoutVars>
       </dgm:prSet>
       <dgm:spPr/>
+      <dgm:t>
+        <a:bodyPr/>
+        <a:lstStyle/>
+        <a:p>
+          <a:endParaRPr lang="en-US"/>
+        </a:p>
+      </dgm:t>
+    </dgm:pt>
+    <dgm:pt modelId="{BB89E59B-1AB8-4880-863B-ECBC35F3D4AB}" type="pres">
+      <dgm:prSet presAssocID="{2976EC31-A138-453F-9CDF-45D90A76D998}" presName="parTxOnlySpace" presStyleCnt="0"/>
+      <dgm:spPr/>
+    </dgm:pt>
+    <dgm:pt modelId="{4622EEEB-E606-472B-8F1D-CEF0AAFCF9F7}" type="pres">
+      <dgm:prSet presAssocID="{7BFB5E0C-2087-4FC0-B908-02C54578800C}" presName="parTxOnly" presStyleLbl="node1" presStyleIdx="2" presStyleCnt="3">
+        <dgm:presLayoutVars>
+          <dgm:chMax val="0"/>
+          <dgm:chPref val="0"/>
+          <dgm:bulletEnabled val="1"/>
+        </dgm:presLayoutVars>
+      </dgm:prSet>
+      <dgm:spPr/>
+      <dgm:t>
+        <a:bodyPr/>
+        <a:lstStyle/>
+        <a:p>
+          <a:endParaRPr lang="en-US"/>
+        </a:p>
+      </dgm:t>
+    </dgm:pt>
+  </dgm:ptLst>
+  <dgm:cxnLst>
+    <dgm:cxn modelId="{24DD7722-46FD-4200-B7D5-61A9E110788C}" srcId="{3D9273F7-7E7E-4C59-809F-5613DB78CA3C}" destId="{7BFB5E0C-2087-4FC0-B908-02C54578800C}" srcOrd="2" destOrd="0" parTransId="{37C758F1-5F9D-47B0-BA06-F5E94879872B}" sibTransId="{9E84FEFD-F5E5-42F1-84F0-60A7DA731232}"/>
+    <dgm:cxn modelId="{24FB12CC-901B-4FA5-AE87-5AED1A9C976F}" type="presOf" srcId="{EC8E9226-10F1-42F8-84D8-4822C8CAEA02}" destId="{584B76BB-8120-498C-B1E4-A92DE635FF67}" srcOrd="0" destOrd="0" presId="urn:microsoft.com/office/officeart/2005/8/layout/chevron1"/>
+    <dgm:cxn modelId="{B0A2F802-781E-45F8-B2CC-E8867DE1DA50}" type="presOf" srcId="{7BFB5E0C-2087-4FC0-B908-02C54578800C}" destId="{4622EEEB-E606-472B-8F1D-CEF0AAFCF9F7}" srcOrd="0" destOrd="0" presId="urn:microsoft.com/office/officeart/2005/8/layout/chevron1"/>
+    <dgm:cxn modelId="{569137A7-1735-4D24-BE59-0EE5C2615C28}" type="presOf" srcId="{3B367015-3BBF-4792-8C97-13D7DD6C4D9B}" destId="{C6E09253-7A77-4BCE-9B03-0D37A7DE5FAD}" srcOrd="0" destOrd="0" presId="urn:microsoft.com/office/officeart/2005/8/layout/chevron1"/>
+    <dgm:cxn modelId="{E2B36F32-8BE0-42BA-A297-94CD8276B41E}" srcId="{3D9273F7-7E7E-4C59-809F-5613DB78CA3C}" destId="{EC8E9226-10F1-42F8-84D8-4822C8CAEA02}" srcOrd="1" destOrd="0" parTransId="{88F57ECB-17E9-47E1-A62F-FD695A54F6B9}" sibTransId="{2976EC31-A138-453F-9CDF-45D90A76D998}"/>
+    <dgm:cxn modelId="{A512C76E-4C0A-4972-9873-26727D8807CF}" srcId="{3D9273F7-7E7E-4C59-809F-5613DB78CA3C}" destId="{3B367015-3BBF-4792-8C97-13D7DD6C4D9B}" srcOrd="0" destOrd="0" parTransId="{F69A5F9A-A4FD-47C3-8D3D-A13ACE06ECAD}" sibTransId="{1C53695C-CC28-49D5-B332-E52AA771D9A3}"/>
+    <dgm:cxn modelId="{3E9C5680-102D-4A1A-ABDE-3D3203FEF883}" type="presOf" srcId="{3D9273F7-7E7E-4C59-809F-5613DB78CA3C}" destId="{208A7384-CC27-451E-8B48-C70FD933E605}" srcOrd="0" destOrd="0" presId="urn:microsoft.com/office/officeart/2005/8/layout/chevron1"/>
+    <dgm:cxn modelId="{5E1DB265-0126-48B0-A3D2-3610181CB7F6}" type="presParOf" srcId="{208A7384-CC27-451E-8B48-C70FD933E605}" destId="{C6E09253-7A77-4BCE-9B03-0D37A7DE5FAD}" srcOrd="0" destOrd="0" presId="urn:microsoft.com/office/officeart/2005/8/layout/chevron1"/>
+    <dgm:cxn modelId="{E94B9368-D233-4900-ABEA-924D68DFA156}" type="presParOf" srcId="{208A7384-CC27-451E-8B48-C70FD933E605}" destId="{D64E4D7D-F94C-4F93-8F66-70779D9A9F65}" srcOrd="1" destOrd="0" presId="urn:microsoft.com/office/officeart/2005/8/layout/chevron1"/>
+    <dgm:cxn modelId="{740F73EE-7CCD-4453-A40B-6343B363C369}" type="presParOf" srcId="{208A7384-CC27-451E-8B48-C70FD933E605}" destId="{584B76BB-8120-498C-B1E4-A92DE635FF67}" srcOrd="2" destOrd="0" presId="urn:microsoft.com/office/officeart/2005/8/layout/chevron1"/>
+    <dgm:cxn modelId="{D0CBE2F1-FFCE-4B7F-A700-B53DCBF2B690}" type="presParOf" srcId="{208A7384-CC27-451E-8B48-C70FD933E605}" destId="{BB89E59B-1AB8-4880-863B-ECBC35F3D4AB}" srcOrd="3" destOrd="0" presId="urn:microsoft.com/office/officeart/2005/8/layout/chevron1"/>
+    <dgm:cxn modelId="{88125982-7857-496D-BB64-896F0B5FD239}" type="presParOf" srcId="{208A7384-CC27-451E-8B48-C70FD933E605}" destId="{4622EEEB-E606-472B-8F1D-CEF0AAFCF9F7}" srcOrd="4" destOrd="0" presId="urn:microsoft.com/office/officeart/2005/8/layout/chevron1"/>
+  </dgm:cxnLst>
+  <dgm:bg/>
+  <dgm:whole/>
+  <dgm:extLst>
+    <a:ext uri="http://schemas.microsoft.com/office/drawing/2008/diagram">
+      <dsp:dataModelExt xmlns:dsp="http://schemas.microsoft.com/office/drawing/2008/diagram" relId="rId6" minVer="http://schemas.openxmlformats.org/drawingml/2006/diagram"/>
+    </a:ext>
+  </dgm:extLst>
+</dgm:dataModel>
+</file>
+
+<file path=ppt/diagrams/data6.xml><?xml version="1.0" encoding="utf-8"?>
+<dgm:dataModel xmlns:dgm="http://schemas.openxmlformats.org/drawingml/2006/diagram" xmlns:a="http://schemas.openxmlformats.org/drawingml/2006/main">
+  <dgm:ptLst>
+    <dgm:pt modelId="{3D9273F7-7E7E-4C59-809F-5613DB78CA3C}" type="doc">
+      <dgm:prSet loTypeId="urn:microsoft.com/office/officeart/2005/8/layout/chevron1" loCatId="process" qsTypeId="urn:microsoft.com/office/officeart/2005/8/quickstyle/simple1" qsCatId="simple" csTypeId="urn:microsoft.com/office/officeart/2005/8/colors/colorful1" csCatId="colorful" phldr="1"/>
+      <dgm:spPr/>
+      <dgm:t>
+        <a:bodyPr/>
+        <a:lstStyle/>
+        <a:p>
+          <a:endParaRPr lang="en-US"/>
+        </a:p>
+      </dgm:t>
+    </dgm:pt>
+    <dgm:pt modelId="{3B367015-3BBF-4792-8C97-13D7DD6C4D9B}">
+      <dgm:prSet phldrT="[Text]">
+        <dgm:style>
+          <a:lnRef idx="1">
+            <a:schemeClr val="accent3"/>
+          </a:lnRef>
+          <a:fillRef idx="3">
+            <a:schemeClr val="accent3"/>
+          </a:fillRef>
+          <a:effectRef idx="2">
+            <a:schemeClr val="accent3"/>
+          </a:effectRef>
+          <a:fontRef idx="minor">
+            <a:schemeClr val="lt1"/>
+          </a:fontRef>
+        </dgm:style>
+      </dgm:prSet>
+      <dgm:spPr/>
+      <dgm:t>
+        <a:bodyPr/>
+        <a:lstStyle/>
+        <a:p>
+          <a:r>
+            <a:rPr lang="en-US" dirty="0" smtClean="0"/>
+            <a:t>Data Preparation</a:t>
+          </a:r>
+          <a:endParaRPr lang="en-US" dirty="0"/>
+        </a:p>
+      </dgm:t>
+    </dgm:pt>
+    <dgm:pt modelId="{F69A5F9A-A4FD-47C3-8D3D-A13ACE06ECAD}" type="parTrans" cxnId="{A512C76E-4C0A-4972-9873-26727D8807CF}">
+      <dgm:prSet/>
+      <dgm:spPr/>
+      <dgm:t>
+        <a:bodyPr/>
+        <a:lstStyle/>
+        <a:p>
+          <a:endParaRPr lang="en-US"/>
+        </a:p>
+      </dgm:t>
+    </dgm:pt>
+    <dgm:pt modelId="{1C53695C-CC28-49D5-B332-E52AA771D9A3}" type="sibTrans" cxnId="{A512C76E-4C0A-4972-9873-26727D8807CF}">
+      <dgm:prSet/>
+      <dgm:spPr/>
+      <dgm:t>
+        <a:bodyPr/>
+        <a:lstStyle/>
+        <a:p>
+          <a:endParaRPr lang="en-US"/>
+        </a:p>
+      </dgm:t>
+    </dgm:pt>
+    <dgm:pt modelId="{EC8E9226-10F1-42F8-84D8-4822C8CAEA02}">
+      <dgm:prSet phldrT="[Text]">
+        <dgm:style>
+          <a:lnRef idx="3">
+            <a:schemeClr val="lt1"/>
+          </a:lnRef>
+          <a:fillRef idx="1">
+            <a:schemeClr val="accent3"/>
+          </a:fillRef>
+          <a:effectRef idx="1">
+            <a:schemeClr val="accent3"/>
+          </a:effectRef>
+          <a:fontRef idx="minor">
+            <a:schemeClr val="lt1"/>
+          </a:fontRef>
+        </dgm:style>
+      </dgm:prSet>
+      <dgm:spPr/>
+      <dgm:t>
+        <a:bodyPr/>
+        <a:lstStyle/>
+        <a:p>
+          <a:r>
+            <a:rPr lang="en-US" dirty="0" smtClean="0"/>
+            <a:t>Training </a:t>
+          </a:r>
+          <a:endParaRPr lang="en-US" dirty="0"/>
+        </a:p>
+      </dgm:t>
+    </dgm:pt>
+    <dgm:pt modelId="{88F57ECB-17E9-47E1-A62F-FD695A54F6B9}" type="parTrans" cxnId="{E2B36F32-8BE0-42BA-A297-94CD8276B41E}">
+      <dgm:prSet/>
+      <dgm:spPr/>
+      <dgm:t>
+        <a:bodyPr/>
+        <a:lstStyle/>
+        <a:p>
+          <a:endParaRPr lang="en-US"/>
+        </a:p>
+      </dgm:t>
+    </dgm:pt>
+    <dgm:pt modelId="{2976EC31-A138-453F-9CDF-45D90A76D998}" type="sibTrans" cxnId="{E2B36F32-8BE0-42BA-A297-94CD8276B41E}">
+      <dgm:prSet/>
+      <dgm:spPr/>
+      <dgm:t>
+        <a:bodyPr/>
+        <a:lstStyle/>
+        <a:p>
+          <a:endParaRPr lang="en-US"/>
+        </a:p>
+      </dgm:t>
+    </dgm:pt>
+    <dgm:pt modelId="{7BFB5E0C-2087-4FC0-B908-02C54578800C}">
+      <dgm:prSet phldrT="[Text]">
+        <dgm:style>
+          <a:lnRef idx="3">
+            <a:schemeClr val="lt1"/>
+          </a:lnRef>
+          <a:fillRef idx="1">
+            <a:schemeClr val="accent2"/>
+          </a:fillRef>
+          <a:effectRef idx="1">
+            <a:schemeClr val="accent2"/>
+          </a:effectRef>
+          <a:fontRef idx="minor">
+            <a:schemeClr val="lt1"/>
+          </a:fontRef>
+        </dgm:style>
+      </dgm:prSet>
+      <dgm:spPr/>
+      <dgm:t>
+        <a:bodyPr/>
+        <a:lstStyle/>
+        <a:p>
+          <a:r>
+            <a:rPr lang="en-US" dirty="0" smtClean="0"/>
+            <a:t>Testing</a:t>
+          </a:r>
+          <a:endParaRPr lang="en-US" dirty="0"/>
+        </a:p>
+      </dgm:t>
+    </dgm:pt>
+    <dgm:pt modelId="{37C758F1-5F9D-47B0-BA06-F5E94879872B}" type="parTrans" cxnId="{24DD7722-46FD-4200-B7D5-61A9E110788C}">
+      <dgm:prSet/>
+      <dgm:spPr/>
+      <dgm:t>
+        <a:bodyPr/>
+        <a:lstStyle/>
+        <a:p>
+          <a:endParaRPr lang="en-US"/>
+        </a:p>
+      </dgm:t>
+    </dgm:pt>
+    <dgm:pt modelId="{9E84FEFD-F5E5-42F1-84F0-60A7DA731232}" type="sibTrans" cxnId="{24DD7722-46FD-4200-B7D5-61A9E110788C}">
+      <dgm:prSet/>
+      <dgm:spPr/>
+      <dgm:t>
+        <a:bodyPr/>
+        <a:lstStyle/>
+        <a:p>
+          <a:endParaRPr lang="en-US"/>
+        </a:p>
+      </dgm:t>
+    </dgm:pt>
+    <dgm:pt modelId="{208A7384-CC27-451E-8B48-C70FD933E605}" type="pres">
+      <dgm:prSet presAssocID="{3D9273F7-7E7E-4C59-809F-5613DB78CA3C}" presName="Name0" presStyleCnt="0">
+        <dgm:presLayoutVars>
+          <dgm:dir/>
+          <dgm:animLvl val="lvl"/>
+          <dgm:resizeHandles val="exact"/>
+        </dgm:presLayoutVars>
+      </dgm:prSet>
+      <dgm:spPr/>
+      <dgm:t>
+        <a:bodyPr/>
+        <a:lstStyle/>
+        <a:p>
+          <a:endParaRPr lang="en-US"/>
+        </a:p>
+      </dgm:t>
+    </dgm:pt>
+    <dgm:pt modelId="{C6E09253-7A77-4BCE-9B03-0D37A7DE5FAD}" type="pres">
+      <dgm:prSet presAssocID="{3B367015-3BBF-4792-8C97-13D7DD6C4D9B}" presName="parTxOnly" presStyleLbl="node1" presStyleIdx="0" presStyleCnt="3">
+        <dgm:presLayoutVars>
+          <dgm:chMax val="0"/>
+          <dgm:chPref val="0"/>
+          <dgm:bulletEnabled val="1"/>
+        </dgm:presLayoutVars>
+      </dgm:prSet>
+      <dgm:spPr/>
+      <dgm:t>
+        <a:bodyPr/>
+        <a:lstStyle/>
+        <a:p>
+          <a:endParaRPr lang="en-US"/>
+        </a:p>
+      </dgm:t>
+    </dgm:pt>
+    <dgm:pt modelId="{D64E4D7D-F94C-4F93-8F66-70779D9A9F65}" type="pres">
+      <dgm:prSet presAssocID="{1C53695C-CC28-49D5-B332-E52AA771D9A3}" presName="parTxOnlySpace" presStyleCnt="0"/>
+      <dgm:spPr/>
+    </dgm:pt>
+    <dgm:pt modelId="{584B76BB-8120-498C-B1E4-A92DE635FF67}" type="pres">
+      <dgm:prSet presAssocID="{EC8E9226-10F1-42F8-84D8-4822C8CAEA02}" presName="parTxOnly" presStyleLbl="node1" presStyleIdx="1" presStyleCnt="3">
+        <dgm:presLayoutVars>
+          <dgm:chMax val="0"/>
+          <dgm:chPref val="0"/>
+          <dgm:bulletEnabled val="1"/>
+        </dgm:presLayoutVars>
+      </dgm:prSet>
+      <dgm:spPr/>
+      <dgm:t>
+        <a:bodyPr/>
+        <a:lstStyle/>
+        <a:p>
+          <a:endParaRPr lang="en-US"/>
+        </a:p>
+      </dgm:t>
     </dgm:pt>
     <dgm:pt modelId="{BB89E59B-1AB8-4880-863B-ECBC35F3D4AB}" type="pres">
       <dgm:prSet presAssocID="{2976EC31-A138-453F-9CDF-45D90A76D998}" presName="parTxOnlySpace" presStyleCnt="0"/>
@@ -6749,20 +8025,80 @@
           <a:avLst/>
         </a:prstGeom>
         <a:solidFill>
-          <a:schemeClr val="accent2">
-            <a:hueOff val="0"/>
-            <a:satOff val="0"/>
-            <a:lumOff val="0"/>
-            <a:alphaOff val="0"/>
-          </a:schemeClr>
+          <a:schemeClr val="accent3"/>
+        </a:solidFill>
+        <a:ln w="19050" cap="flat" cmpd="sng" algn="ctr">
+          <a:solidFill>
+            <a:schemeClr val="lt1"/>
+          </a:solidFill>
+          <a:prstDash val="solid"/>
+          <a:miter lim="800000"/>
+        </a:ln>
+        <a:effectLst/>
+      </dsp:spPr>
+      <dsp:style>
+        <a:lnRef idx="3">
+          <a:schemeClr val="lt1"/>
+        </a:lnRef>
+        <a:fillRef idx="1">
+          <a:schemeClr val="accent3"/>
+        </a:fillRef>
+        <a:effectRef idx="1">
+          <a:schemeClr val="accent3"/>
+        </a:effectRef>
+        <a:fontRef idx="minor">
+          <a:schemeClr val="lt1"/>
+        </a:fontRef>
+      </dsp:style>
+      <dsp:txBody>
+        <a:bodyPr spcFirstLastPara="0" vert="horz" wrap="square" lIns="60008" tIns="20003" rIns="20003" bIns="20003" numCol="1" spcCol="1270" anchor="ctr" anchorCtr="0">
+          <a:noAutofit/>
+        </a:bodyPr>
+        <a:lstStyle/>
+        <a:p>
+          <a:pPr lvl="0" algn="ctr" defTabSz="666750">
+            <a:lnSpc>
+              <a:spcPct val="90000"/>
+            </a:lnSpc>
+            <a:spcBef>
+              <a:spcPct val="0"/>
+            </a:spcBef>
+            <a:spcAft>
+              <a:spcPct val="35000"/>
+            </a:spcAft>
+          </a:pPr>
+          <a:r>
+            <a:rPr lang="en-US" sz="1500" kern="1200" dirty="0" smtClean="0"/>
+            <a:t>Data Preparation</a:t>
+          </a:r>
+          <a:endParaRPr lang="en-US" sz="1500" kern="1200" dirty="0"/>
+        </a:p>
+      </dsp:txBody>
+      <dsp:txXfrm>
+        <a:off x="231915" y="0"/>
+        <a:ext cx="1041939" cy="461364"/>
+      </dsp:txXfrm>
+    </dsp:sp>
+    <dsp:sp modelId="{584B76BB-8120-498C-B1E4-A92DE635FF67}">
+      <dsp:nvSpPr>
+        <dsp:cNvPr id="0" name=""/>
+        <dsp:cNvSpPr/>
+      </dsp:nvSpPr>
+      <dsp:spPr>
+        <a:xfrm>
+          <a:off x="1354207" y="0"/>
+          <a:ext cx="1503303" cy="461364"/>
+        </a:xfrm>
+        <a:prstGeom prst="chevron">
+          <a:avLst/>
+        </a:prstGeom>
+        <a:solidFill>
+          <a:schemeClr val="accent2"/>
         </a:solidFill>
         <a:ln w="12700" cap="flat" cmpd="sng" algn="ctr">
           <a:solidFill>
-            <a:schemeClr val="lt1">
-              <a:hueOff val="0"/>
-              <a:satOff val="0"/>
-              <a:lumOff val="0"/>
-              <a:alphaOff val="0"/>
+            <a:schemeClr val="accent2">
+              <a:shade val="50000"/>
             </a:schemeClr>
           </a:solidFill>
           <a:prstDash val="solid"/>
@@ -6772,13 +8108,209 @@
       </dsp:spPr>
       <dsp:style>
         <a:lnRef idx="2">
-          <a:scrgbClr r="0" g="0" b="0"/>
+          <a:schemeClr val="accent2">
+            <a:shade val="50000"/>
+          </a:schemeClr>
         </a:lnRef>
         <a:fillRef idx="1">
-          <a:scrgbClr r="0" g="0" b="0"/>
+          <a:schemeClr val="accent2"/>
         </a:fillRef>
         <a:effectRef idx="0">
-          <a:scrgbClr r="0" g="0" b="0"/>
+          <a:schemeClr val="accent2"/>
+        </a:effectRef>
+        <a:fontRef idx="minor">
+          <a:schemeClr val="lt1"/>
+        </a:fontRef>
+      </dsp:style>
+      <dsp:txBody>
+        <a:bodyPr spcFirstLastPara="0" vert="horz" wrap="square" lIns="60008" tIns="20003" rIns="20003" bIns="20003" numCol="1" spcCol="1270" anchor="ctr" anchorCtr="0">
+          <a:noAutofit/>
+        </a:bodyPr>
+        <a:lstStyle/>
+        <a:p>
+          <a:pPr lvl="0" algn="ctr" defTabSz="666750">
+            <a:lnSpc>
+              <a:spcPct val="90000"/>
+            </a:lnSpc>
+            <a:spcBef>
+              <a:spcPct val="0"/>
+            </a:spcBef>
+            <a:spcAft>
+              <a:spcPct val="35000"/>
+            </a:spcAft>
+          </a:pPr>
+          <a:r>
+            <a:rPr lang="en-US" sz="1500" kern="1200" dirty="0" smtClean="0"/>
+            <a:t>Training </a:t>
+          </a:r>
+          <a:endParaRPr lang="en-US" sz="1500" kern="1200" dirty="0"/>
+        </a:p>
+      </dsp:txBody>
+      <dsp:txXfrm>
+        <a:off x="1584889" y="0"/>
+        <a:ext cx="1041939" cy="461364"/>
+      </dsp:txXfrm>
+    </dsp:sp>
+    <dsp:sp modelId="{4622EEEB-E606-472B-8F1D-CEF0AAFCF9F7}">
+      <dsp:nvSpPr>
+        <dsp:cNvPr id="0" name=""/>
+        <dsp:cNvSpPr/>
+      </dsp:nvSpPr>
+      <dsp:spPr>
+        <a:xfrm>
+          <a:off x="2707181" y="0"/>
+          <a:ext cx="1503303" cy="461364"/>
+        </a:xfrm>
+        <a:prstGeom prst="chevron">
+          <a:avLst/>
+        </a:prstGeom>
+        <a:gradFill rotWithShape="1">
+          <a:gsLst>
+            <a:gs pos="0">
+              <a:schemeClr val="accent3">
+                <a:satMod val="103000"/>
+                <a:lumMod val="102000"/>
+                <a:tint val="94000"/>
+              </a:schemeClr>
+            </a:gs>
+            <a:gs pos="50000">
+              <a:schemeClr val="accent3">
+                <a:satMod val="110000"/>
+                <a:lumMod val="100000"/>
+                <a:shade val="100000"/>
+              </a:schemeClr>
+            </a:gs>
+            <a:gs pos="100000">
+              <a:schemeClr val="accent3">
+                <a:lumMod val="99000"/>
+                <a:satMod val="120000"/>
+                <a:shade val="78000"/>
+              </a:schemeClr>
+            </a:gs>
+          </a:gsLst>
+          <a:lin ang="5400000" scaled="0"/>
+        </a:gradFill>
+        <a:ln w="6350" cap="flat" cmpd="sng" algn="ctr">
+          <a:solidFill>
+            <a:schemeClr val="accent3"/>
+          </a:solidFill>
+          <a:prstDash val="solid"/>
+          <a:miter lim="800000"/>
+        </a:ln>
+        <a:effectLst/>
+      </dsp:spPr>
+      <dsp:style>
+        <a:lnRef idx="1">
+          <a:schemeClr val="accent3"/>
+        </a:lnRef>
+        <a:fillRef idx="3">
+          <a:schemeClr val="accent3"/>
+        </a:fillRef>
+        <a:effectRef idx="2">
+          <a:schemeClr val="accent3"/>
+        </a:effectRef>
+        <a:fontRef idx="minor">
+          <a:schemeClr val="lt1"/>
+        </a:fontRef>
+      </dsp:style>
+      <dsp:txBody>
+        <a:bodyPr spcFirstLastPara="0" vert="horz" wrap="square" lIns="60008" tIns="20003" rIns="20003" bIns="20003" numCol="1" spcCol="1270" anchor="ctr" anchorCtr="0">
+          <a:noAutofit/>
+        </a:bodyPr>
+        <a:lstStyle/>
+        <a:p>
+          <a:pPr lvl="0" algn="ctr" defTabSz="666750">
+            <a:lnSpc>
+              <a:spcPct val="90000"/>
+            </a:lnSpc>
+            <a:spcBef>
+              <a:spcPct val="0"/>
+            </a:spcBef>
+            <a:spcAft>
+              <a:spcPct val="35000"/>
+            </a:spcAft>
+          </a:pPr>
+          <a:r>
+            <a:rPr lang="en-US" sz="1500" kern="1200" dirty="0" smtClean="0"/>
+            <a:t>Testing</a:t>
+          </a:r>
+          <a:endParaRPr lang="en-US" sz="1500" kern="1200" dirty="0"/>
+        </a:p>
+      </dsp:txBody>
+      <dsp:txXfrm>
+        <a:off x="2937863" y="0"/>
+        <a:ext cx="1041939" cy="461364"/>
+      </dsp:txXfrm>
+    </dsp:sp>
+  </dsp:spTree>
+</dsp:drawing>
+</file>
+
+<file path=ppt/diagrams/drawing6.xml><?xml version="1.0" encoding="utf-8"?>
+<dsp:drawing xmlns:dgm="http://schemas.openxmlformats.org/drawingml/2006/diagram" xmlns:dsp="http://schemas.microsoft.com/office/drawing/2008/diagram" xmlns:a="http://schemas.openxmlformats.org/drawingml/2006/main">
+  <dsp:spTree>
+    <dsp:nvGrpSpPr>
+      <dsp:cNvPr id="0" name=""/>
+      <dsp:cNvGrpSpPr/>
+    </dsp:nvGrpSpPr>
+    <dsp:grpSpPr/>
+    <dsp:sp modelId="{C6E09253-7A77-4BCE-9B03-0D37A7DE5FAD}">
+      <dsp:nvSpPr>
+        <dsp:cNvPr id="0" name=""/>
+        <dsp:cNvSpPr/>
+      </dsp:nvSpPr>
+      <dsp:spPr>
+        <a:xfrm>
+          <a:off x="1233" y="0"/>
+          <a:ext cx="1503303" cy="461364"/>
+        </a:xfrm>
+        <a:prstGeom prst="chevron">
+          <a:avLst/>
+        </a:prstGeom>
+        <a:gradFill rotWithShape="1">
+          <a:gsLst>
+            <a:gs pos="0">
+              <a:schemeClr val="accent3">
+                <a:satMod val="103000"/>
+                <a:lumMod val="102000"/>
+                <a:tint val="94000"/>
+              </a:schemeClr>
+            </a:gs>
+            <a:gs pos="50000">
+              <a:schemeClr val="accent3">
+                <a:satMod val="110000"/>
+                <a:lumMod val="100000"/>
+                <a:shade val="100000"/>
+              </a:schemeClr>
+            </a:gs>
+            <a:gs pos="100000">
+              <a:schemeClr val="accent3">
+                <a:lumMod val="99000"/>
+                <a:satMod val="120000"/>
+                <a:shade val="78000"/>
+              </a:schemeClr>
+            </a:gs>
+          </a:gsLst>
+          <a:lin ang="5400000" scaled="0"/>
+        </a:gradFill>
+        <a:ln w="6350" cap="flat" cmpd="sng" algn="ctr">
+          <a:solidFill>
+            <a:schemeClr val="accent3"/>
+          </a:solidFill>
+          <a:prstDash val="solid"/>
+          <a:miter lim="800000"/>
+        </a:ln>
+        <a:effectLst/>
+      </dsp:spPr>
+      <dsp:style>
+        <a:lnRef idx="1">
+          <a:schemeClr val="accent3"/>
+        </a:lnRef>
+        <a:fillRef idx="3">
+          <a:schemeClr val="accent3"/>
+        </a:fillRef>
+        <a:effectRef idx="2">
+          <a:schemeClr val="accent3"/>
         </a:effectRef>
         <a:fontRef idx="minor">
           <a:schemeClr val="lt1"/>
@@ -6894,35 +8426,12 @@
         <a:prstGeom prst="chevron">
           <a:avLst/>
         </a:prstGeom>
-        <a:gradFill rotWithShape="1">
-          <a:gsLst>
-            <a:gs pos="0">
-              <a:schemeClr val="accent3">
-                <a:satMod val="103000"/>
-                <a:lumMod val="102000"/>
-                <a:tint val="94000"/>
-              </a:schemeClr>
-            </a:gs>
-            <a:gs pos="50000">
-              <a:schemeClr val="accent3">
-                <a:satMod val="110000"/>
-                <a:lumMod val="100000"/>
-                <a:shade val="100000"/>
-              </a:schemeClr>
-            </a:gs>
-            <a:gs pos="100000">
-              <a:schemeClr val="accent3">
-                <a:lumMod val="99000"/>
-                <a:satMod val="120000"/>
-                <a:shade val="78000"/>
-              </a:schemeClr>
-            </a:gs>
-          </a:gsLst>
-          <a:lin ang="5400000" scaled="0"/>
-        </a:gradFill>
-        <a:ln w="6350" cap="flat" cmpd="sng" algn="ctr">
+        <a:solidFill>
+          <a:schemeClr val="accent2"/>
+        </a:solidFill>
+        <a:ln w="19050" cap="flat" cmpd="sng" algn="ctr">
           <a:solidFill>
-            <a:schemeClr val="accent3"/>
+            <a:schemeClr val="lt1"/>
           </a:solidFill>
           <a:prstDash val="solid"/>
           <a:miter lim="800000"/>
@@ -6930,14 +8439,14 @@
         <a:effectLst/>
       </dsp:spPr>
       <dsp:style>
-        <a:lnRef idx="1">
-          <a:schemeClr val="accent3"/>
+        <a:lnRef idx="3">
+          <a:schemeClr val="lt1"/>
         </a:lnRef>
-        <a:fillRef idx="3">
-          <a:schemeClr val="accent3"/>
+        <a:fillRef idx="1">
+          <a:schemeClr val="accent2"/>
         </a:fillRef>
-        <a:effectRef idx="2">
-          <a:schemeClr val="accent3"/>
+        <a:effectRef idx="1">
+          <a:schemeClr val="accent2"/>
         </a:effectRef>
         <a:fontRef idx="minor">
           <a:schemeClr val="lt1"/>
@@ -8391,6 +9900,289 @@
 </dgm:layoutDef>
 </file>
 
+<file path=ppt/diagrams/layout6.xml><?xml version="1.0" encoding="utf-8"?>
+<dgm:layoutDef xmlns:dgm="http://schemas.openxmlformats.org/drawingml/2006/diagram" xmlns:a="http://schemas.openxmlformats.org/drawingml/2006/main" uniqueId="urn:microsoft.com/office/officeart/2005/8/layout/chevron1">
+  <dgm:title val=""/>
+  <dgm:desc val=""/>
+  <dgm:catLst>
+    <dgm:cat type="process" pri="9000"/>
+  </dgm:catLst>
+  <dgm:sampData useDef="1">
+    <dgm:dataModel>
+      <dgm:ptLst/>
+      <dgm:bg/>
+      <dgm:whole/>
+    </dgm:dataModel>
+  </dgm:sampData>
+  <dgm:styleData>
+    <dgm:dataModel>
+      <dgm:ptLst>
+        <dgm:pt modelId="0" type="doc"/>
+        <dgm:pt modelId="1"/>
+        <dgm:pt modelId="2"/>
+      </dgm:ptLst>
+      <dgm:cxnLst>
+        <dgm:cxn modelId="3" srcId="0" destId="1" srcOrd="0" destOrd="0"/>
+        <dgm:cxn modelId="4" srcId="0" destId="2" srcOrd="1" destOrd="0"/>
+      </dgm:cxnLst>
+      <dgm:bg/>
+      <dgm:whole/>
+    </dgm:dataModel>
+  </dgm:styleData>
+  <dgm:clrData>
+    <dgm:dataModel>
+      <dgm:ptLst>
+        <dgm:pt modelId="0" type="doc"/>
+        <dgm:pt modelId="1"/>
+        <dgm:pt modelId="2"/>
+        <dgm:pt modelId="3"/>
+        <dgm:pt modelId="4"/>
+      </dgm:ptLst>
+      <dgm:cxnLst>
+        <dgm:cxn modelId="5" srcId="0" destId="1" srcOrd="0" destOrd="0"/>
+        <dgm:cxn modelId="6" srcId="0" destId="2" srcOrd="1" destOrd="0"/>
+        <dgm:cxn modelId="7" srcId="0" destId="3" srcOrd="2" destOrd="0"/>
+        <dgm:cxn modelId="8" srcId="0" destId="4" srcOrd="3" destOrd="0"/>
+      </dgm:cxnLst>
+      <dgm:bg/>
+      <dgm:whole/>
+    </dgm:dataModel>
+  </dgm:clrData>
+  <dgm:layoutNode name="Name0">
+    <dgm:varLst>
+      <dgm:dir/>
+      <dgm:animLvl val="lvl"/>
+      <dgm:resizeHandles val="exact"/>
+    </dgm:varLst>
+    <dgm:choose name="Name1">
+      <dgm:if name="Name2" func="var" arg="dir" op="equ" val="norm">
+        <dgm:alg type="lin"/>
+      </dgm:if>
+      <dgm:else name="Name3">
+        <dgm:alg type="lin">
+          <dgm:param type="linDir" val="fromR"/>
+        </dgm:alg>
+      </dgm:else>
+    </dgm:choose>
+    <dgm:shape xmlns:r="http://schemas.openxmlformats.org/officeDocument/2006/relationships" r:blip="">
+      <dgm:adjLst/>
+    </dgm:shape>
+    <dgm:presOf/>
+    <dgm:choose name="Name4">
+      <dgm:if name="Name5" axis="des" func="maxDepth" op="gte" val="2">
+        <dgm:constrLst>
+          <dgm:constr type="h" for="ch" forName="composite" refType="h"/>
+          <dgm:constr type="w" for="ch" forName="composite" refType="w"/>
+          <dgm:constr type="w" for="des" forName="parTx"/>
+          <dgm:constr type="h" for="des" forName="parTx" op="equ"/>
+          <dgm:constr type="w" for="des" forName="desTx"/>
+          <dgm:constr type="h" for="des" forName="desTx" op="equ"/>
+          <dgm:constr type="primFontSz" for="des" forName="parTx" val="65"/>
+          <dgm:constr type="secFontSz" for="des" forName="desTx" refType="primFontSz" refFor="des" refForName="parTx" op="equ"/>
+          <dgm:constr type="h" for="des" forName="parTx" refType="primFontSz" refFor="des" refForName="parTx" fact="1.5"/>
+          <dgm:constr type="h" for="des" forName="desTx" refType="primFontSz" refFor="des" refForName="parTx" fact="0.5"/>
+          <dgm:constr type="w" for="ch" forName="space" op="equ" val="-6"/>
+        </dgm:constrLst>
+        <dgm:ruleLst>
+          <dgm:rule type="w" for="ch" forName="composite" val="0" fact="NaN" max="NaN"/>
+          <dgm:rule type="primFontSz" for="des" forName="parTx" val="5" fact="NaN" max="NaN"/>
+        </dgm:ruleLst>
+        <dgm:forEach name="Name6" axis="ch" ptType="node">
+          <dgm:layoutNode name="composite">
+            <dgm:alg type="composite"/>
+            <dgm:shape xmlns:r="http://schemas.openxmlformats.org/officeDocument/2006/relationships" r:blip="">
+              <dgm:adjLst/>
+            </dgm:shape>
+            <dgm:presOf/>
+            <dgm:choose name="Name7">
+              <dgm:if name="Name8" func="var" arg="dir" op="equ" val="norm">
+                <dgm:constrLst>
+                  <dgm:constr type="l" for="ch" forName="parTx"/>
+                  <dgm:constr type="w" for="ch" forName="parTx" refType="w"/>
+                  <dgm:constr type="t" for="ch" forName="parTx"/>
+                  <dgm:constr type="l" for="ch" forName="desTx"/>
+                  <dgm:constr type="w" for="ch" forName="desTx" refType="w" refFor="ch" refForName="parTx" fact="0.8"/>
+                  <dgm:constr type="t" for="ch" forName="desTx" refType="h" refFor="ch" refForName="parTx" fact="1.125"/>
+                </dgm:constrLst>
+              </dgm:if>
+              <dgm:else name="Name9">
+                <dgm:constrLst>
+                  <dgm:constr type="l" for="ch" forName="parTx"/>
+                  <dgm:constr type="w" for="ch" forName="parTx" refType="w"/>
+                  <dgm:constr type="t" for="ch" forName="parTx"/>
+                  <dgm:constr type="l" for="ch" forName="desTx" refType="w" fact="0.2"/>
+                  <dgm:constr type="w" for="ch" forName="desTx" refType="w" refFor="ch" refForName="parTx" fact="0.8"/>
+                  <dgm:constr type="t" for="ch" forName="desTx" refType="h" refFor="ch" refForName="parTx" fact="1.125"/>
+                </dgm:constrLst>
+              </dgm:else>
+            </dgm:choose>
+            <dgm:ruleLst>
+              <dgm:rule type="h" val="INF" fact="NaN" max="NaN"/>
+            </dgm:ruleLst>
+            <dgm:layoutNode name="parTx">
+              <dgm:varLst>
+                <dgm:chMax val="0"/>
+                <dgm:chPref val="0"/>
+                <dgm:bulletEnabled val="1"/>
+              </dgm:varLst>
+              <dgm:alg type="tx"/>
+              <dgm:choose name="Name10">
+                <dgm:if name="Name11" func="var" arg="dir" op="equ" val="norm">
+                  <dgm:shape xmlns:r="http://schemas.openxmlformats.org/officeDocument/2006/relationships" type="chevron" r:blip="">
+                    <dgm:adjLst/>
+                  </dgm:shape>
+                </dgm:if>
+                <dgm:else name="Name12">
+                  <dgm:shape xmlns:r="http://schemas.openxmlformats.org/officeDocument/2006/relationships" rot="180" type="chevron" r:blip="">
+                    <dgm:adjLst/>
+                  </dgm:shape>
+                </dgm:else>
+              </dgm:choose>
+              <dgm:presOf axis="self" ptType="node"/>
+              <dgm:choose name="Name13">
+                <dgm:if name="Name14" func="var" arg="dir" op="equ" val="norm">
+                  <dgm:constrLst>
+                    <dgm:constr type="h" refType="w" op="lte" fact="0.4"/>
+                    <dgm:constr type="h"/>
+                    <dgm:constr type="tMarg" refType="primFontSz" fact="0.105"/>
+                    <dgm:constr type="bMarg" refType="primFontSz" fact="0.105"/>
+                    <dgm:constr type="lMarg" refType="primFontSz" fact="0.315"/>
+                    <dgm:constr type="rMarg" refType="primFontSz" fact="0.105"/>
+                  </dgm:constrLst>
+                </dgm:if>
+                <dgm:else name="Name15">
+                  <dgm:constrLst>
+                    <dgm:constr type="h" refType="w" op="lte" fact="0.4"/>
+                    <dgm:constr type="h"/>
+                    <dgm:constr type="tMarg" refType="primFontSz" fact="0.105"/>
+                    <dgm:constr type="bMarg" refType="primFontSz" fact="0.105"/>
+                    <dgm:constr type="lMarg" refType="primFontSz" fact="0.105"/>
+                    <dgm:constr type="rMarg" refType="primFontSz" fact="0.315"/>
+                  </dgm:constrLst>
+                </dgm:else>
+              </dgm:choose>
+              <dgm:ruleLst>
+                <dgm:rule type="h" val="INF" fact="NaN" max="NaN"/>
+              </dgm:ruleLst>
+            </dgm:layoutNode>
+            <dgm:layoutNode name="desTx" styleLbl="revTx">
+              <dgm:varLst>
+                <dgm:bulletEnabled val="1"/>
+              </dgm:varLst>
+              <dgm:alg type="tx">
+                <dgm:param type="stBulletLvl" val="1"/>
+              </dgm:alg>
+              <dgm:choose name="Name16">
+                <dgm:if name="Name17" axis="ch" ptType="node" func="cnt" op="gte" val="1">
+                  <dgm:shape xmlns:r="http://schemas.openxmlformats.org/officeDocument/2006/relationships" type="rect" r:blip="">
+                    <dgm:adjLst/>
+                  </dgm:shape>
+                </dgm:if>
+                <dgm:else name="Name18">
+                  <dgm:shape xmlns:r="http://schemas.openxmlformats.org/officeDocument/2006/relationships" type="rect" r:blip="" hideGeom="1">
+                    <dgm:adjLst/>
+                  </dgm:shape>
+                </dgm:else>
+              </dgm:choose>
+              <dgm:presOf axis="des" ptType="node"/>
+              <dgm:constrLst>
+                <dgm:constr type="secFontSz" val="65"/>
+                <dgm:constr type="primFontSz" refType="secFontSz"/>
+                <dgm:constr type="h"/>
+                <dgm:constr type="tMarg"/>
+                <dgm:constr type="bMarg"/>
+                <dgm:constr type="rMarg"/>
+                <dgm:constr type="lMarg"/>
+              </dgm:constrLst>
+              <dgm:ruleLst>
+                <dgm:rule type="h" val="INF" fact="NaN" max="NaN"/>
+              </dgm:ruleLst>
+            </dgm:layoutNode>
+          </dgm:layoutNode>
+          <dgm:forEach name="Name19" axis="followSib" ptType="sibTrans" cnt="1">
+            <dgm:layoutNode name="space">
+              <dgm:alg type="sp"/>
+              <dgm:shape xmlns:r="http://schemas.openxmlformats.org/officeDocument/2006/relationships" r:blip="">
+                <dgm:adjLst/>
+              </dgm:shape>
+              <dgm:presOf/>
+              <dgm:constrLst/>
+              <dgm:ruleLst/>
+            </dgm:layoutNode>
+          </dgm:forEach>
+        </dgm:forEach>
+      </dgm:if>
+      <dgm:else name="Name20">
+        <dgm:constrLst>
+          <dgm:constr type="w" for="ch" forName="parTxOnly" refType="w"/>
+          <dgm:constr type="h" for="des" forName="parTxOnly" op="equ"/>
+          <dgm:constr type="primFontSz" for="des" forName="parTxOnly" op="equ" val="65"/>
+          <dgm:constr type="w" for="ch" forName="parTxOnlySpace" refType="w" refFor="ch" refForName="parTxOnly" fact="-0.1"/>
+        </dgm:constrLst>
+        <dgm:ruleLst/>
+        <dgm:forEach name="Name21" axis="ch" ptType="node">
+          <dgm:layoutNode name="parTxOnly">
+            <dgm:varLst>
+              <dgm:chMax val="0"/>
+              <dgm:chPref val="0"/>
+              <dgm:bulletEnabled val="1"/>
+            </dgm:varLst>
+            <dgm:alg type="tx"/>
+            <dgm:choose name="Name22">
+              <dgm:if name="Name23" func="var" arg="dir" op="equ" val="norm">
+                <dgm:shape xmlns:r="http://schemas.openxmlformats.org/officeDocument/2006/relationships" type="chevron" r:blip="">
+                  <dgm:adjLst/>
+                </dgm:shape>
+              </dgm:if>
+              <dgm:else name="Name24">
+                <dgm:shape xmlns:r="http://schemas.openxmlformats.org/officeDocument/2006/relationships" rot="180" type="chevron" r:blip="">
+                  <dgm:adjLst/>
+                </dgm:shape>
+              </dgm:else>
+            </dgm:choose>
+            <dgm:presOf axis="self" ptType="node"/>
+            <dgm:choose name="Name25">
+              <dgm:if name="Name26" func="var" arg="dir" op="equ" val="norm">
+                <dgm:constrLst>
+                  <dgm:constr type="h" refType="w" op="equ" fact="0.4"/>
+                  <dgm:constr type="tMarg" refType="primFontSz" fact="0.105"/>
+                  <dgm:constr type="bMarg" refType="primFontSz" fact="0.105"/>
+                  <dgm:constr type="lMarg" refType="primFontSz" fact="0.315"/>
+                  <dgm:constr type="rMarg" refType="primFontSz" fact="0.105"/>
+                </dgm:constrLst>
+              </dgm:if>
+              <dgm:else name="Name27">
+                <dgm:constrLst>
+                  <dgm:constr type="h" refType="w" op="equ" fact="0.4"/>
+                  <dgm:constr type="tMarg" refType="primFontSz" fact="0.105"/>
+                  <dgm:constr type="bMarg" refType="primFontSz" fact="0.105"/>
+                  <dgm:constr type="lMarg" refType="primFontSz" fact="0.105"/>
+                  <dgm:constr type="rMarg" refType="primFontSz" fact="0.315"/>
+                </dgm:constrLst>
+              </dgm:else>
+            </dgm:choose>
+            <dgm:ruleLst>
+              <dgm:rule type="primFontSz" val="5" fact="NaN" max="NaN"/>
+            </dgm:ruleLst>
+          </dgm:layoutNode>
+          <dgm:forEach name="Name28" axis="followSib" ptType="sibTrans" cnt="1">
+            <dgm:layoutNode name="parTxOnlySpace">
+              <dgm:alg type="sp"/>
+              <dgm:shape xmlns:r="http://schemas.openxmlformats.org/officeDocument/2006/relationships" r:blip="">
+                <dgm:adjLst/>
+              </dgm:shape>
+              <dgm:presOf/>
+              <dgm:constrLst/>
+              <dgm:ruleLst/>
+            </dgm:layoutNode>
+          </dgm:forEach>
+        </dgm:forEach>
+      </dgm:else>
+    </dgm:choose>
+  </dgm:layoutNode>
+</dgm:layoutDef>
+</file>
+
 <file path=ppt/diagrams/quickStyle1.xml><?xml version="1.0" encoding="utf-8"?>
 <dgm:styleDef xmlns:dgm="http://schemas.openxmlformats.org/drawingml/2006/diagram" xmlns:a="http://schemas.openxmlformats.org/drawingml/2006/main" uniqueId="urn:microsoft.com/office/officeart/2005/8/quickstyle/simple1">
   <dgm:title val=""/>
@@ -12528,6 +14320,1040 @@
 </file>
 
 <file path=ppt/diagrams/quickStyle5.xml><?xml version="1.0" encoding="utf-8"?>
+<dgm:styleDef xmlns:dgm="http://schemas.openxmlformats.org/drawingml/2006/diagram" xmlns:a="http://schemas.openxmlformats.org/drawingml/2006/main" uniqueId="urn:microsoft.com/office/officeart/2005/8/quickstyle/simple1">
+  <dgm:title val=""/>
+  <dgm:desc val=""/>
+  <dgm:catLst>
+    <dgm:cat type="simple" pri="10100"/>
+  </dgm:catLst>
+  <dgm:scene3d>
+    <a:camera prst="orthographicFront"/>
+    <a:lightRig rig="threePt" dir="t"/>
+  </dgm:scene3d>
+  <dgm:styleLbl name="node0">
+    <dgm:scene3d>
+      <a:camera prst="orthographicFront"/>
+      <a:lightRig rig="threePt" dir="t"/>
+    </dgm:scene3d>
+    <dgm:sp3d/>
+    <dgm:txPr/>
+    <dgm:style>
+      <a:lnRef idx="2">
+        <a:scrgbClr r="0" g="0" b="0"/>
+      </a:lnRef>
+      <a:fillRef idx="1">
+        <a:scrgbClr r="0" g="0" b="0"/>
+      </a:fillRef>
+      <a:effectRef idx="0">
+        <a:scrgbClr r="0" g="0" b="0"/>
+      </a:effectRef>
+      <a:fontRef idx="minor">
+        <a:schemeClr val="lt1"/>
+      </a:fontRef>
+    </dgm:style>
+  </dgm:styleLbl>
+  <dgm:styleLbl name="lnNode1">
+    <dgm:scene3d>
+      <a:camera prst="orthographicFront"/>
+      <a:lightRig rig="threePt" dir="t"/>
+    </dgm:scene3d>
+    <dgm:sp3d/>
+    <dgm:txPr/>
+    <dgm:style>
+      <a:lnRef idx="2">
+        <a:scrgbClr r="0" g="0" b="0"/>
+      </a:lnRef>
+      <a:fillRef idx="1">
+        <a:scrgbClr r="0" g="0" b="0"/>
+      </a:fillRef>
+      <a:effectRef idx="0">
+        <a:scrgbClr r="0" g="0" b="0"/>
+      </a:effectRef>
+      <a:fontRef idx="minor">
+        <a:schemeClr val="lt1"/>
+      </a:fontRef>
+    </dgm:style>
+  </dgm:styleLbl>
+  <dgm:styleLbl name="vennNode1">
+    <dgm:scene3d>
+      <a:camera prst="orthographicFront"/>
+      <a:lightRig rig="threePt" dir="t"/>
+    </dgm:scene3d>
+    <dgm:sp3d/>
+    <dgm:txPr/>
+    <dgm:style>
+      <a:lnRef idx="2">
+        <a:scrgbClr r="0" g="0" b="0"/>
+      </a:lnRef>
+      <a:fillRef idx="1">
+        <a:scrgbClr r="0" g="0" b="0"/>
+      </a:fillRef>
+      <a:effectRef idx="0">
+        <a:scrgbClr r="0" g="0" b="0"/>
+      </a:effectRef>
+      <a:fontRef idx="minor">
+        <a:schemeClr val="tx1"/>
+      </a:fontRef>
+    </dgm:style>
+  </dgm:styleLbl>
+  <dgm:styleLbl name="alignNode1">
+    <dgm:scene3d>
+      <a:camera prst="orthographicFront"/>
+      <a:lightRig rig="threePt" dir="t"/>
+    </dgm:scene3d>
+    <dgm:sp3d/>
+    <dgm:txPr/>
+    <dgm:style>
+      <a:lnRef idx="2">
+        <a:scrgbClr r="0" g="0" b="0"/>
+      </a:lnRef>
+      <a:fillRef idx="1">
+        <a:scrgbClr r="0" g="0" b="0"/>
+      </a:fillRef>
+      <a:effectRef idx="0">
+        <a:scrgbClr r="0" g="0" b="0"/>
+      </a:effectRef>
+      <a:fontRef idx="minor">
+        <a:schemeClr val="lt1"/>
+      </a:fontRef>
+    </dgm:style>
+  </dgm:styleLbl>
+  <dgm:styleLbl name="node1">
+    <dgm:scene3d>
+      <a:camera prst="orthographicFront"/>
+      <a:lightRig rig="threePt" dir="t"/>
+    </dgm:scene3d>
+    <dgm:sp3d/>
+    <dgm:txPr/>
+    <dgm:style>
+      <a:lnRef idx="2">
+        <a:scrgbClr r="0" g="0" b="0"/>
+      </a:lnRef>
+      <a:fillRef idx="1">
+        <a:scrgbClr r="0" g="0" b="0"/>
+      </a:fillRef>
+      <a:effectRef idx="0">
+        <a:scrgbClr r="0" g="0" b="0"/>
+      </a:effectRef>
+      <a:fontRef idx="minor">
+        <a:schemeClr val="lt1"/>
+      </a:fontRef>
+    </dgm:style>
+  </dgm:styleLbl>
+  <dgm:styleLbl name="node2">
+    <dgm:scene3d>
+      <a:camera prst="orthographicFront"/>
+      <a:lightRig rig="threePt" dir="t"/>
+    </dgm:scene3d>
+    <dgm:sp3d/>
+    <dgm:txPr/>
+    <dgm:style>
+      <a:lnRef idx="2">
+        <a:scrgbClr r="0" g="0" b="0"/>
+      </a:lnRef>
+      <a:fillRef idx="1">
+        <a:scrgbClr r="0" g="0" b="0"/>
+      </a:fillRef>
+      <a:effectRef idx="0">
+        <a:scrgbClr r="0" g="0" b="0"/>
+      </a:effectRef>
+      <a:fontRef idx="minor">
+        <a:schemeClr val="lt1"/>
+      </a:fontRef>
+    </dgm:style>
+  </dgm:styleLbl>
+  <dgm:styleLbl name="node3">
+    <dgm:scene3d>
+      <a:camera prst="orthographicFront"/>
+      <a:lightRig rig="threePt" dir="t"/>
+    </dgm:scene3d>
+    <dgm:sp3d/>
+    <dgm:txPr/>
+    <dgm:style>
+      <a:lnRef idx="2">
+        <a:scrgbClr r="0" g="0" b="0"/>
+      </a:lnRef>
+      <a:fillRef idx="1">
+        <a:scrgbClr r="0" g="0" b="0"/>
+      </a:fillRef>
+      <a:effectRef idx="0">
+        <a:scrgbClr r="0" g="0" b="0"/>
+      </a:effectRef>
+      <a:fontRef idx="minor">
+        <a:schemeClr val="lt1"/>
+      </a:fontRef>
+    </dgm:style>
+  </dgm:styleLbl>
+  <dgm:styleLbl name="node4">
+    <dgm:scene3d>
+      <a:camera prst="orthographicFront"/>
+      <a:lightRig rig="threePt" dir="t"/>
+    </dgm:scene3d>
+    <dgm:sp3d/>
+    <dgm:txPr/>
+    <dgm:style>
+      <a:lnRef idx="2">
+        <a:scrgbClr r="0" g="0" b="0"/>
+      </a:lnRef>
+      <a:fillRef idx="1">
+        <a:scrgbClr r="0" g="0" b="0"/>
+      </a:fillRef>
+      <a:effectRef idx="0">
+        <a:scrgbClr r="0" g="0" b="0"/>
+      </a:effectRef>
+      <a:fontRef idx="minor">
+        <a:schemeClr val="lt1"/>
+      </a:fontRef>
+    </dgm:style>
+  </dgm:styleLbl>
+  <dgm:styleLbl name="fgImgPlace1">
+    <dgm:scene3d>
+      <a:camera prst="orthographicFront"/>
+      <a:lightRig rig="threePt" dir="t"/>
+    </dgm:scene3d>
+    <dgm:sp3d/>
+    <dgm:txPr/>
+    <dgm:style>
+      <a:lnRef idx="2">
+        <a:scrgbClr r="0" g="0" b="0"/>
+      </a:lnRef>
+      <a:fillRef idx="1">
+        <a:scrgbClr r="0" g="0" b="0"/>
+      </a:fillRef>
+      <a:effectRef idx="0">
+        <a:scrgbClr r="0" g="0" b="0"/>
+      </a:effectRef>
+      <a:fontRef idx="minor"/>
+    </dgm:style>
+  </dgm:styleLbl>
+  <dgm:styleLbl name="alignImgPlace1">
+    <dgm:scene3d>
+      <a:camera prst="orthographicFront"/>
+      <a:lightRig rig="threePt" dir="t"/>
+    </dgm:scene3d>
+    <dgm:sp3d/>
+    <dgm:txPr/>
+    <dgm:style>
+      <a:lnRef idx="2">
+        <a:scrgbClr r="0" g="0" b="0"/>
+      </a:lnRef>
+      <a:fillRef idx="1">
+        <a:scrgbClr r="0" g="0" b="0"/>
+      </a:fillRef>
+      <a:effectRef idx="0">
+        <a:scrgbClr r="0" g="0" b="0"/>
+      </a:effectRef>
+      <a:fontRef idx="minor"/>
+    </dgm:style>
+  </dgm:styleLbl>
+  <dgm:styleLbl name="bgImgPlace1">
+    <dgm:scene3d>
+      <a:camera prst="orthographicFront"/>
+      <a:lightRig rig="threePt" dir="t"/>
+    </dgm:scene3d>
+    <dgm:sp3d/>
+    <dgm:txPr/>
+    <dgm:style>
+      <a:lnRef idx="2">
+        <a:scrgbClr r="0" g="0" b="0"/>
+      </a:lnRef>
+      <a:fillRef idx="1">
+        <a:scrgbClr r="0" g="0" b="0"/>
+      </a:fillRef>
+      <a:effectRef idx="0">
+        <a:scrgbClr r="0" g="0" b="0"/>
+      </a:effectRef>
+      <a:fontRef idx="minor"/>
+    </dgm:style>
+  </dgm:styleLbl>
+  <dgm:styleLbl name="sibTrans2D1">
+    <dgm:scene3d>
+      <a:camera prst="orthographicFront"/>
+      <a:lightRig rig="threePt" dir="t"/>
+    </dgm:scene3d>
+    <dgm:sp3d/>
+    <dgm:txPr/>
+    <dgm:style>
+      <a:lnRef idx="0">
+        <a:scrgbClr r="0" g="0" b="0"/>
+      </a:lnRef>
+      <a:fillRef idx="1">
+        <a:scrgbClr r="0" g="0" b="0"/>
+      </a:fillRef>
+      <a:effectRef idx="0">
+        <a:scrgbClr r="0" g="0" b="0"/>
+      </a:effectRef>
+      <a:fontRef idx="minor">
+        <a:schemeClr val="lt1"/>
+      </a:fontRef>
+    </dgm:style>
+  </dgm:styleLbl>
+  <dgm:styleLbl name="fgSibTrans2D1">
+    <dgm:scene3d>
+      <a:camera prst="orthographicFront"/>
+      <a:lightRig rig="threePt" dir="t"/>
+    </dgm:scene3d>
+    <dgm:sp3d/>
+    <dgm:txPr/>
+    <dgm:style>
+      <a:lnRef idx="0">
+        <a:scrgbClr r="0" g="0" b="0"/>
+      </a:lnRef>
+      <a:fillRef idx="1">
+        <a:scrgbClr r="0" g="0" b="0"/>
+      </a:fillRef>
+      <a:effectRef idx="0">
+        <a:scrgbClr r="0" g="0" b="0"/>
+      </a:effectRef>
+      <a:fontRef idx="minor">
+        <a:schemeClr val="lt1"/>
+      </a:fontRef>
+    </dgm:style>
+  </dgm:styleLbl>
+  <dgm:styleLbl name="bgSibTrans2D1">
+    <dgm:scene3d>
+      <a:camera prst="orthographicFront"/>
+      <a:lightRig rig="threePt" dir="t"/>
+    </dgm:scene3d>
+    <dgm:sp3d/>
+    <dgm:txPr/>
+    <dgm:style>
+      <a:lnRef idx="0">
+        <a:scrgbClr r="0" g="0" b="0"/>
+      </a:lnRef>
+      <a:fillRef idx="1">
+        <a:scrgbClr r="0" g="0" b="0"/>
+      </a:fillRef>
+      <a:effectRef idx="0">
+        <a:scrgbClr r="0" g="0" b="0"/>
+      </a:effectRef>
+      <a:fontRef idx="minor">
+        <a:schemeClr val="lt1"/>
+      </a:fontRef>
+    </dgm:style>
+  </dgm:styleLbl>
+  <dgm:styleLbl name="sibTrans1D1">
+    <dgm:scene3d>
+      <a:camera prst="orthographicFront"/>
+      <a:lightRig rig="threePt" dir="t"/>
+    </dgm:scene3d>
+    <dgm:sp3d/>
+    <dgm:txPr/>
+    <dgm:style>
+      <a:lnRef idx="1">
+        <a:scrgbClr r="0" g="0" b="0"/>
+      </a:lnRef>
+      <a:fillRef idx="0">
+        <a:scrgbClr r="0" g="0" b="0"/>
+      </a:fillRef>
+      <a:effectRef idx="0">
+        <a:scrgbClr r="0" g="0" b="0"/>
+      </a:effectRef>
+      <a:fontRef idx="minor"/>
+    </dgm:style>
+  </dgm:styleLbl>
+  <dgm:styleLbl name="callout">
+    <dgm:scene3d>
+      <a:camera prst="orthographicFront"/>
+      <a:lightRig rig="threePt" dir="t"/>
+    </dgm:scene3d>
+    <dgm:sp3d/>
+    <dgm:txPr/>
+    <dgm:style>
+      <a:lnRef idx="2">
+        <a:scrgbClr r="0" g="0" b="0"/>
+      </a:lnRef>
+      <a:fillRef idx="1">
+        <a:scrgbClr r="0" g="0" b="0"/>
+      </a:fillRef>
+      <a:effectRef idx="0">
+        <a:scrgbClr r="0" g="0" b="0"/>
+      </a:effectRef>
+      <a:fontRef idx="minor"/>
+    </dgm:style>
+  </dgm:styleLbl>
+  <dgm:styleLbl name="asst0">
+    <dgm:scene3d>
+      <a:camera prst="orthographicFront"/>
+      <a:lightRig rig="threePt" dir="t"/>
+    </dgm:scene3d>
+    <dgm:sp3d/>
+    <dgm:txPr/>
+    <dgm:style>
+      <a:lnRef idx="2">
+        <a:scrgbClr r="0" g="0" b="0"/>
+      </a:lnRef>
+      <a:fillRef idx="1">
+        <a:scrgbClr r="0" g="0" b="0"/>
+      </a:fillRef>
+      <a:effectRef idx="0">
+        <a:scrgbClr r="0" g="0" b="0"/>
+      </a:effectRef>
+      <a:fontRef idx="minor">
+        <a:schemeClr val="lt1"/>
+      </a:fontRef>
+    </dgm:style>
+  </dgm:styleLbl>
+  <dgm:styleLbl name="asst1">
+    <dgm:scene3d>
+      <a:camera prst="orthographicFront"/>
+      <a:lightRig rig="threePt" dir="t"/>
+    </dgm:scene3d>
+    <dgm:sp3d/>
+    <dgm:txPr/>
+    <dgm:style>
+      <a:lnRef idx="2">
+        <a:scrgbClr r="0" g="0" b="0"/>
+      </a:lnRef>
+      <a:fillRef idx="1">
+        <a:scrgbClr r="0" g="0" b="0"/>
+      </a:fillRef>
+      <a:effectRef idx="0">
+        <a:scrgbClr r="0" g="0" b="0"/>
+      </a:effectRef>
+      <a:fontRef idx="minor">
+        <a:schemeClr val="lt1"/>
+      </a:fontRef>
+    </dgm:style>
+  </dgm:styleLbl>
+  <dgm:styleLbl name="asst2">
+    <dgm:scene3d>
+      <a:camera prst="orthographicFront"/>
+      <a:lightRig rig="threePt" dir="t"/>
+    </dgm:scene3d>
+    <dgm:sp3d/>
+    <dgm:txPr/>
+    <dgm:style>
+      <a:lnRef idx="2">
+        <a:scrgbClr r="0" g="0" b="0"/>
+      </a:lnRef>
+      <a:fillRef idx="1">
+        <a:scrgbClr r="0" g="0" b="0"/>
+      </a:fillRef>
+      <a:effectRef idx="0">
+        <a:scrgbClr r="0" g="0" b="0"/>
+      </a:effectRef>
+      <a:fontRef idx="minor">
+        <a:schemeClr val="lt1"/>
+      </a:fontRef>
+    </dgm:style>
+  </dgm:styleLbl>
+  <dgm:styleLbl name="asst3">
+    <dgm:scene3d>
+      <a:camera prst="orthographicFront"/>
+      <a:lightRig rig="threePt" dir="t"/>
+    </dgm:scene3d>
+    <dgm:sp3d/>
+    <dgm:txPr/>
+    <dgm:style>
+      <a:lnRef idx="2">
+        <a:scrgbClr r="0" g="0" b="0"/>
+      </a:lnRef>
+      <a:fillRef idx="1">
+        <a:scrgbClr r="0" g="0" b="0"/>
+      </a:fillRef>
+      <a:effectRef idx="0">
+        <a:scrgbClr r="0" g="0" b="0"/>
+      </a:effectRef>
+      <a:fontRef idx="minor">
+        <a:schemeClr val="lt1"/>
+      </a:fontRef>
+    </dgm:style>
+  </dgm:styleLbl>
+  <dgm:styleLbl name="asst4">
+    <dgm:scene3d>
+      <a:camera prst="orthographicFront"/>
+      <a:lightRig rig="threePt" dir="t"/>
+    </dgm:scene3d>
+    <dgm:sp3d/>
+    <dgm:txPr/>
+    <dgm:style>
+      <a:lnRef idx="2">
+        <a:scrgbClr r="0" g="0" b="0"/>
+      </a:lnRef>
+      <a:fillRef idx="1">
+        <a:scrgbClr r="0" g="0" b="0"/>
+      </a:fillRef>
+      <a:effectRef idx="0">
+        <a:scrgbClr r="0" g="0" b="0"/>
+      </a:effectRef>
+      <a:fontRef idx="minor">
+        <a:schemeClr val="lt1"/>
+      </a:fontRef>
+    </dgm:style>
+  </dgm:styleLbl>
+  <dgm:styleLbl name="parChTrans2D1">
+    <dgm:scene3d>
+      <a:camera prst="orthographicFront"/>
+      <a:lightRig rig="threePt" dir="t"/>
+    </dgm:scene3d>
+    <dgm:sp3d/>
+    <dgm:txPr/>
+    <dgm:style>
+      <a:lnRef idx="2">
+        <a:scrgbClr r="0" g="0" b="0"/>
+      </a:lnRef>
+      <a:fillRef idx="1">
+        <a:scrgbClr r="0" g="0" b="0"/>
+      </a:fillRef>
+      <a:effectRef idx="0">
+        <a:scrgbClr r="0" g="0" b="0"/>
+      </a:effectRef>
+      <a:fontRef idx="minor">
+        <a:schemeClr val="lt1"/>
+      </a:fontRef>
+    </dgm:style>
+  </dgm:styleLbl>
+  <dgm:styleLbl name="parChTrans2D2">
+    <dgm:scene3d>
+      <a:camera prst="orthographicFront"/>
+      <a:lightRig rig="threePt" dir="t"/>
+    </dgm:scene3d>
+    <dgm:sp3d/>
+    <dgm:txPr/>
+    <dgm:style>
+      <a:lnRef idx="2">
+        <a:scrgbClr r="0" g="0" b="0"/>
+      </a:lnRef>
+      <a:fillRef idx="1">
+        <a:scrgbClr r="0" g="0" b="0"/>
+      </a:fillRef>
+      <a:effectRef idx="0">
+        <a:scrgbClr r="0" g="0" b="0"/>
+      </a:effectRef>
+      <a:fontRef idx="minor">
+        <a:schemeClr val="lt1"/>
+      </a:fontRef>
+    </dgm:style>
+  </dgm:styleLbl>
+  <dgm:styleLbl name="parChTrans2D3">
+    <dgm:scene3d>
+      <a:camera prst="orthographicFront"/>
+      <a:lightRig rig="threePt" dir="t"/>
+    </dgm:scene3d>
+    <dgm:sp3d/>
+    <dgm:txPr/>
+    <dgm:style>
+      <a:lnRef idx="2">
+        <a:scrgbClr r="0" g="0" b="0"/>
+      </a:lnRef>
+      <a:fillRef idx="1">
+        <a:scrgbClr r="0" g="0" b="0"/>
+      </a:fillRef>
+      <a:effectRef idx="0">
+        <a:scrgbClr r="0" g="0" b="0"/>
+      </a:effectRef>
+      <a:fontRef idx="minor">
+        <a:schemeClr val="lt1"/>
+      </a:fontRef>
+    </dgm:style>
+  </dgm:styleLbl>
+  <dgm:styleLbl name="parChTrans2D4">
+    <dgm:scene3d>
+      <a:camera prst="orthographicFront"/>
+      <a:lightRig rig="threePt" dir="t"/>
+    </dgm:scene3d>
+    <dgm:sp3d/>
+    <dgm:txPr/>
+    <dgm:style>
+      <a:lnRef idx="2">
+        <a:scrgbClr r="0" g="0" b="0"/>
+      </a:lnRef>
+      <a:fillRef idx="1">
+        <a:scrgbClr r="0" g="0" b="0"/>
+      </a:fillRef>
+      <a:effectRef idx="0">
+        <a:scrgbClr r="0" g="0" b="0"/>
+      </a:effectRef>
+      <a:fontRef idx="minor">
+        <a:schemeClr val="lt1"/>
+      </a:fontRef>
+    </dgm:style>
+  </dgm:styleLbl>
+  <dgm:styleLbl name="parChTrans1D1">
+    <dgm:scene3d>
+      <a:camera prst="orthographicFront"/>
+      <a:lightRig rig="threePt" dir="t"/>
+    </dgm:scene3d>
+    <dgm:sp3d/>
+    <dgm:txPr/>
+    <dgm:style>
+      <a:lnRef idx="2">
+        <a:scrgbClr r="0" g="0" b="0"/>
+      </a:lnRef>
+      <a:fillRef idx="0">
+        <a:scrgbClr r="0" g="0" b="0"/>
+      </a:fillRef>
+      <a:effectRef idx="0">
+        <a:scrgbClr r="0" g="0" b="0"/>
+      </a:effectRef>
+      <a:fontRef idx="minor"/>
+    </dgm:style>
+  </dgm:styleLbl>
+  <dgm:styleLbl name="parChTrans1D2">
+    <dgm:scene3d>
+      <a:camera prst="orthographicFront"/>
+      <a:lightRig rig="threePt" dir="t"/>
+    </dgm:scene3d>
+    <dgm:sp3d/>
+    <dgm:txPr/>
+    <dgm:style>
+      <a:lnRef idx="2">
+        <a:scrgbClr r="0" g="0" b="0"/>
+      </a:lnRef>
+      <a:fillRef idx="0">
+        <a:scrgbClr r="0" g="0" b="0"/>
+      </a:fillRef>
+      <a:effectRef idx="0">
+        <a:scrgbClr r="0" g="0" b="0"/>
+      </a:effectRef>
+      <a:fontRef idx="minor"/>
+    </dgm:style>
+  </dgm:styleLbl>
+  <dgm:styleLbl name="parChTrans1D3">
+    <dgm:scene3d>
+      <a:camera prst="orthographicFront"/>
+      <a:lightRig rig="threePt" dir="t"/>
+    </dgm:scene3d>
+    <dgm:sp3d/>
+    <dgm:txPr/>
+    <dgm:style>
+      <a:lnRef idx="2">
+        <a:scrgbClr r="0" g="0" b="0"/>
+      </a:lnRef>
+      <a:fillRef idx="0">
+        <a:scrgbClr r="0" g="0" b="0"/>
+      </a:fillRef>
+      <a:effectRef idx="0">
+        <a:scrgbClr r="0" g="0" b="0"/>
+      </a:effectRef>
+      <a:fontRef idx="minor"/>
+    </dgm:style>
+  </dgm:styleLbl>
+  <dgm:styleLbl name="parChTrans1D4">
+    <dgm:scene3d>
+      <a:camera prst="orthographicFront"/>
+      <a:lightRig rig="threePt" dir="t"/>
+    </dgm:scene3d>
+    <dgm:sp3d/>
+    <dgm:txPr/>
+    <dgm:style>
+      <a:lnRef idx="2">
+        <a:scrgbClr r="0" g="0" b="0"/>
+      </a:lnRef>
+      <a:fillRef idx="0">
+        <a:scrgbClr r="0" g="0" b="0"/>
+      </a:fillRef>
+      <a:effectRef idx="0">
+        <a:scrgbClr r="0" g="0" b="0"/>
+      </a:effectRef>
+      <a:fontRef idx="minor"/>
+    </dgm:style>
+  </dgm:styleLbl>
+  <dgm:styleLbl name="fgAcc1">
+    <dgm:scene3d>
+      <a:camera prst="orthographicFront"/>
+      <a:lightRig rig="threePt" dir="t"/>
+    </dgm:scene3d>
+    <dgm:sp3d/>
+    <dgm:txPr/>
+    <dgm:style>
+      <a:lnRef idx="2">
+        <a:scrgbClr r="0" g="0" b="0"/>
+      </a:lnRef>
+      <a:fillRef idx="1">
+        <a:scrgbClr r="0" g="0" b="0"/>
+      </a:fillRef>
+      <a:effectRef idx="0">
+        <a:scrgbClr r="0" g="0" b="0"/>
+      </a:effectRef>
+      <a:fontRef idx="minor"/>
+    </dgm:style>
+  </dgm:styleLbl>
+  <dgm:styleLbl name="conFgAcc1">
+    <dgm:scene3d>
+      <a:camera prst="orthographicFront"/>
+      <a:lightRig rig="threePt" dir="t"/>
+    </dgm:scene3d>
+    <dgm:sp3d/>
+    <dgm:txPr/>
+    <dgm:style>
+      <a:lnRef idx="2">
+        <a:scrgbClr r="0" g="0" b="0"/>
+      </a:lnRef>
+      <a:fillRef idx="1">
+        <a:scrgbClr r="0" g="0" b="0"/>
+      </a:fillRef>
+      <a:effectRef idx="0">
+        <a:scrgbClr r="0" g="0" b="0"/>
+      </a:effectRef>
+      <a:fontRef idx="minor"/>
+    </dgm:style>
+  </dgm:styleLbl>
+  <dgm:styleLbl name="alignAcc1">
+    <dgm:scene3d>
+      <a:camera prst="orthographicFront"/>
+      <a:lightRig rig="threePt" dir="t"/>
+    </dgm:scene3d>
+    <dgm:sp3d/>
+    <dgm:txPr/>
+    <dgm:style>
+      <a:lnRef idx="2">
+        <a:scrgbClr r="0" g="0" b="0"/>
+      </a:lnRef>
+      <a:fillRef idx="1">
+        <a:scrgbClr r="0" g="0" b="0"/>
+      </a:fillRef>
+      <a:effectRef idx="0">
+        <a:scrgbClr r="0" g="0" b="0"/>
+      </a:effectRef>
+      <a:fontRef idx="minor"/>
+    </dgm:style>
+  </dgm:styleLbl>
+  <dgm:styleLbl name="trAlignAcc1">
+    <dgm:scene3d>
+      <a:camera prst="orthographicFront"/>
+      <a:lightRig rig="threePt" dir="t"/>
+    </dgm:scene3d>
+    <dgm:sp3d/>
+    <dgm:txPr/>
+    <dgm:style>
+      <a:lnRef idx="1">
+        <a:scrgbClr r="0" g="0" b="0"/>
+      </a:lnRef>
+      <a:fillRef idx="1">
+        <a:scrgbClr r="0" g="0" b="0"/>
+      </a:fillRef>
+      <a:effectRef idx="0">
+        <a:scrgbClr r="0" g="0" b="0"/>
+      </a:effectRef>
+      <a:fontRef idx="minor"/>
+    </dgm:style>
+  </dgm:styleLbl>
+  <dgm:styleLbl name="bgAcc1">
+    <dgm:scene3d>
+      <a:camera prst="orthographicFront"/>
+      <a:lightRig rig="threePt" dir="t"/>
+    </dgm:scene3d>
+    <dgm:sp3d/>
+    <dgm:txPr/>
+    <dgm:style>
+      <a:lnRef idx="2">
+        <a:scrgbClr r="0" g="0" b="0"/>
+      </a:lnRef>
+      <a:fillRef idx="1">
+        <a:scrgbClr r="0" g="0" b="0"/>
+      </a:fillRef>
+      <a:effectRef idx="0">
+        <a:scrgbClr r="0" g="0" b="0"/>
+      </a:effectRef>
+      <a:fontRef idx="minor"/>
+    </dgm:style>
+  </dgm:styleLbl>
+  <dgm:styleLbl name="solidFgAcc1">
+    <dgm:scene3d>
+      <a:camera prst="orthographicFront"/>
+      <a:lightRig rig="threePt" dir="t"/>
+    </dgm:scene3d>
+    <dgm:sp3d/>
+    <dgm:txPr/>
+    <dgm:style>
+      <a:lnRef idx="2">
+        <a:scrgbClr r="0" g="0" b="0"/>
+      </a:lnRef>
+      <a:fillRef idx="1">
+        <a:scrgbClr r="0" g="0" b="0"/>
+      </a:fillRef>
+      <a:effectRef idx="0">
+        <a:scrgbClr r="0" g="0" b="0"/>
+      </a:effectRef>
+      <a:fontRef idx="minor"/>
+    </dgm:style>
+  </dgm:styleLbl>
+  <dgm:styleLbl name="solidAlignAcc1">
+    <dgm:scene3d>
+      <a:camera prst="orthographicFront"/>
+      <a:lightRig rig="threePt" dir="t"/>
+    </dgm:scene3d>
+    <dgm:sp3d/>
+    <dgm:txPr/>
+    <dgm:style>
+      <a:lnRef idx="2">
+        <a:scrgbClr r="0" g="0" b="0"/>
+      </a:lnRef>
+      <a:fillRef idx="1">
+        <a:scrgbClr r="0" g="0" b="0"/>
+      </a:fillRef>
+      <a:effectRef idx="0">
+        <a:scrgbClr r="0" g="0" b="0"/>
+      </a:effectRef>
+      <a:fontRef idx="minor"/>
+    </dgm:style>
+  </dgm:styleLbl>
+  <dgm:styleLbl name="solidBgAcc1">
+    <dgm:scene3d>
+      <a:camera prst="orthographicFront"/>
+      <a:lightRig rig="threePt" dir="t"/>
+    </dgm:scene3d>
+    <dgm:sp3d/>
+    <dgm:txPr/>
+    <dgm:style>
+      <a:lnRef idx="2">
+        <a:scrgbClr r="0" g="0" b="0"/>
+      </a:lnRef>
+      <a:fillRef idx="1">
+        <a:scrgbClr r="0" g="0" b="0"/>
+      </a:fillRef>
+      <a:effectRef idx="0">
+        <a:scrgbClr r="0" g="0" b="0"/>
+      </a:effectRef>
+      <a:fontRef idx="minor"/>
+    </dgm:style>
+  </dgm:styleLbl>
+  <dgm:styleLbl name="fgAccFollowNode1">
+    <dgm:scene3d>
+      <a:camera prst="orthographicFront"/>
+      <a:lightRig rig="threePt" dir="t"/>
+    </dgm:scene3d>
+    <dgm:sp3d/>
+    <dgm:txPr/>
+    <dgm:style>
+      <a:lnRef idx="2">
+        <a:scrgbClr r="0" g="0" b="0"/>
+      </a:lnRef>
+      <a:fillRef idx="1">
+        <a:scrgbClr r="0" g="0" b="0"/>
+      </a:fillRef>
+      <a:effectRef idx="0">
+        <a:scrgbClr r="0" g="0" b="0"/>
+      </a:effectRef>
+      <a:fontRef idx="minor"/>
+    </dgm:style>
+  </dgm:styleLbl>
+  <dgm:styleLbl name="alignAccFollowNode1">
+    <dgm:scene3d>
+      <a:camera prst="orthographicFront"/>
+      <a:lightRig rig="threePt" dir="t"/>
+    </dgm:scene3d>
+    <dgm:sp3d/>
+    <dgm:txPr/>
+    <dgm:style>
+      <a:lnRef idx="2">
+        <a:scrgbClr r="0" g="0" b="0"/>
+      </a:lnRef>
+      <a:fillRef idx="1">
+        <a:scrgbClr r="0" g="0" b="0"/>
+      </a:fillRef>
+      <a:effectRef idx="0">
+        <a:scrgbClr r="0" g="0" b="0"/>
+      </a:effectRef>
+      <a:fontRef idx="minor"/>
+    </dgm:style>
+  </dgm:styleLbl>
+  <dgm:styleLbl name="bgAccFollowNode1">
+    <dgm:scene3d>
+      <a:camera prst="orthographicFront"/>
+      <a:lightRig rig="threePt" dir="t"/>
+    </dgm:scene3d>
+    <dgm:sp3d/>
+    <dgm:txPr/>
+    <dgm:style>
+      <a:lnRef idx="2">
+        <a:scrgbClr r="0" g="0" b="0"/>
+      </a:lnRef>
+      <a:fillRef idx="1">
+        <a:scrgbClr r="0" g="0" b="0"/>
+      </a:fillRef>
+      <a:effectRef idx="0">
+        <a:scrgbClr r="0" g="0" b="0"/>
+      </a:effectRef>
+      <a:fontRef idx="minor"/>
+    </dgm:style>
+  </dgm:styleLbl>
+  <dgm:styleLbl name="fgAcc0">
+    <dgm:scene3d>
+      <a:camera prst="orthographicFront"/>
+      <a:lightRig rig="threePt" dir="t"/>
+    </dgm:scene3d>
+    <dgm:sp3d/>
+    <dgm:txPr/>
+    <dgm:style>
+      <a:lnRef idx="2">
+        <a:scrgbClr r="0" g="0" b="0"/>
+      </a:lnRef>
+      <a:fillRef idx="1">
+        <a:scrgbClr r="0" g="0" b="0"/>
+      </a:fillRef>
+      <a:effectRef idx="0">
+        <a:scrgbClr r="0" g="0" b="0"/>
+      </a:effectRef>
+      <a:fontRef idx="minor"/>
+    </dgm:style>
+  </dgm:styleLbl>
+  <dgm:styleLbl name="fgAcc2">
+    <dgm:scene3d>
+      <a:camera prst="orthographicFront"/>
+      <a:lightRig rig="threePt" dir="t"/>
+    </dgm:scene3d>
+    <dgm:sp3d/>
+    <dgm:txPr/>
+    <dgm:style>
+      <a:lnRef idx="2">
+        <a:scrgbClr r="0" g="0" b="0"/>
+      </a:lnRef>
+      <a:fillRef idx="1">
+        <a:scrgbClr r="0" g="0" b="0"/>
+      </a:fillRef>
+      <a:effectRef idx="0">
+        <a:scrgbClr r="0" g="0" b="0"/>
+      </a:effectRef>
+      <a:fontRef idx="minor"/>
+    </dgm:style>
+  </dgm:styleLbl>
+  <dgm:styleLbl name="fgAcc3">
+    <dgm:scene3d>
+      <a:camera prst="orthographicFront"/>
+      <a:lightRig rig="threePt" dir="t"/>
+    </dgm:scene3d>
+    <dgm:sp3d/>
+    <dgm:txPr/>
+    <dgm:style>
+      <a:lnRef idx="2">
+        <a:scrgbClr r="0" g="0" b="0"/>
+      </a:lnRef>
+      <a:fillRef idx="1">
+        <a:scrgbClr r="0" g="0" b="0"/>
+      </a:fillRef>
+      <a:effectRef idx="0">
+        <a:scrgbClr r="0" g="0" b="0"/>
+      </a:effectRef>
+      <a:fontRef idx="minor"/>
+    </dgm:style>
+  </dgm:styleLbl>
+  <dgm:styleLbl name="fgAcc4">
+    <dgm:scene3d>
+      <a:camera prst="orthographicFront"/>
+      <a:lightRig rig="threePt" dir="t"/>
+    </dgm:scene3d>
+    <dgm:sp3d/>
+    <dgm:txPr/>
+    <dgm:style>
+      <a:lnRef idx="2">
+        <a:scrgbClr r="0" g="0" b="0"/>
+      </a:lnRef>
+      <a:fillRef idx="1">
+        <a:scrgbClr r="0" g="0" b="0"/>
+      </a:fillRef>
+      <a:effectRef idx="0">
+        <a:scrgbClr r="0" g="0" b="0"/>
+      </a:effectRef>
+      <a:fontRef idx="minor"/>
+    </dgm:style>
+  </dgm:styleLbl>
+  <dgm:styleLbl name="bgShp">
+    <dgm:scene3d>
+      <a:camera prst="orthographicFront"/>
+      <a:lightRig rig="threePt" dir="t"/>
+    </dgm:scene3d>
+    <dgm:sp3d/>
+    <dgm:txPr/>
+    <dgm:style>
+      <a:lnRef idx="0">
+        <a:scrgbClr r="0" g="0" b="0"/>
+      </a:lnRef>
+      <a:fillRef idx="1">
+        <a:scrgbClr r="0" g="0" b="0"/>
+      </a:fillRef>
+      <a:effectRef idx="0">
+        <a:scrgbClr r="0" g="0" b="0"/>
+      </a:effectRef>
+      <a:fontRef idx="minor"/>
+    </dgm:style>
+  </dgm:styleLbl>
+  <dgm:styleLbl name="dkBgShp">
+    <dgm:scene3d>
+      <a:camera prst="orthographicFront"/>
+      <a:lightRig rig="threePt" dir="t"/>
+    </dgm:scene3d>
+    <dgm:sp3d/>
+    <dgm:txPr/>
+    <dgm:style>
+      <a:lnRef idx="0">
+        <a:scrgbClr r="0" g="0" b="0"/>
+      </a:lnRef>
+      <a:fillRef idx="1">
+        <a:scrgbClr r="0" g="0" b="0"/>
+      </a:fillRef>
+      <a:effectRef idx="0">
+        <a:scrgbClr r="0" g="0" b="0"/>
+      </a:effectRef>
+      <a:fontRef idx="minor"/>
+    </dgm:style>
+  </dgm:styleLbl>
+  <dgm:styleLbl name="trBgShp">
+    <dgm:scene3d>
+      <a:camera prst="orthographicFront"/>
+      <a:lightRig rig="threePt" dir="t"/>
+    </dgm:scene3d>
+    <dgm:sp3d/>
+    <dgm:txPr/>
+    <dgm:style>
+      <a:lnRef idx="0">
+        <a:scrgbClr r="0" g="0" b="0"/>
+      </a:lnRef>
+      <a:fillRef idx="1">
+        <a:scrgbClr r="0" g="0" b="0"/>
+      </a:fillRef>
+      <a:effectRef idx="0">
+        <a:scrgbClr r="0" g="0" b="0"/>
+      </a:effectRef>
+      <a:fontRef idx="minor"/>
+    </dgm:style>
+  </dgm:styleLbl>
+  <dgm:styleLbl name="fgShp">
+    <dgm:scene3d>
+      <a:camera prst="orthographicFront"/>
+      <a:lightRig rig="threePt" dir="t"/>
+    </dgm:scene3d>
+    <dgm:sp3d/>
+    <dgm:txPr/>
+    <dgm:style>
+      <a:lnRef idx="2">
+        <a:scrgbClr r="0" g="0" b="0"/>
+      </a:lnRef>
+      <a:fillRef idx="1">
+        <a:scrgbClr r="0" g="0" b="0"/>
+      </a:fillRef>
+      <a:effectRef idx="0">
+        <a:scrgbClr r="0" g="0" b="0"/>
+      </a:effectRef>
+      <a:fontRef idx="minor"/>
+    </dgm:style>
+  </dgm:styleLbl>
+  <dgm:styleLbl name="revTx">
+    <dgm:scene3d>
+      <a:camera prst="orthographicFront"/>
+      <a:lightRig rig="threePt" dir="t"/>
+    </dgm:scene3d>
+    <dgm:sp3d/>
+    <dgm:txPr/>
+    <dgm:style>
+      <a:lnRef idx="0">
+        <a:scrgbClr r="0" g="0" b="0"/>
+      </a:lnRef>
+      <a:fillRef idx="0">
+        <a:scrgbClr r="0" g="0" b="0"/>
+      </a:fillRef>
+      <a:effectRef idx="0">
+        <a:scrgbClr r="0" g="0" b="0"/>
+      </a:effectRef>
+      <a:fontRef idx="minor"/>
+    </dgm:style>
+  </dgm:styleLbl>
+</dgm:styleDef>
+</file>
+
+<file path=ppt/diagrams/quickStyle6.xml><?xml version="1.0" encoding="utf-8"?>
 <dgm:styleDef xmlns:dgm="http://schemas.openxmlformats.org/drawingml/2006/diagram" xmlns:a="http://schemas.openxmlformats.org/drawingml/2006/main" uniqueId="urn:microsoft.com/office/officeart/2005/8/quickstyle/simple1">
   <dgm:title val=""/>
   <dgm:desc val=""/>
@@ -25499,22 +28325,6 @@
           </a:p>
         </p:txBody>
       </p:sp>
-      <p:graphicFrame>
-        <p:nvGraphicFramePr>
-          <p:cNvPr id="8" name="Diagram 7"/>
-          <p:cNvGraphicFramePr/>
-          <p:nvPr/>
-        </p:nvGraphicFramePr>
-        <p:xfrm>
-          <a:off x="994610" y="235416"/>
-          <a:ext cx="4211719" cy="461364"/>
-        </p:xfrm>
-        <a:graphic>
-          <a:graphicData uri="http://schemas.openxmlformats.org/drawingml/2006/diagram">
-            <dgm:relIds xmlns:dgm="http://schemas.openxmlformats.org/drawingml/2006/diagram" xmlns:r="http://schemas.openxmlformats.org/officeDocument/2006/relationships" r:dm="rId2" r:lo="rId3" r:qs="rId4" r:cs="rId5"/>
-          </a:graphicData>
-        </a:graphic>
-      </p:graphicFrame>
       <p:sp>
         <p:nvSpPr>
           <p:cNvPr id="3" name="Content Placeholder 2"/>
@@ -25620,10 +28430,181 @@
           </a:p>
         </p:txBody>
       </p:sp>
+      <p:graphicFrame>
+        <p:nvGraphicFramePr>
+          <p:cNvPr id="5" name="Diagram 4"/>
+          <p:cNvGraphicFramePr/>
+          <p:nvPr>
+            <p:extLst>
+              <p:ext uri="{D42A27DB-BD31-4B8C-83A1-F6EECF244321}">
+                <p14:modId xmlns:p14="http://schemas.microsoft.com/office/powerpoint/2010/main" val="3684432983"/>
+              </p:ext>
+            </p:extLst>
+          </p:nvPr>
+        </p:nvGraphicFramePr>
+        <p:xfrm>
+          <a:off x="994610" y="235416"/>
+          <a:ext cx="4211719" cy="461364"/>
+        </p:xfrm>
+        <a:graphic>
+          <a:graphicData uri="http://schemas.openxmlformats.org/drawingml/2006/diagram">
+            <dgm:relIds xmlns:dgm="http://schemas.openxmlformats.org/drawingml/2006/diagram" xmlns:r="http://schemas.openxmlformats.org/officeDocument/2006/relationships" r:dm="rId2" r:lo="rId3" r:qs="rId4" r:cs="rId5"/>
+          </a:graphicData>
+        </a:graphic>
+      </p:graphicFrame>
     </p:spTree>
     <p:extLst>
       <p:ext uri="{BB962C8B-B14F-4D97-AF65-F5344CB8AC3E}">
         <p14:creationId xmlns:p14="http://schemas.microsoft.com/office/powerpoint/2010/main" val="2195079477"/>
+      </p:ext>
+    </p:extLst>
+  </p:cSld>
+  <p:clrMapOvr>
+    <a:masterClrMapping/>
+  </p:clrMapOvr>
+  <p:timing>
+    <p:tnLst>
+      <p:par>
+        <p:cTn id="1" dur="indefinite" restart="never" nodeType="tmRoot"/>
+      </p:par>
+    </p:tnLst>
+  </p:timing>
+</p:sld>
+</file>
+
+<file path=ppt/slides/slide6.xml><?xml version="1.0" encoding="utf-8"?>
+<p:sld xmlns:a="http://schemas.openxmlformats.org/drawingml/2006/main" xmlns:r="http://schemas.openxmlformats.org/officeDocument/2006/relationships" xmlns:p="http://schemas.openxmlformats.org/presentationml/2006/main">
+  <p:cSld>
+    <p:spTree>
+      <p:nvGrpSpPr>
+        <p:cNvPr id="1" name=""/>
+        <p:cNvGrpSpPr/>
+        <p:nvPr/>
+      </p:nvGrpSpPr>
+      <p:grpSpPr>
+        <a:xfrm>
+          <a:off x="0" y="0"/>
+          <a:ext cx="0" cy="0"/>
+          <a:chOff x="0" y="0"/>
+          <a:chExt cx="0" cy="0"/>
+        </a:xfrm>
+      </p:grpSpPr>
+      <p:sp>
+        <p:nvSpPr>
+          <p:cNvPr id="2" name="Title 1"/>
+          <p:cNvSpPr>
+            <a:spLocks noGrp="1"/>
+          </p:cNvSpPr>
+          <p:nvPr>
+            <p:ph type="title"/>
+          </p:nvPr>
+        </p:nvSpPr>
+        <p:spPr/>
+        <p:txBody>
+          <a:bodyPr>
+            <a:normAutofit/>
+          </a:bodyPr>
+          <a:lstStyle/>
+          <a:p>
+            <a:r>
+              <a:rPr lang="en-US" sz="2800" dirty="0" smtClean="0"/>
+              <a:t>Evaluation	</a:t>
+            </a:r>
+            <a:endParaRPr lang="en-US" sz="2800" dirty="0"/>
+          </a:p>
+        </p:txBody>
+      </p:sp>
+      <p:graphicFrame>
+        <p:nvGraphicFramePr>
+          <p:cNvPr id="8" name="Diagram 7"/>
+          <p:cNvGraphicFramePr/>
+          <p:nvPr>
+            <p:extLst>
+              <p:ext uri="{D42A27DB-BD31-4B8C-83A1-F6EECF244321}">
+                <p14:modId xmlns:p14="http://schemas.microsoft.com/office/powerpoint/2010/main" val="1358853655"/>
+              </p:ext>
+            </p:extLst>
+          </p:nvPr>
+        </p:nvGraphicFramePr>
+        <p:xfrm>
+          <a:off x="994610" y="235416"/>
+          <a:ext cx="4211719" cy="461364"/>
+        </p:xfrm>
+        <a:graphic>
+          <a:graphicData uri="http://schemas.openxmlformats.org/drawingml/2006/diagram">
+            <dgm:relIds xmlns:dgm="http://schemas.openxmlformats.org/drawingml/2006/diagram" xmlns:r="http://schemas.openxmlformats.org/officeDocument/2006/relationships" r:dm="rId2" r:lo="rId3" r:qs="rId4" r:cs="rId5"/>
+          </a:graphicData>
+        </a:graphic>
+      </p:graphicFrame>
+      <p:sp>
+        <p:nvSpPr>
+          <p:cNvPr id="3" name="Content Placeholder 2"/>
+          <p:cNvSpPr>
+            <a:spLocks noGrp="1"/>
+          </p:cNvSpPr>
+          <p:nvPr>
+            <p:ph idx="1"/>
+          </p:nvPr>
+        </p:nvSpPr>
+        <p:spPr>
+          <a:xfrm>
+            <a:off x="838200" y="1584325"/>
+            <a:ext cx="10515600" cy="4351338"/>
+          </a:xfrm>
+        </p:spPr>
+        <p:txBody>
+          <a:bodyPr>
+            <a:normAutofit/>
+          </a:bodyPr>
+          <a:lstStyle/>
+          <a:p>
+            <a:r>
+              <a:rPr lang="en-US" dirty="0" smtClean="0">
+                <a:latin typeface="+mj-lt"/>
+                <a:ea typeface="+mj-ea"/>
+                <a:cs typeface="+mj-cs"/>
+              </a:rPr>
+              <a:t>Uploa</a:t>
+            </a:r>
+            <a:r>
+              <a:rPr lang="en-US" dirty="0" smtClean="0">
+                <a:latin typeface="+mj-lt"/>
+                <a:ea typeface="+mj-ea"/>
+                <a:cs typeface="+mj-cs"/>
+              </a:rPr>
+              <a:t>d to </a:t>
+            </a:r>
+            <a:r>
+              <a:rPr lang="en-US" dirty="0" err="1" smtClean="0">
+                <a:latin typeface="+mj-lt"/>
+                <a:ea typeface="+mj-ea"/>
+                <a:cs typeface="+mj-cs"/>
+              </a:rPr>
+              <a:t>Kaggle</a:t>
+            </a:r>
+            <a:r>
+              <a:rPr lang="en-US" dirty="0" smtClean="0">
+                <a:latin typeface="+mj-lt"/>
+                <a:ea typeface="+mj-ea"/>
+                <a:cs typeface="+mj-cs"/>
+              </a:rPr>
+              <a:t>, Rank 388-&gt;-Rank 99-&gt;Rank ?</a:t>
+            </a:r>
+            <a:endParaRPr lang="en-US" dirty="0">
+              <a:latin typeface="+mj-lt"/>
+              <a:ea typeface="+mj-ea"/>
+              <a:cs typeface="+mj-cs"/>
+            </a:endParaRPr>
+          </a:p>
+          <a:p>
+            <a:endParaRPr lang="en-US" dirty="0"/>
+          </a:p>
+        </p:txBody>
+      </p:sp>
+    </p:spTree>
+    <p:extLst>
+      <p:ext uri="{BB962C8B-B14F-4D97-AF65-F5344CB8AC3E}">
+        <p14:creationId xmlns:p14="http://schemas.microsoft.com/office/powerpoint/2010/main" val="313795430"/>
       </p:ext>
     </p:extLst>
   </p:cSld>

--- a/output/Advertisement Click Prediction.pptx
+++ b/output/Advertisement Click Prediction.pptx
@@ -10,7 +10,8 @@
     <p:sldId id="259" r:id="rId4"/>
     <p:sldId id="260" r:id="rId5"/>
     <p:sldId id="261" r:id="rId6"/>
-    <p:sldId id="262" r:id="rId7"/>
+    <p:sldId id="264" r:id="rId7"/>
+    <p:sldId id="262" r:id="rId8"/>
   </p:sldIdLst>
   <p:sldSz cx="12192000" cy="6858000"/>
   <p:notesSz cx="6858000" cy="9144000"/>
@@ -4541,6 +4542,925 @@
 </file>
 
 <file path=ppt/diagrams/colors6.xml><?xml version="1.0" encoding="utf-8"?>
+<dgm:colorsDef xmlns:dgm="http://schemas.openxmlformats.org/drawingml/2006/diagram" xmlns:a="http://schemas.openxmlformats.org/drawingml/2006/main" uniqueId="urn:microsoft.com/office/officeart/2005/8/colors/colorful1">
+  <dgm:title val=""/>
+  <dgm:desc val=""/>
+  <dgm:catLst>
+    <dgm:cat type="colorful" pri="10100"/>
+  </dgm:catLst>
+  <dgm:styleLbl name="node0">
+    <dgm:fillClrLst meth="repeat">
+      <a:schemeClr val="accent1"/>
+    </dgm:fillClrLst>
+    <dgm:linClrLst meth="repeat">
+      <a:schemeClr val="lt1"/>
+    </dgm:linClrLst>
+    <dgm:effectClrLst/>
+    <dgm:txLinClrLst/>
+    <dgm:txFillClrLst/>
+    <dgm:txEffectClrLst/>
+  </dgm:styleLbl>
+  <dgm:styleLbl name="node1">
+    <dgm:fillClrLst meth="repeat">
+      <a:schemeClr val="accent2"/>
+      <a:schemeClr val="accent3"/>
+      <a:schemeClr val="accent4"/>
+      <a:schemeClr val="accent5"/>
+      <a:schemeClr val="accent6"/>
+    </dgm:fillClrLst>
+    <dgm:linClrLst meth="repeat">
+      <a:schemeClr val="lt1"/>
+    </dgm:linClrLst>
+    <dgm:effectClrLst/>
+    <dgm:txLinClrLst/>
+    <dgm:txFillClrLst/>
+    <dgm:txEffectClrLst/>
+  </dgm:styleLbl>
+  <dgm:styleLbl name="alignNode1">
+    <dgm:fillClrLst meth="repeat">
+      <a:schemeClr val="accent2"/>
+      <a:schemeClr val="accent3"/>
+      <a:schemeClr val="accent4"/>
+      <a:schemeClr val="accent5"/>
+      <a:schemeClr val="accent6"/>
+    </dgm:fillClrLst>
+    <dgm:linClrLst meth="repeat">
+      <a:schemeClr val="accent2"/>
+      <a:schemeClr val="accent3"/>
+      <a:schemeClr val="accent4"/>
+      <a:schemeClr val="accent5"/>
+      <a:schemeClr val="accent6"/>
+    </dgm:linClrLst>
+    <dgm:effectClrLst/>
+    <dgm:txLinClrLst/>
+    <dgm:txFillClrLst/>
+    <dgm:txEffectClrLst/>
+  </dgm:styleLbl>
+  <dgm:styleLbl name="lnNode1">
+    <dgm:fillClrLst meth="repeat">
+      <a:schemeClr val="accent2"/>
+      <a:schemeClr val="accent3"/>
+      <a:schemeClr val="accent4"/>
+      <a:schemeClr val="accent5"/>
+      <a:schemeClr val="accent6"/>
+    </dgm:fillClrLst>
+    <dgm:linClrLst meth="repeat">
+      <a:schemeClr val="lt1"/>
+    </dgm:linClrLst>
+    <dgm:effectClrLst/>
+    <dgm:txLinClrLst/>
+    <dgm:txFillClrLst/>
+    <dgm:txEffectClrLst/>
+  </dgm:styleLbl>
+  <dgm:styleLbl name="vennNode1">
+    <dgm:fillClrLst meth="repeat">
+      <a:schemeClr val="accent2">
+        <a:alpha val="50000"/>
+      </a:schemeClr>
+      <a:schemeClr val="accent3">
+        <a:alpha val="50000"/>
+      </a:schemeClr>
+      <a:schemeClr val="accent4">
+        <a:alpha val="50000"/>
+      </a:schemeClr>
+      <a:schemeClr val="accent5">
+        <a:alpha val="50000"/>
+      </a:schemeClr>
+      <a:schemeClr val="accent6">
+        <a:alpha val="50000"/>
+      </a:schemeClr>
+    </dgm:fillClrLst>
+    <dgm:linClrLst meth="repeat">
+      <a:schemeClr val="lt1"/>
+    </dgm:linClrLst>
+    <dgm:effectClrLst/>
+    <dgm:txLinClrLst/>
+    <dgm:txFillClrLst/>
+    <dgm:txEffectClrLst/>
+  </dgm:styleLbl>
+  <dgm:styleLbl name="node2">
+    <dgm:fillClrLst>
+      <a:schemeClr val="accent2"/>
+    </dgm:fillClrLst>
+    <dgm:linClrLst meth="repeat">
+      <a:schemeClr val="lt1"/>
+    </dgm:linClrLst>
+    <dgm:effectClrLst/>
+    <dgm:txLinClrLst/>
+    <dgm:txFillClrLst/>
+    <dgm:txEffectClrLst/>
+  </dgm:styleLbl>
+  <dgm:styleLbl name="node3">
+    <dgm:fillClrLst>
+      <a:schemeClr val="accent3"/>
+    </dgm:fillClrLst>
+    <dgm:linClrLst meth="repeat">
+      <a:schemeClr val="lt1"/>
+    </dgm:linClrLst>
+    <dgm:effectClrLst/>
+    <dgm:txLinClrLst/>
+    <dgm:txFillClrLst/>
+    <dgm:txEffectClrLst/>
+  </dgm:styleLbl>
+  <dgm:styleLbl name="node4">
+    <dgm:fillClrLst>
+      <a:schemeClr val="accent4"/>
+    </dgm:fillClrLst>
+    <dgm:linClrLst meth="repeat">
+      <a:schemeClr val="lt1"/>
+    </dgm:linClrLst>
+    <dgm:effectClrLst/>
+    <dgm:txLinClrLst/>
+    <dgm:txFillClrLst/>
+    <dgm:txEffectClrLst/>
+  </dgm:styleLbl>
+  <dgm:styleLbl name="fgImgPlace1">
+    <dgm:fillClrLst meth="repeat">
+      <a:schemeClr val="accent2">
+        <a:tint val="50000"/>
+      </a:schemeClr>
+      <a:schemeClr val="accent3">
+        <a:tint val="50000"/>
+      </a:schemeClr>
+      <a:schemeClr val="accent4">
+        <a:tint val="50000"/>
+      </a:schemeClr>
+      <a:schemeClr val="accent5">
+        <a:tint val="50000"/>
+      </a:schemeClr>
+      <a:schemeClr val="accent6">
+        <a:tint val="50000"/>
+      </a:schemeClr>
+    </dgm:fillClrLst>
+    <dgm:linClrLst meth="repeat">
+      <a:schemeClr val="lt1"/>
+    </dgm:linClrLst>
+    <dgm:effectClrLst/>
+    <dgm:txLinClrLst/>
+    <dgm:txFillClrLst meth="repeat">
+      <a:schemeClr val="lt1"/>
+    </dgm:txFillClrLst>
+    <dgm:txEffectClrLst/>
+  </dgm:styleLbl>
+  <dgm:styleLbl name="alignImgPlace1">
+    <dgm:fillClrLst>
+      <a:schemeClr val="accent1">
+        <a:tint val="50000"/>
+      </a:schemeClr>
+      <a:schemeClr val="accent2">
+        <a:tint val="20000"/>
+      </a:schemeClr>
+    </dgm:fillClrLst>
+    <dgm:linClrLst meth="repeat">
+      <a:schemeClr val="lt1"/>
+    </dgm:linClrLst>
+    <dgm:effectClrLst/>
+    <dgm:txLinClrLst/>
+    <dgm:txFillClrLst meth="repeat">
+      <a:schemeClr val="lt1"/>
+    </dgm:txFillClrLst>
+    <dgm:txEffectClrLst/>
+  </dgm:styleLbl>
+  <dgm:styleLbl name="bgImgPlace1">
+    <dgm:fillClrLst>
+      <a:schemeClr val="accent1">
+        <a:tint val="50000"/>
+      </a:schemeClr>
+      <a:schemeClr val="accent2">
+        <a:tint val="20000"/>
+      </a:schemeClr>
+    </dgm:fillClrLst>
+    <dgm:linClrLst meth="repeat">
+      <a:schemeClr val="lt1"/>
+    </dgm:linClrLst>
+    <dgm:effectClrLst/>
+    <dgm:txLinClrLst/>
+    <dgm:txFillClrLst meth="repeat">
+      <a:schemeClr val="lt1"/>
+    </dgm:txFillClrLst>
+    <dgm:txEffectClrLst/>
+  </dgm:styleLbl>
+  <dgm:styleLbl name="sibTrans2D1">
+    <dgm:fillClrLst meth="repeat">
+      <a:schemeClr val="accent2"/>
+      <a:schemeClr val="accent3"/>
+      <a:schemeClr val="accent4"/>
+      <a:schemeClr val="accent5"/>
+      <a:schemeClr val="accent6"/>
+    </dgm:fillClrLst>
+    <dgm:linClrLst meth="cycle">
+      <a:schemeClr val="lt1"/>
+    </dgm:linClrLst>
+    <dgm:effectClrLst/>
+    <dgm:txLinClrLst/>
+    <dgm:txFillClrLst/>
+    <dgm:txEffectClrLst/>
+  </dgm:styleLbl>
+  <dgm:styleLbl name="fgSibTrans2D1">
+    <dgm:fillClrLst meth="repeat">
+      <a:schemeClr val="accent2"/>
+      <a:schemeClr val="accent3"/>
+      <a:schemeClr val="accent4"/>
+      <a:schemeClr val="accent5"/>
+      <a:schemeClr val="accent6"/>
+    </dgm:fillClrLst>
+    <dgm:linClrLst meth="cycle">
+      <a:schemeClr val="lt1"/>
+    </dgm:linClrLst>
+    <dgm:effectClrLst/>
+    <dgm:txLinClrLst/>
+    <dgm:txFillClrLst meth="repeat">
+      <a:schemeClr val="lt1"/>
+    </dgm:txFillClrLst>
+    <dgm:txEffectClrLst/>
+  </dgm:styleLbl>
+  <dgm:styleLbl name="bgSibTrans2D1">
+    <dgm:fillClrLst meth="repeat">
+      <a:schemeClr val="accent2"/>
+      <a:schemeClr val="accent3"/>
+      <a:schemeClr val="accent4"/>
+      <a:schemeClr val="accent5"/>
+      <a:schemeClr val="accent6"/>
+    </dgm:fillClrLst>
+    <dgm:linClrLst meth="cycle">
+      <a:schemeClr val="lt1"/>
+    </dgm:linClrLst>
+    <dgm:effectClrLst/>
+    <dgm:txLinClrLst/>
+    <dgm:txFillClrLst meth="repeat">
+      <a:schemeClr val="lt1"/>
+    </dgm:txFillClrLst>
+    <dgm:txEffectClrLst/>
+  </dgm:styleLbl>
+  <dgm:styleLbl name="sibTrans1D1">
+    <dgm:fillClrLst meth="repeat">
+      <a:schemeClr val="accent2"/>
+      <a:schemeClr val="accent3"/>
+      <a:schemeClr val="accent4"/>
+      <a:schemeClr val="accent5"/>
+      <a:schemeClr val="accent6"/>
+    </dgm:fillClrLst>
+    <dgm:linClrLst meth="repeat">
+      <a:schemeClr val="accent2"/>
+      <a:schemeClr val="accent3"/>
+      <a:schemeClr val="accent4"/>
+      <a:schemeClr val="accent5"/>
+      <a:schemeClr val="accent6"/>
+    </dgm:linClrLst>
+    <dgm:effectClrLst/>
+    <dgm:txLinClrLst/>
+    <dgm:txFillClrLst meth="repeat">
+      <a:schemeClr val="tx1"/>
+    </dgm:txFillClrLst>
+    <dgm:txEffectClrLst/>
+  </dgm:styleLbl>
+  <dgm:styleLbl name="callout">
+    <dgm:fillClrLst meth="repeat">
+      <a:schemeClr val="accent2"/>
+    </dgm:fillClrLst>
+    <dgm:linClrLst meth="repeat">
+      <a:schemeClr val="accent2">
+        <a:tint val="50000"/>
+      </a:schemeClr>
+    </dgm:linClrLst>
+    <dgm:effectClrLst/>
+    <dgm:txLinClrLst/>
+    <dgm:txFillClrLst meth="repeat">
+      <a:schemeClr val="tx1"/>
+    </dgm:txFillClrLst>
+    <dgm:txEffectClrLst/>
+  </dgm:styleLbl>
+  <dgm:styleLbl name="asst0">
+    <dgm:fillClrLst meth="repeat">
+      <a:schemeClr val="accent1"/>
+    </dgm:fillClrLst>
+    <dgm:linClrLst meth="repeat">
+      <a:schemeClr val="lt1"/>
+    </dgm:linClrLst>
+    <dgm:effectClrLst/>
+    <dgm:txLinClrLst/>
+    <dgm:txFillClrLst/>
+    <dgm:txEffectClrLst/>
+  </dgm:styleLbl>
+  <dgm:styleLbl name="asst1">
+    <dgm:fillClrLst meth="repeat">
+      <a:schemeClr val="accent2"/>
+    </dgm:fillClrLst>
+    <dgm:linClrLst meth="repeat">
+      <a:schemeClr val="lt1"/>
+    </dgm:linClrLst>
+    <dgm:effectClrLst/>
+    <dgm:txLinClrLst/>
+    <dgm:txFillClrLst/>
+    <dgm:txEffectClrLst/>
+  </dgm:styleLbl>
+  <dgm:styleLbl name="asst2">
+    <dgm:fillClrLst>
+      <a:schemeClr val="accent3"/>
+    </dgm:fillClrLst>
+    <dgm:linClrLst meth="repeat">
+      <a:schemeClr val="lt1"/>
+    </dgm:linClrLst>
+    <dgm:effectClrLst/>
+    <dgm:txLinClrLst/>
+    <dgm:txFillClrLst/>
+    <dgm:txEffectClrLst/>
+  </dgm:styleLbl>
+  <dgm:styleLbl name="asst3">
+    <dgm:fillClrLst>
+      <a:schemeClr val="accent4"/>
+    </dgm:fillClrLst>
+    <dgm:linClrLst meth="repeat">
+      <a:schemeClr val="lt1"/>
+    </dgm:linClrLst>
+    <dgm:effectClrLst/>
+    <dgm:txLinClrLst/>
+    <dgm:txFillClrLst/>
+    <dgm:txEffectClrLst/>
+  </dgm:styleLbl>
+  <dgm:styleLbl name="asst4">
+    <dgm:fillClrLst>
+      <a:schemeClr val="accent5"/>
+    </dgm:fillClrLst>
+    <dgm:linClrLst meth="repeat">
+      <a:schemeClr val="lt1"/>
+    </dgm:linClrLst>
+    <dgm:effectClrLst/>
+    <dgm:txLinClrLst/>
+    <dgm:txFillClrLst/>
+    <dgm:txEffectClrLst/>
+  </dgm:styleLbl>
+  <dgm:styleLbl name="parChTrans2D1">
+    <dgm:fillClrLst meth="repeat">
+      <a:schemeClr val="accent2"/>
+    </dgm:fillClrLst>
+    <dgm:linClrLst meth="repeat">
+      <a:schemeClr val="lt1"/>
+    </dgm:linClrLst>
+    <dgm:effectClrLst/>
+    <dgm:txLinClrLst/>
+    <dgm:txFillClrLst meth="repeat">
+      <a:schemeClr val="lt1"/>
+    </dgm:txFillClrLst>
+    <dgm:txEffectClrLst/>
+  </dgm:styleLbl>
+  <dgm:styleLbl name="parChTrans2D2">
+    <dgm:fillClrLst meth="repeat">
+      <a:schemeClr val="accent3"/>
+    </dgm:fillClrLst>
+    <dgm:linClrLst meth="repeat">
+      <a:schemeClr val="lt1"/>
+    </dgm:linClrLst>
+    <dgm:effectClrLst/>
+    <dgm:txLinClrLst/>
+    <dgm:txFillClrLst/>
+    <dgm:txEffectClrLst/>
+  </dgm:styleLbl>
+  <dgm:styleLbl name="parChTrans2D3">
+    <dgm:fillClrLst meth="repeat">
+      <a:schemeClr val="accent4"/>
+    </dgm:fillClrLst>
+    <dgm:linClrLst meth="repeat">
+      <a:schemeClr val="lt1"/>
+    </dgm:linClrLst>
+    <dgm:effectClrLst/>
+    <dgm:txLinClrLst/>
+    <dgm:txFillClrLst/>
+    <dgm:txEffectClrLst/>
+  </dgm:styleLbl>
+  <dgm:styleLbl name="parChTrans2D4">
+    <dgm:fillClrLst meth="repeat">
+      <a:schemeClr val="accent5"/>
+    </dgm:fillClrLst>
+    <dgm:linClrLst meth="repeat">
+      <a:schemeClr val="lt1"/>
+    </dgm:linClrLst>
+    <dgm:effectClrLst/>
+    <dgm:txLinClrLst/>
+    <dgm:txFillClrLst meth="repeat">
+      <a:schemeClr val="lt1"/>
+    </dgm:txFillClrLst>
+    <dgm:txEffectClrLst/>
+  </dgm:styleLbl>
+  <dgm:styleLbl name="parChTrans1D1">
+    <dgm:fillClrLst meth="repeat">
+      <a:schemeClr val="accent2"/>
+    </dgm:fillClrLst>
+    <dgm:linClrLst meth="repeat">
+      <a:schemeClr val="accent1"/>
+    </dgm:linClrLst>
+    <dgm:effectClrLst/>
+    <dgm:txLinClrLst/>
+    <dgm:txFillClrLst meth="repeat">
+      <a:schemeClr val="tx1"/>
+    </dgm:txFillClrLst>
+    <dgm:txEffectClrLst/>
+  </dgm:styleLbl>
+  <dgm:styleLbl name="parChTrans1D2">
+    <dgm:fillClrLst meth="repeat">
+      <a:schemeClr val="accent3">
+        <a:tint val="90000"/>
+      </a:schemeClr>
+    </dgm:fillClrLst>
+    <dgm:linClrLst meth="repeat">
+      <a:schemeClr val="accent2"/>
+    </dgm:linClrLst>
+    <dgm:effectClrLst/>
+    <dgm:txLinClrLst/>
+    <dgm:txFillClrLst meth="repeat">
+      <a:schemeClr val="tx1"/>
+    </dgm:txFillClrLst>
+    <dgm:txEffectClrLst/>
+  </dgm:styleLbl>
+  <dgm:styleLbl name="parChTrans1D3">
+    <dgm:fillClrLst meth="repeat">
+      <a:schemeClr val="accent4">
+        <a:tint val="70000"/>
+      </a:schemeClr>
+    </dgm:fillClrLst>
+    <dgm:linClrLst meth="repeat">
+      <a:schemeClr val="accent3"/>
+    </dgm:linClrLst>
+    <dgm:effectClrLst/>
+    <dgm:txLinClrLst/>
+    <dgm:txFillClrLst meth="repeat">
+      <a:schemeClr val="tx1"/>
+    </dgm:txFillClrLst>
+    <dgm:txEffectClrLst/>
+  </dgm:styleLbl>
+  <dgm:styleLbl name="parChTrans1D4">
+    <dgm:fillClrLst meth="repeat">
+      <a:schemeClr val="accent5">
+        <a:tint val="50000"/>
+      </a:schemeClr>
+    </dgm:fillClrLst>
+    <dgm:linClrLst meth="repeat">
+      <a:schemeClr val="accent4"/>
+    </dgm:linClrLst>
+    <dgm:effectClrLst/>
+    <dgm:txLinClrLst/>
+    <dgm:txFillClrLst meth="repeat">
+      <a:schemeClr val="tx1"/>
+    </dgm:txFillClrLst>
+    <dgm:txEffectClrLst/>
+  </dgm:styleLbl>
+  <dgm:styleLbl name="fgAcc1">
+    <dgm:fillClrLst meth="repeat">
+      <a:schemeClr val="lt1">
+        <a:alpha val="90000"/>
+      </a:schemeClr>
+    </dgm:fillClrLst>
+    <dgm:linClrLst meth="repeat">
+      <a:schemeClr val="accent2"/>
+      <a:schemeClr val="accent3"/>
+      <a:schemeClr val="accent4"/>
+      <a:schemeClr val="accent5"/>
+      <a:schemeClr val="accent6"/>
+    </dgm:linClrLst>
+    <dgm:effectClrLst/>
+    <dgm:txLinClrLst/>
+    <dgm:txFillClrLst meth="repeat">
+      <a:schemeClr val="dk1"/>
+    </dgm:txFillClrLst>
+    <dgm:txEffectClrLst/>
+  </dgm:styleLbl>
+  <dgm:styleLbl name="conFgAcc1">
+    <dgm:fillClrLst meth="repeat">
+      <a:schemeClr val="lt1">
+        <a:alpha val="90000"/>
+      </a:schemeClr>
+    </dgm:fillClrLst>
+    <dgm:linClrLst meth="repeat">
+      <a:schemeClr val="accent2"/>
+      <a:schemeClr val="accent3"/>
+      <a:schemeClr val="accent4"/>
+      <a:schemeClr val="accent5"/>
+      <a:schemeClr val="accent6"/>
+    </dgm:linClrLst>
+    <dgm:effectClrLst/>
+    <dgm:txLinClrLst/>
+    <dgm:txFillClrLst meth="repeat">
+      <a:schemeClr val="dk1"/>
+    </dgm:txFillClrLst>
+    <dgm:txEffectClrLst/>
+  </dgm:styleLbl>
+  <dgm:styleLbl name="alignAcc1">
+    <dgm:fillClrLst meth="repeat">
+      <a:schemeClr val="lt1">
+        <a:alpha val="90000"/>
+      </a:schemeClr>
+    </dgm:fillClrLst>
+    <dgm:linClrLst meth="repeat">
+      <a:schemeClr val="accent2"/>
+      <a:schemeClr val="accent3"/>
+      <a:schemeClr val="accent4"/>
+      <a:schemeClr val="accent5"/>
+      <a:schemeClr val="accent6"/>
+    </dgm:linClrLst>
+    <dgm:effectClrLst/>
+    <dgm:txLinClrLst/>
+    <dgm:txFillClrLst meth="repeat">
+      <a:schemeClr val="dk1"/>
+    </dgm:txFillClrLst>
+    <dgm:txEffectClrLst/>
+  </dgm:styleLbl>
+  <dgm:styleLbl name="trAlignAcc1">
+    <dgm:fillClrLst meth="repeat">
+      <a:schemeClr val="lt1">
+        <a:alpha val="40000"/>
+      </a:schemeClr>
+    </dgm:fillClrLst>
+    <dgm:linClrLst meth="repeat">
+      <a:schemeClr val="accent1"/>
+    </dgm:linClrLst>
+    <dgm:effectClrLst/>
+    <dgm:txLinClrLst/>
+    <dgm:txFillClrLst meth="repeat">
+      <a:schemeClr val="dk1"/>
+    </dgm:txFillClrLst>
+    <dgm:txEffectClrLst/>
+  </dgm:styleLbl>
+  <dgm:styleLbl name="bgAcc1">
+    <dgm:fillClrLst meth="repeat">
+      <a:schemeClr val="lt1">
+        <a:alpha val="90000"/>
+      </a:schemeClr>
+    </dgm:fillClrLst>
+    <dgm:linClrLst meth="repeat">
+      <a:schemeClr val="accent2"/>
+      <a:schemeClr val="accent3"/>
+      <a:schemeClr val="accent4"/>
+      <a:schemeClr val="accent5"/>
+      <a:schemeClr val="accent6"/>
+    </dgm:linClrLst>
+    <dgm:effectClrLst/>
+    <dgm:txLinClrLst/>
+    <dgm:txFillClrLst meth="repeat">
+      <a:schemeClr val="dk1"/>
+    </dgm:txFillClrLst>
+    <dgm:txEffectClrLst/>
+  </dgm:styleLbl>
+  <dgm:styleLbl name="solidFgAcc1">
+    <dgm:fillClrLst meth="repeat">
+      <a:schemeClr val="lt1"/>
+    </dgm:fillClrLst>
+    <dgm:linClrLst meth="repeat">
+      <a:schemeClr val="accent2"/>
+      <a:schemeClr val="accent3"/>
+      <a:schemeClr val="accent4"/>
+      <a:schemeClr val="accent5"/>
+      <a:schemeClr val="accent6"/>
+    </dgm:linClrLst>
+    <dgm:effectClrLst/>
+    <dgm:txLinClrLst/>
+    <dgm:txFillClrLst meth="repeat">
+      <a:schemeClr val="dk1"/>
+    </dgm:txFillClrLst>
+    <dgm:txEffectClrLst/>
+  </dgm:styleLbl>
+  <dgm:styleLbl name="solidAlignAcc1">
+    <dgm:fillClrLst meth="repeat">
+      <a:schemeClr val="lt1"/>
+    </dgm:fillClrLst>
+    <dgm:linClrLst meth="repeat">
+      <a:schemeClr val="accent2"/>
+      <a:schemeClr val="accent3"/>
+      <a:schemeClr val="accent4"/>
+      <a:schemeClr val="accent5"/>
+      <a:schemeClr val="accent6"/>
+    </dgm:linClrLst>
+    <dgm:effectClrLst/>
+    <dgm:txLinClrLst/>
+    <dgm:txFillClrLst meth="repeat">
+      <a:schemeClr val="dk1"/>
+    </dgm:txFillClrLst>
+    <dgm:txEffectClrLst/>
+  </dgm:styleLbl>
+  <dgm:styleLbl name="solidBgAcc1">
+    <dgm:fillClrLst meth="repeat">
+      <a:schemeClr val="lt1"/>
+    </dgm:fillClrLst>
+    <dgm:linClrLst meth="repeat">
+      <a:schemeClr val="accent2"/>
+      <a:schemeClr val="accent3"/>
+      <a:schemeClr val="accent4"/>
+      <a:schemeClr val="accent5"/>
+      <a:schemeClr val="accent6"/>
+    </dgm:linClrLst>
+    <dgm:effectClrLst/>
+    <dgm:txLinClrLst/>
+    <dgm:txFillClrLst meth="repeat">
+      <a:schemeClr val="dk1"/>
+    </dgm:txFillClrLst>
+    <dgm:txEffectClrLst/>
+  </dgm:styleLbl>
+  <dgm:styleLbl name="fgAccFollowNode1">
+    <dgm:fillClrLst meth="repeat">
+      <a:schemeClr val="accent2">
+        <a:tint val="40000"/>
+        <a:alpha val="90000"/>
+      </a:schemeClr>
+      <a:schemeClr val="accent3">
+        <a:tint val="40000"/>
+        <a:alpha val="90000"/>
+      </a:schemeClr>
+      <a:schemeClr val="accent4">
+        <a:tint val="40000"/>
+        <a:alpha val="90000"/>
+      </a:schemeClr>
+      <a:schemeClr val="accent5">
+        <a:tint val="40000"/>
+        <a:alpha val="90000"/>
+      </a:schemeClr>
+      <a:schemeClr val="accent6">
+        <a:tint val="40000"/>
+        <a:alpha val="90000"/>
+      </a:schemeClr>
+    </dgm:fillClrLst>
+    <dgm:linClrLst meth="repeat">
+      <a:schemeClr val="accent2">
+        <a:tint val="40000"/>
+        <a:alpha val="90000"/>
+      </a:schemeClr>
+      <a:schemeClr val="accent3">
+        <a:tint val="40000"/>
+        <a:alpha val="90000"/>
+      </a:schemeClr>
+      <a:schemeClr val="accent4">
+        <a:tint val="40000"/>
+        <a:alpha val="90000"/>
+      </a:schemeClr>
+      <a:schemeClr val="accent5">
+        <a:tint val="40000"/>
+        <a:alpha val="90000"/>
+      </a:schemeClr>
+      <a:schemeClr val="accent6">
+        <a:tint val="40000"/>
+        <a:alpha val="90000"/>
+      </a:schemeClr>
+    </dgm:linClrLst>
+    <dgm:effectClrLst/>
+    <dgm:txLinClrLst/>
+    <dgm:txFillClrLst meth="repeat">
+      <a:schemeClr val="dk1"/>
+    </dgm:txFillClrLst>
+    <dgm:txEffectClrLst/>
+  </dgm:styleLbl>
+  <dgm:styleLbl name="alignAccFollowNode1">
+    <dgm:fillClrLst meth="repeat">
+      <a:schemeClr val="accent2">
+        <a:tint val="40000"/>
+        <a:alpha val="90000"/>
+      </a:schemeClr>
+      <a:schemeClr val="accent3">
+        <a:tint val="40000"/>
+        <a:alpha val="90000"/>
+      </a:schemeClr>
+      <a:schemeClr val="accent4">
+        <a:tint val="40000"/>
+        <a:alpha val="90000"/>
+      </a:schemeClr>
+      <a:schemeClr val="accent5">
+        <a:tint val="40000"/>
+        <a:alpha val="90000"/>
+      </a:schemeClr>
+      <a:schemeClr val="accent6">
+        <a:tint val="40000"/>
+        <a:alpha val="90000"/>
+      </a:schemeClr>
+    </dgm:fillClrLst>
+    <dgm:linClrLst meth="repeat">
+      <a:schemeClr val="accent2">
+        <a:tint val="40000"/>
+        <a:alpha val="90000"/>
+      </a:schemeClr>
+      <a:schemeClr val="accent3">
+        <a:tint val="40000"/>
+        <a:alpha val="90000"/>
+      </a:schemeClr>
+      <a:schemeClr val="accent4">
+        <a:tint val="40000"/>
+        <a:alpha val="90000"/>
+      </a:schemeClr>
+      <a:schemeClr val="accent5">
+        <a:tint val="40000"/>
+        <a:alpha val="90000"/>
+      </a:schemeClr>
+      <a:schemeClr val="accent6">
+        <a:tint val="40000"/>
+        <a:alpha val="90000"/>
+      </a:schemeClr>
+    </dgm:linClrLst>
+    <dgm:effectClrLst/>
+    <dgm:txLinClrLst/>
+    <dgm:txFillClrLst meth="repeat">
+      <a:schemeClr val="dk1"/>
+    </dgm:txFillClrLst>
+    <dgm:txEffectClrLst/>
+  </dgm:styleLbl>
+  <dgm:styleLbl name="bgAccFollowNode1">
+    <dgm:fillClrLst meth="repeat">
+      <a:schemeClr val="accent2">
+        <a:tint val="40000"/>
+        <a:alpha val="90000"/>
+      </a:schemeClr>
+      <a:schemeClr val="accent3">
+        <a:tint val="40000"/>
+        <a:alpha val="90000"/>
+      </a:schemeClr>
+      <a:schemeClr val="accent4">
+        <a:tint val="40000"/>
+        <a:alpha val="90000"/>
+      </a:schemeClr>
+      <a:schemeClr val="accent5">
+        <a:tint val="40000"/>
+        <a:alpha val="90000"/>
+      </a:schemeClr>
+      <a:schemeClr val="accent6">
+        <a:tint val="40000"/>
+        <a:alpha val="90000"/>
+      </a:schemeClr>
+    </dgm:fillClrLst>
+    <dgm:linClrLst meth="repeat">
+      <a:schemeClr val="accent2">
+        <a:tint val="40000"/>
+        <a:alpha val="90000"/>
+      </a:schemeClr>
+      <a:schemeClr val="accent3">
+        <a:tint val="40000"/>
+        <a:alpha val="90000"/>
+      </a:schemeClr>
+      <a:schemeClr val="accent4">
+        <a:tint val="40000"/>
+        <a:alpha val="90000"/>
+      </a:schemeClr>
+      <a:schemeClr val="accent5">
+        <a:tint val="40000"/>
+        <a:alpha val="90000"/>
+      </a:schemeClr>
+      <a:schemeClr val="accent6">
+        <a:tint val="40000"/>
+        <a:alpha val="90000"/>
+      </a:schemeClr>
+    </dgm:linClrLst>
+    <dgm:effectClrLst/>
+    <dgm:txLinClrLst/>
+    <dgm:txFillClrLst meth="repeat">
+      <a:schemeClr val="dk1"/>
+    </dgm:txFillClrLst>
+    <dgm:txEffectClrLst/>
+  </dgm:styleLbl>
+  <dgm:styleLbl name="fgAcc0">
+    <dgm:fillClrLst meth="repeat">
+      <a:schemeClr val="lt1">
+        <a:alpha val="90000"/>
+      </a:schemeClr>
+    </dgm:fillClrLst>
+    <dgm:linClrLst>
+      <a:schemeClr val="accent1"/>
+    </dgm:linClrLst>
+    <dgm:effectClrLst/>
+    <dgm:txLinClrLst/>
+    <dgm:txFillClrLst meth="repeat">
+      <a:schemeClr val="dk1"/>
+    </dgm:txFillClrLst>
+    <dgm:txEffectClrLst/>
+  </dgm:styleLbl>
+  <dgm:styleLbl name="fgAcc2">
+    <dgm:fillClrLst meth="repeat">
+      <a:schemeClr val="lt1">
+        <a:alpha val="90000"/>
+      </a:schemeClr>
+    </dgm:fillClrLst>
+    <dgm:linClrLst>
+      <a:schemeClr val="accent2"/>
+    </dgm:linClrLst>
+    <dgm:effectClrLst/>
+    <dgm:txLinClrLst/>
+    <dgm:txFillClrLst meth="repeat">
+      <a:schemeClr val="dk1"/>
+    </dgm:txFillClrLst>
+    <dgm:txEffectClrLst/>
+  </dgm:styleLbl>
+  <dgm:styleLbl name="fgAcc3">
+    <dgm:fillClrLst meth="repeat">
+      <a:schemeClr val="lt1">
+        <a:alpha val="90000"/>
+      </a:schemeClr>
+    </dgm:fillClrLst>
+    <dgm:linClrLst>
+      <a:schemeClr val="accent3"/>
+    </dgm:linClrLst>
+    <dgm:effectClrLst/>
+    <dgm:txLinClrLst/>
+    <dgm:txFillClrLst meth="repeat">
+      <a:schemeClr val="dk1"/>
+    </dgm:txFillClrLst>
+    <dgm:txEffectClrLst/>
+  </dgm:styleLbl>
+  <dgm:styleLbl name="fgAcc4">
+    <dgm:fillClrLst meth="repeat">
+      <a:schemeClr val="lt1">
+        <a:alpha val="90000"/>
+      </a:schemeClr>
+    </dgm:fillClrLst>
+    <dgm:linClrLst>
+      <a:schemeClr val="accent4"/>
+    </dgm:linClrLst>
+    <dgm:effectClrLst/>
+    <dgm:txLinClrLst/>
+    <dgm:txFillClrLst meth="repeat">
+      <a:schemeClr val="dk1"/>
+    </dgm:txFillClrLst>
+    <dgm:txEffectClrLst/>
+  </dgm:styleLbl>
+  <dgm:styleLbl name="bgShp">
+    <dgm:fillClrLst meth="repeat">
+      <a:schemeClr val="accent2">
+        <a:tint val="40000"/>
+      </a:schemeClr>
+    </dgm:fillClrLst>
+    <dgm:linClrLst meth="repeat">
+      <a:schemeClr val="dk1"/>
+    </dgm:linClrLst>
+    <dgm:effectClrLst/>
+    <dgm:txLinClrLst/>
+    <dgm:txFillClrLst meth="repeat">
+      <a:schemeClr val="dk1"/>
+    </dgm:txFillClrLst>
+    <dgm:txEffectClrLst/>
+  </dgm:styleLbl>
+  <dgm:styleLbl name="dkBgShp">
+    <dgm:fillClrLst meth="repeat">
+      <a:schemeClr val="accent2">
+        <a:shade val="90000"/>
+      </a:schemeClr>
+    </dgm:fillClrLst>
+    <dgm:linClrLst meth="repeat">
+      <a:schemeClr val="dk1"/>
+    </dgm:linClrLst>
+    <dgm:effectClrLst/>
+    <dgm:txLinClrLst/>
+    <dgm:txFillClrLst meth="repeat">
+      <a:schemeClr val="lt1"/>
+    </dgm:txFillClrLst>
+    <dgm:txEffectClrLst/>
+  </dgm:styleLbl>
+  <dgm:styleLbl name="trBgShp">
+    <dgm:fillClrLst meth="repeat">
+      <a:schemeClr val="accent1">
+        <a:tint val="50000"/>
+        <a:alpha val="40000"/>
+      </a:schemeClr>
+    </dgm:fillClrLst>
+    <dgm:linClrLst meth="repeat">
+      <a:schemeClr val="accent2"/>
+    </dgm:linClrLst>
+    <dgm:effectClrLst/>
+    <dgm:txLinClrLst/>
+    <dgm:txFillClrLst meth="repeat">
+      <a:schemeClr val="lt1"/>
+    </dgm:txFillClrLst>
+    <dgm:txEffectClrLst/>
+  </dgm:styleLbl>
+  <dgm:styleLbl name="fgShp">
+    <dgm:fillClrLst meth="repeat">
+      <a:schemeClr val="accent2">
+        <a:tint val="40000"/>
+      </a:schemeClr>
+    </dgm:fillClrLst>
+    <dgm:linClrLst meth="repeat">
+      <a:schemeClr val="lt1"/>
+    </dgm:linClrLst>
+    <dgm:effectClrLst/>
+    <dgm:txLinClrLst/>
+    <dgm:txFillClrLst meth="repeat">
+      <a:schemeClr val="dk1"/>
+    </dgm:txFillClrLst>
+    <dgm:txEffectClrLst/>
+  </dgm:styleLbl>
+  <dgm:styleLbl name="revTx">
+    <dgm:fillClrLst meth="repeat">
+      <a:schemeClr val="lt1">
+        <a:alpha val="0"/>
+      </a:schemeClr>
+    </dgm:fillClrLst>
+    <dgm:linClrLst meth="repeat">
+      <a:schemeClr val="dk1">
+        <a:alpha val="0"/>
+      </a:schemeClr>
+    </dgm:linClrLst>
+    <dgm:effectClrLst/>
+    <dgm:txLinClrLst/>
+    <dgm:txFillClrLst meth="repeat">
+      <a:schemeClr val="tx1"/>
+    </dgm:txFillClrLst>
+    <dgm:txEffectClrLst/>
+  </dgm:styleLbl>
+</dgm:colorsDef>
+</file>
+
+<file path=ppt/diagrams/colors7.xml><?xml version="1.0" encoding="utf-8"?>
 <dgm:colorsDef xmlns:dgm="http://schemas.openxmlformats.org/drawingml/2006/diagram" xmlns:a="http://schemas.openxmlformats.org/drawingml/2006/main" uniqueId="urn:microsoft.com/office/officeart/2005/8/colors/colorful1">
   <dgm:title val=""/>
   <dgm:desc val=""/>
@@ -6986,6 +7906,277 @@
   </dgm:ptLst>
   <dgm:cxnLst>
     <dgm:cxn modelId="{24DD7722-46FD-4200-B7D5-61A9E110788C}" srcId="{3D9273F7-7E7E-4C59-809F-5613DB78CA3C}" destId="{7BFB5E0C-2087-4FC0-B908-02C54578800C}" srcOrd="2" destOrd="0" parTransId="{37C758F1-5F9D-47B0-BA06-F5E94879872B}" sibTransId="{9E84FEFD-F5E5-42F1-84F0-60A7DA731232}"/>
+    <dgm:cxn modelId="{615E2534-29F0-4DA4-9BA0-81A7A9DAB6BB}" type="presOf" srcId="{7BFB5E0C-2087-4FC0-B908-02C54578800C}" destId="{4622EEEB-E606-472B-8F1D-CEF0AAFCF9F7}" srcOrd="0" destOrd="0" presId="urn:microsoft.com/office/officeart/2005/8/layout/chevron1"/>
+    <dgm:cxn modelId="{1250BFE7-2E1F-45BA-8200-D20255A802BC}" type="presOf" srcId="{EC8E9226-10F1-42F8-84D8-4822C8CAEA02}" destId="{584B76BB-8120-498C-B1E4-A92DE635FF67}" srcOrd="0" destOrd="0" presId="urn:microsoft.com/office/officeart/2005/8/layout/chevron1"/>
+    <dgm:cxn modelId="{E2B36F32-8BE0-42BA-A297-94CD8276B41E}" srcId="{3D9273F7-7E7E-4C59-809F-5613DB78CA3C}" destId="{EC8E9226-10F1-42F8-84D8-4822C8CAEA02}" srcOrd="1" destOrd="0" parTransId="{88F57ECB-17E9-47E1-A62F-FD695A54F6B9}" sibTransId="{2976EC31-A138-453F-9CDF-45D90A76D998}"/>
+    <dgm:cxn modelId="{BFD14037-EDEB-45E2-8C8C-50C8A66ABC07}" type="presOf" srcId="{3B367015-3BBF-4792-8C97-13D7DD6C4D9B}" destId="{C6E09253-7A77-4BCE-9B03-0D37A7DE5FAD}" srcOrd="0" destOrd="0" presId="urn:microsoft.com/office/officeart/2005/8/layout/chevron1"/>
+    <dgm:cxn modelId="{A512C76E-4C0A-4972-9873-26727D8807CF}" srcId="{3D9273F7-7E7E-4C59-809F-5613DB78CA3C}" destId="{3B367015-3BBF-4792-8C97-13D7DD6C4D9B}" srcOrd="0" destOrd="0" parTransId="{F69A5F9A-A4FD-47C3-8D3D-A13ACE06ECAD}" sibTransId="{1C53695C-CC28-49D5-B332-E52AA771D9A3}"/>
+    <dgm:cxn modelId="{6390970C-4605-415B-8BBF-61D1A3ABE2F2}" type="presOf" srcId="{3D9273F7-7E7E-4C59-809F-5613DB78CA3C}" destId="{208A7384-CC27-451E-8B48-C70FD933E605}" srcOrd="0" destOrd="0" presId="urn:microsoft.com/office/officeart/2005/8/layout/chevron1"/>
+    <dgm:cxn modelId="{A674AA63-1875-4E7C-AED8-2BA3A1C8F074}" type="presParOf" srcId="{208A7384-CC27-451E-8B48-C70FD933E605}" destId="{C6E09253-7A77-4BCE-9B03-0D37A7DE5FAD}" srcOrd="0" destOrd="0" presId="urn:microsoft.com/office/officeart/2005/8/layout/chevron1"/>
+    <dgm:cxn modelId="{E6E181CD-D173-4B11-A98B-485887175E99}" type="presParOf" srcId="{208A7384-CC27-451E-8B48-C70FD933E605}" destId="{D64E4D7D-F94C-4F93-8F66-70779D9A9F65}" srcOrd="1" destOrd="0" presId="urn:microsoft.com/office/officeart/2005/8/layout/chevron1"/>
+    <dgm:cxn modelId="{B8059A45-A4F6-42CA-96AC-4B8763E55592}" type="presParOf" srcId="{208A7384-CC27-451E-8B48-C70FD933E605}" destId="{584B76BB-8120-498C-B1E4-A92DE635FF67}" srcOrd="2" destOrd="0" presId="urn:microsoft.com/office/officeart/2005/8/layout/chevron1"/>
+    <dgm:cxn modelId="{9CEEB071-CC04-4CA8-97FD-4EFF18062E06}" type="presParOf" srcId="{208A7384-CC27-451E-8B48-C70FD933E605}" destId="{BB89E59B-1AB8-4880-863B-ECBC35F3D4AB}" srcOrd="3" destOrd="0" presId="urn:microsoft.com/office/officeart/2005/8/layout/chevron1"/>
+    <dgm:cxn modelId="{78307F22-0ED6-43F8-93C1-B1EE3182466D}" type="presParOf" srcId="{208A7384-CC27-451E-8B48-C70FD933E605}" destId="{4622EEEB-E606-472B-8F1D-CEF0AAFCF9F7}" srcOrd="4" destOrd="0" presId="urn:microsoft.com/office/officeart/2005/8/layout/chevron1"/>
+  </dgm:cxnLst>
+  <dgm:bg/>
+  <dgm:whole/>
+  <dgm:extLst>
+    <a:ext uri="http://schemas.microsoft.com/office/drawing/2008/diagram">
+      <dsp:dataModelExt xmlns:dsp="http://schemas.microsoft.com/office/drawing/2008/diagram" relId="rId6" minVer="http://schemas.openxmlformats.org/drawingml/2006/diagram"/>
+    </a:ext>
+  </dgm:extLst>
+</dgm:dataModel>
+</file>
+
+<file path=ppt/diagrams/data7.xml><?xml version="1.0" encoding="utf-8"?>
+<dgm:dataModel xmlns:dgm="http://schemas.openxmlformats.org/drawingml/2006/diagram" xmlns:a="http://schemas.openxmlformats.org/drawingml/2006/main">
+  <dgm:ptLst>
+    <dgm:pt modelId="{3D9273F7-7E7E-4C59-809F-5613DB78CA3C}" type="doc">
+      <dgm:prSet loTypeId="urn:microsoft.com/office/officeart/2005/8/layout/chevron1" loCatId="process" qsTypeId="urn:microsoft.com/office/officeart/2005/8/quickstyle/simple1" qsCatId="simple" csTypeId="urn:microsoft.com/office/officeart/2005/8/colors/colorful1" csCatId="colorful" phldr="1"/>
+      <dgm:spPr/>
+      <dgm:t>
+        <a:bodyPr/>
+        <a:lstStyle/>
+        <a:p>
+          <a:endParaRPr lang="en-US"/>
+        </a:p>
+      </dgm:t>
+    </dgm:pt>
+    <dgm:pt modelId="{3B367015-3BBF-4792-8C97-13D7DD6C4D9B}">
+      <dgm:prSet phldrT="[Text]">
+        <dgm:style>
+          <a:lnRef idx="1">
+            <a:schemeClr val="accent3"/>
+          </a:lnRef>
+          <a:fillRef idx="3">
+            <a:schemeClr val="accent3"/>
+          </a:fillRef>
+          <a:effectRef idx="2">
+            <a:schemeClr val="accent3"/>
+          </a:effectRef>
+          <a:fontRef idx="minor">
+            <a:schemeClr val="lt1"/>
+          </a:fontRef>
+        </dgm:style>
+      </dgm:prSet>
+      <dgm:spPr/>
+      <dgm:t>
+        <a:bodyPr/>
+        <a:lstStyle/>
+        <a:p>
+          <a:r>
+            <a:rPr lang="en-US" dirty="0" smtClean="0"/>
+            <a:t>Data Preparation</a:t>
+          </a:r>
+          <a:endParaRPr lang="en-US" dirty="0"/>
+        </a:p>
+      </dgm:t>
+    </dgm:pt>
+    <dgm:pt modelId="{F69A5F9A-A4FD-47C3-8D3D-A13ACE06ECAD}" type="parTrans" cxnId="{A512C76E-4C0A-4972-9873-26727D8807CF}">
+      <dgm:prSet/>
+      <dgm:spPr/>
+      <dgm:t>
+        <a:bodyPr/>
+        <a:lstStyle/>
+        <a:p>
+          <a:endParaRPr lang="en-US"/>
+        </a:p>
+      </dgm:t>
+    </dgm:pt>
+    <dgm:pt modelId="{1C53695C-CC28-49D5-B332-E52AA771D9A3}" type="sibTrans" cxnId="{A512C76E-4C0A-4972-9873-26727D8807CF}">
+      <dgm:prSet/>
+      <dgm:spPr/>
+      <dgm:t>
+        <a:bodyPr/>
+        <a:lstStyle/>
+        <a:p>
+          <a:endParaRPr lang="en-US"/>
+        </a:p>
+      </dgm:t>
+    </dgm:pt>
+    <dgm:pt modelId="{EC8E9226-10F1-42F8-84D8-4822C8CAEA02}">
+      <dgm:prSet phldrT="[Text]">
+        <dgm:style>
+          <a:lnRef idx="3">
+            <a:schemeClr val="lt1"/>
+          </a:lnRef>
+          <a:fillRef idx="1">
+            <a:schemeClr val="accent3"/>
+          </a:fillRef>
+          <a:effectRef idx="1">
+            <a:schemeClr val="accent3"/>
+          </a:effectRef>
+          <a:fontRef idx="minor">
+            <a:schemeClr val="lt1"/>
+          </a:fontRef>
+        </dgm:style>
+      </dgm:prSet>
+      <dgm:spPr/>
+      <dgm:t>
+        <a:bodyPr/>
+        <a:lstStyle/>
+        <a:p>
+          <a:r>
+            <a:rPr lang="en-US" dirty="0" smtClean="0"/>
+            <a:t>Training </a:t>
+          </a:r>
+          <a:endParaRPr lang="en-US" dirty="0"/>
+        </a:p>
+      </dgm:t>
+    </dgm:pt>
+    <dgm:pt modelId="{88F57ECB-17E9-47E1-A62F-FD695A54F6B9}" type="parTrans" cxnId="{E2B36F32-8BE0-42BA-A297-94CD8276B41E}">
+      <dgm:prSet/>
+      <dgm:spPr/>
+      <dgm:t>
+        <a:bodyPr/>
+        <a:lstStyle/>
+        <a:p>
+          <a:endParaRPr lang="en-US"/>
+        </a:p>
+      </dgm:t>
+    </dgm:pt>
+    <dgm:pt modelId="{2976EC31-A138-453F-9CDF-45D90A76D998}" type="sibTrans" cxnId="{E2B36F32-8BE0-42BA-A297-94CD8276B41E}">
+      <dgm:prSet/>
+      <dgm:spPr/>
+      <dgm:t>
+        <a:bodyPr/>
+        <a:lstStyle/>
+        <a:p>
+          <a:endParaRPr lang="en-US"/>
+        </a:p>
+      </dgm:t>
+    </dgm:pt>
+    <dgm:pt modelId="{7BFB5E0C-2087-4FC0-B908-02C54578800C}">
+      <dgm:prSet phldrT="[Text]">
+        <dgm:style>
+          <a:lnRef idx="3">
+            <a:schemeClr val="lt1"/>
+          </a:lnRef>
+          <a:fillRef idx="1">
+            <a:schemeClr val="accent2"/>
+          </a:fillRef>
+          <a:effectRef idx="1">
+            <a:schemeClr val="accent2"/>
+          </a:effectRef>
+          <a:fontRef idx="minor">
+            <a:schemeClr val="lt1"/>
+          </a:fontRef>
+        </dgm:style>
+      </dgm:prSet>
+      <dgm:spPr/>
+      <dgm:t>
+        <a:bodyPr/>
+        <a:lstStyle/>
+        <a:p>
+          <a:r>
+            <a:rPr lang="en-US" dirty="0" smtClean="0"/>
+            <a:t>Testing</a:t>
+          </a:r>
+          <a:endParaRPr lang="en-US" dirty="0"/>
+        </a:p>
+      </dgm:t>
+    </dgm:pt>
+    <dgm:pt modelId="{37C758F1-5F9D-47B0-BA06-F5E94879872B}" type="parTrans" cxnId="{24DD7722-46FD-4200-B7D5-61A9E110788C}">
+      <dgm:prSet/>
+      <dgm:spPr/>
+      <dgm:t>
+        <a:bodyPr/>
+        <a:lstStyle/>
+        <a:p>
+          <a:endParaRPr lang="en-US"/>
+        </a:p>
+      </dgm:t>
+    </dgm:pt>
+    <dgm:pt modelId="{9E84FEFD-F5E5-42F1-84F0-60A7DA731232}" type="sibTrans" cxnId="{24DD7722-46FD-4200-B7D5-61A9E110788C}">
+      <dgm:prSet/>
+      <dgm:spPr/>
+      <dgm:t>
+        <a:bodyPr/>
+        <a:lstStyle/>
+        <a:p>
+          <a:endParaRPr lang="en-US"/>
+        </a:p>
+      </dgm:t>
+    </dgm:pt>
+    <dgm:pt modelId="{208A7384-CC27-451E-8B48-C70FD933E605}" type="pres">
+      <dgm:prSet presAssocID="{3D9273F7-7E7E-4C59-809F-5613DB78CA3C}" presName="Name0" presStyleCnt="0">
+        <dgm:presLayoutVars>
+          <dgm:dir/>
+          <dgm:animLvl val="lvl"/>
+          <dgm:resizeHandles val="exact"/>
+        </dgm:presLayoutVars>
+      </dgm:prSet>
+      <dgm:spPr/>
+      <dgm:t>
+        <a:bodyPr/>
+        <a:lstStyle/>
+        <a:p>
+          <a:endParaRPr lang="en-US"/>
+        </a:p>
+      </dgm:t>
+    </dgm:pt>
+    <dgm:pt modelId="{C6E09253-7A77-4BCE-9B03-0D37A7DE5FAD}" type="pres">
+      <dgm:prSet presAssocID="{3B367015-3BBF-4792-8C97-13D7DD6C4D9B}" presName="parTxOnly" presStyleLbl="node1" presStyleIdx="0" presStyleCnt="3">
+        <dgm:presLayoutVars>
+          <dgm:chMax val="0"/>
+          <dgm:chPref val="0"/>
+          <dgm:bulletEnabled val="1"/>
+        </dgm:presLayoutVars>
+      </dgm:prSet>
+      <dgm:spPr/>
+      <dgm:t>
+        <a:bodyPr/>
+        <a:lstStyle/>
+        <a:p>
+          <a:endParaRPr lang="en-US"/>
+        </a:p>
+      </dgm:t>
+    </dgm:pt>
+    <dgm:pt modelId="{D64E4D7D-F94C-4F93-8F66-70779D9A9F65}" type="pres">
+      <dgm:prSet presAssocID="{1C53695C-CC28-49D5-B332-E52AA771D9A3}" presName="parTxOnlySpace" presStyleCnt="0"/>
+      <dgm:spPr/>
+    </dgm:pt>
+    <dgm:pt modelId="{584B76BB-8120-498C-B1E4-A92DE635FF67}" type="pres">
+      <dgm:prSet presAssocID="{EC8E9226-10F1-42F8-84D8-4822C8CAEA02}" presName="parTxOnly" presStyleLbl="node1" presStyleIdx="1" presStyleCnt="3">
+        <dgm:presLayoutVars>
+          <dgm:chMax val="0"/>
+          <dgm:chPref val="0"/>
+          <dgm:bulletEnabled val="1"/>
+        </dgm:presLayoutVars>
+      </dgm:prSet>
+      <dgm:spPr/>
+      <dgm:t>
+        <a:bodyPr/>
+        <a:lstStyle/>
+        <a:p>
+          <a:endParaRPr lang="en-US"/>
+        </a:p>
+      </dgm:t>
+    </dgm:pt>
+    <dgm:pt modelId="{BB89E59B-1AB8-4880-863B-ECBC35F3D4AB}" type="pres">
+      <dgm:prSet presAssocID="{2976EC31-A138-453F-9CDF-45D90A76D998}" presName="parTxOnlySpace" presStyleCnt="0"/>
+      <dgm:spPr/>
+    </dgm:pt>
+    <dgm:pt modelId="{4622EEEB-E606-472B-8F1D-CEF0AAFCF9F7}" type="pres">
+      <dgm:prSet presAssocID="{7BFB5E0C-2087-4FC0-B908-02C54578800C}" presName="parTxOnly" presStyleLbl="node1" presStyleIdx="2" presStyleCnt="3">
+        <dgm:presLayoutVars>
+          <dgm:chMax val="0"/>
+          <dgm:chPref val="0"/>
+          <dgm:bulletEnabled val="1"/>
+        </dgm:presLayoutVars>
+      </dgm:prSet>
+      <dgm:spPr/>
+      <dgm:t>
+        <a:bodyPr/>
+        <a:lstStyle/>
+        <a:p>
+          <a:endParaRPr lang="en-US"/>
+        </a:p>
+      </dgm:t>
+    </dgm:pt>
+  </dgm:ptLst>
+  <dgm:cxnLst>
+    <dgm:cxn modelId="{24DD7722-46FD-4200-B7D5-61A9E110788C}" srcId="{3D9273F7-7E7E-4C59-809F-5613DB78CA3C}" destId="{7BFB5E0C-2087-4FC0-B908-02C54578800C}" srcOrd="2" destOrd="0" parTransId="{37C758F1-5F9D-47B0-BA06-F5E94879872B}" sibTransId="{9E84FEFD-F5E5-42F1-84F0-60A7DA731232}"/>
     <dgm:cxn modelId="{24FB12CC-901B-4FA5-AE87-5AED1A9C976F}" type="presOf" srcId="{EC8E9226-10F1-42F8-84D8-4822C8CAEA02}" destId="{584B76BB-8120-498C-B1E4-A92DE635FF67}" srcOrd="0" destOrd="0" presId="urn:microsoft.com/office/officeart/2005/8/layout/chevron1"/>
     <dgm:cxn modelId="{B0A2F802-781E-45F8-B2CC-E8867DE1DA50}" type="presOf" srcId="{7BFB5E0C-2087-4FC0-B908-02C54578800C}" destId="{4622EEEB-E606-472B-8F1D-CEF0AAFCF9F7}" srcOrd="0" destOrd="0" presId="urn:microsoft.com/office/officeart/2005/8/layout/chevron1"/>
     <dgm:cxn modelId="{569137A7-1735-4D24-BE59-0EE5C2615C28}" type="presOf" srcId="{3B367015-3BBF-4792-8C97-13D7DD6C4D9B}" destId="{C6E09253-7A77-4BCE-9B03-0D37A7DE5FAD}" srcOrd="0" destOrd="0" presId="urn:microsoft.com/office/officeart/2005/8/layout/chevron1"/>
@@ -8247,6 +9438,245 @@
 </file>
 
 <file path=ppt/diagrams/drawing6.xml><?xml version="1.0" encoding="utf-8"?>
+<dsp:drawing xmlns:dgm="http://schemas.openxmlformats.org/drawingml/2006/diagram" xmlns:dsp="http://schemas.microsoft.com/office/drawing/2008/diagram" xmlns:a="http://schemas.openxmlformats.org/drawingml/2006/main">
+  <dsp:spTree>
+    <dsp:nvGrpSpPr>
+      <dsp:cNvPr id="0" name=""/>
+      <dsp:cNvGrpSpPr/>
+    </dsp:nvGrpSpPr>
+    <dsp:grpSpPr/>
+    <dsp:sp modelId="{C6E09253-7A77-4BCE-9B03-0D37A7DE5FAD}">
+      <dsp:nvSpPr>
+        <dsp:cNvPr id="0" name=""/>
+        <dsp:cNvSpPr/>
+      </dsp:nvSpPr>
+      <dsp:spPr>
+        <a:xfrm>
+          <a:off x="1233" y="0"/>
+          <a:ext cx="1503303" cy="461364"/>
+        </a:xfrm>
+        <a:prstGeom prst="chevron">
+          <a:avLst/>
+        </a:prstGeom>
+        <a:gradFill rotWithShape="1">
+          <a:gsLst>
+            <a:gs pos="0">
+              <a:schemeClr val="accent3">
+                <a:satMod val="103000"/>
+                <a:lumMod val="102000"/>
+                <a:tint val="94000"/>
+              </a:schemeClr>
+            </a:gs>
+            <a:gs pos="50000">
+              <a:schemeClr val="accent3">
+                <a:satMod val="110000"/>
+                <a:lumMod val="100000"/>
+                <a:shade val="100000"/>
+              </a:schemeClr>
+            </a:gs>
+            <a:gs pos="100000">
+              <a:schemeClr val="accent3">
+                <a:lumMod val="99000"/>
+                <a:satMod val="120000"/>
+                <a:shade val="78000"/>
+              </a:schemeClr>
+            </a:gs>
+          </a:gsLst>
+          <a:lin ang="5400000" scaled="0"/>
+        </a:gradFill>
+        <a:ln w="6350" cap="flat" cmpd="sng" algn="ctr">
+          <a:solidFill>
+            <a:schemeClr val="accent3"/>
+          </a:solidFill>
+          <a:prstDash val="solid"/>
+          <a:miter lim="800000"/>
+        </a:ln>
+        <a:effectLst/>
+      </dsp:spPr>
+      <dsp:style>
+        <a:lnRef idx="1">
+          <a:schemeClr val="accent3"/>
+        </a:lnRef>
+        <a:fillRef idx="3">
+          <a:schemeClr val="accent3"/>
+        </a:fillRef>
+        <a:effectRef idx="2">
+          <a:schemeClr val="accent3"/>
+        </a:effectRef>
+        <a:fontRef idx="minor">
+          <a:schemeClr val="lt1"/>
+        </a:fontRef>
+      </dsp:style>
+      <dsp:txBody>
+        <a:bodyPr spcFirstLastPara="0" vert="horz" wrap="square" lIns="60008" tIns="20003" rIns="20003" bIns="20003" numCol="1" spcCol="1270" anchor="ctr" anchorCtr="0">
+          <a:noAutofit/>
+        </a:bodyPr>
+        <a:lstStyle/>
+        <a:p>
+          <a:pPr lvl="0" algn="ctr" defTabSz="666750">
+            <a:lnSpc>
+              <a:spcPct val="90000"/>
+            </a:lnSpc>
+            <a:spcBef>
+              <a:spcPct val="0"/>
+            </a:spcBef>
+            <a:spcAft>
+              <a:spcPct val="35000"/>
+            </a:spcAft>
+          </a:pPr>
+          <a:r>
+            <a:rPr lang="en-US" sz="1500" kern="1200" dirty="0" smtClean="0"/>
+            <a:t>Data Preparation</a:t>
+          </a:r>
+          <a:endParaRPr lang="en-US" sz="1500" kern="1200" dirty="0"/>
+        </a:p>
+      </dsp:txBody>
+      <dsp:txXfrm>
+        <a:off x="231915" y="0"/>
+        <a:ext cx="1041939" cy="461364"/>
+      </dsp:txXfrm>
+    </dsp:sp>
+    <dsp:sp modelId="{584B76BB-8120-498C-B1E4-A92DE635FF67}">
+      <dsp:nvSpPr>
+        <dsp:cNvPr id="0" name=""/>
+        <dsp:cNvSpPr/>
+      </dsp:nvSpPr>
+      <dsp:spPr>
+        <a:xfrm>
+          <a:off x="1354207" y="0"/>
+          <a:ext cx="1503303" cy="461364"/>
+        </a:xfrm>
+        <a:prstGeom prst="chevron">
+          <a:avLst/>
+        </a:prstGeom>
+        <a:solidFill>
+          <a:schemeClr val="accent3"/>
+        </a:solidFill>
+        <a:ln w="19050" cap="flat" cmpd="sng" algn="ctr">
+          <a:solidFill>
+            <a:schemeClr val="lt1"/>
+          </a:solidFill>
+          <a:prstDash val="solid"/>
+          <a:miter lim="800000"/>
+        </a:ln>
+        <a:effectLst/>
+      </dsp:spPr>
+      <dsp:style>
+        <a:lnRef idx="3">
+          <a:schemeClr val="lt1"/>
+        </a:lnRef>
+        <a:fillRef idx="1">
+          <a:schemeClr val="accent3"/>
+        </a:fillRef>
+        <a:effectRef idx="1">
+          <a:schemeClr val="accent3"/>
+        </a:effectRef>
+        <a:fontRef idx="minor">
+          <a:schemeClr val="lt1"/>
+        </a:fontRef>
+      </dsp:style>
+      <dsp:txBody>
+        <a:bodyPr spcFirstLastPara="0" vert="horz" wrap="square" lIns="60008" tIns="20003" rIns="20003" bIns="20003" numCol="1" spcCol="1270" anchor="ctr" anchorCtr="0">
+          <a:noAutofit/>
+        </a:bodyPr>
+        <a:lstStyle/>
+        <a:p>
+          <a:pPr lvl="0" algn="ctr" defTabSz="666750">
+            <a:lnSpc>
+              <a:spcPct val="90000"/>
+            </a:lnSpc>
+            <a:spcBef>
+              <a:spcPct val="0"/>
+            </a:spcBef>
+            <a:spcAft>
+              <a:spcPct val="35000"/>
+            </a:spcAft>
+          </a:pPr>
+          <a:r>
+            <a:rPr lang="en-US" sz="1500" kern="1200" dirty="0" smtClean="0"/>
+            <a:t>Training </a:t>
+          </a:r>
+          <a:endParaRPr lang="en-US" sz="1500" kern="1200" dirty="0"/>
+        </a:p>
+      </dsp:txBody>
+      <dsp:txXfrm>
+        <a:off x="1584889" y="0"/>
+        <a:ext cx="1041939" cy="461364"/>
+      </dsp:txXfrm>
+    </dsp:sp>
+    <dsp:sp modelId="{4622EEEB-E606-472B-8F1D-CEF0AAFCF9F7}">
+      <dsp:nvSpPr>
+        <dsp:cNvPr id="0" name=""/>
+        <dsp:cNvSpPr/>
+      </dsp:nvSpPr>
+      <dsp:spPr>
+        <a:xfrm>
+          <a:off x="2707181" y="0"/>
+          <a:ext cx="1503303" cy="461364"/>
+        </a:xfrm>
+        <a:prstGeom prst="chevron">
+          <a:avLst/>
+        </a:prstGeom>
+        <a:solidFill>
+          <a:schemeClr val="accent2"/>
+        </a:solidFill>
+        <a:ln w="19050" cap="flat" cmpd="sng" algn="ctr">
+          <a:solidFill>
+            <a:schemeClr val="lt1"/>
+          </a:solidFill>
+          <a:prstDash val="solid"/>
+          <a:miter lim="800000"/>
+        </a:ln>
+        <a:effectLst/>
+      </dsp:spPr>
+      <dsp:style>
+        <a:lnRef idx="3">
+          <a:schemeClr val="lt1"/>
+        </a:lnRef>
+        <a:fillRef idx="1">
+          <a:schemeClr val="accent2"/>
+        </a:fillRef>
+        <a:effectRef idx="1">
+          <a:schemeClr val="accent2"/>
+        </a:effectRef>
+        <a:fontRef idx="minor">
+          <a:schemeClr val="lt1"/>
+        </a:fontRef>
+      </dsp:style>
+      <dsp:txBody>
+        <a:bodyPr spcFirstLastPara="0" vert="horz" wrap="square" lIns="60008" tIns="20003" rIns="20003" bIns="20003" numCol="1" spcCol="1270" anchor="ctr" anchorCtr="0">
+          <a:noAutofit/>
+        </a:bodyPr>
+        <a:lstStyle/>
+        <a:p>
+          <a:pPr lvl="0" algn="ctr" defTabSz="666750">
+            <a:lnSpc>
+              <a:spcPct val="90000"/>
+            </a:lnSpc>
+            <a:spcBef>
+              <a:spcPct val="0"/>
+            </a:spcBef>
+            <a:spcAft>
+              <a:spcPct val="35000"/>
+            </a:spcAft>
+          </a:pPr>
+          <a:r>
+            <a:rPr lang="en-US" sz="1500" kern="1200" dirty="0" smtClean="0"/>
+            <a:t>Testing</a:t>
+          </a:r>
+          <a:endParaRPr lang="en-US" sz="1500" kern="1200" dirty="0"/>
+        </a:p>
+      </dsp:txBody>
+      <dsp:txXfrm>
+        <a:off x="2937863" y="0"/>
+        <a:ext cx="1041939" cy="461364"/>
+      </dsp:txXfrm>
+    </dsp:sp>
+  </dsp:spTree>
+</dsp:drawing>
+</file>
+
+<file path=ppt/diagrams/drawing7.xml><?xml version="1.0" encoding="utf-8"?>
 <dsp:drawing xmlns:dgm="http://schemas.openxmlformats.org/drawingml/2006/diagram" xmlns:dsp="http://schemas.microsoft.com/office/drawing/2008/diagram" xmlns:a="http://schemas.openxmlformats.org/drawingml/2006/main">
   <dsp:spTree>
     <dsp:nvGrpSpPr>
@@ -10183,6 +11613,289 @@
 </dgm:layoutDef>
 </file>
 
+<file path=ppt/diagrams/layout7.xml><?xml version="1.0" encoding="utf-8"?>
+<dgm:layoutDef xmlns:dgm="http://schemas.openxmlformats.org/drawingml/2006/diagram" xmlns:a="http://schemas.openxmlformats.org/drawingml/2006/main" uniqueId="urn:microsoft.com/office/officeart/2005/8/layout/chevron1">
+  <dgm:title val=""/>
+  <dgm:desc val=""/>
+  <dgm:catLst>
+    <dgm:cat type="process" pri="9000"/>
+  </dgm:catLst>
+  <dgm:sampData useDef="1">
+    <dgm:dataModel>
+      <dgm:ptLst/>
+      <dgm:bg/>
+      <dgm:whole/>
+    </dgm:dataModel>
+  </dgm:sampData>
+  <dgm:styleData>
+    <dgm:dataModel>
+      <dgm:ptLst>
+        <dgm:pt modelId="0" type="doc"/>
+        <dgm:pt modelId="1"/>
+        <dgm:pt modelId="2"/>
+      </dgm:ptLst>
+      <dgm:cxnLst>
+        <dgm:cxn modelId="3" srcId="0" destId="1" srcOrd="0" destOrd="0"/>
+        <dgm:cxn modelId="4" srcId="0" destId="2" srcOrd="1" destOrd="0"/>
+      </dgm:cxnLst>
+      <dgm:bg/>
+      <dgm:whole/>
+    </dgm:dataModel>
+  </dgm:styleData>
+  <dgm:clrData>
+    <dgm:dataModel>
+      <dgm:ptLst>
+        <dgm:pt modelId="0" type="doc"/>
+        <dgm:pt modelId="1"/>
+        <dgm:pt modelId="2"/>
+        <dgm:pt modelId="3"/>
+        <dgm:pt modelId="4"/>
+      </dgm:ptLst>
+      <dgm:cxnLst>
+        <dgm:cxn modelId="5" srcId="0" destId="1" srcOrd="0" destOrd="0"/>
+        <dgm:cxn modelId="6" srcId="0" destId="2" srcOrd="1" destOrd="0"/>
+        <dgm:cxn modelId="7" srcId="0" destId="3" srcOrd="2" destOrd="0"/>
+        <dgm:cxn modelId="8" srcId="0" destId="4" srcOrd="3" destOrd="0"/>
+      </dgm:cxnLst>
+      <dgm:bg/>
+      <dgm:whole/>
+    </dgm:dataModel>
+  </dgm:clrData>
+  <dgm:layoutNode name="Name0">
+    <dgm:varLst>
+      <dgm:dir/>
+      <dgm:animLvl val="lvl"/>
+      <dgm:resizeHandles val="exact"/>
+    </dgm:varLst>
+    <dgm:choose name="Name1">
+      <dgm:if name="Name2" func="var" arg="dir" op="equ" val="norm">
+        <dgm:alg type="lin"/>
+      </dgm:if>
+      <dgm:else name="Name3">
+        <dgm:alg type="lin">
+          <dgm:param type="linDir" val="fromR"/>
+        </dgm:alg>
+      </dgm:else>
+    </dgm:choose>
+    <dgm:shape xmlns:r="http://schemas.openxmlformats.org/officeDocument/2006/relationships" r:blip="">
+      <dgm:adjLst/>
+    </dgm:shape>
+    <dgm:presOf/>
+    <dgm:choose name="Name4">
+      <dgm:if name="Name5" axis="des" func="maxDepth" op="gte" val="2">
+        <dgm:constrLst>
+          <dgm:constr type="h" for="ch" forName="composite" refType="h"/>
+          <dgm:constr type="w" for="ch" forName="composite" refType="w"/>
+          <dgm:constr type="w" for="des" forName="parTx"/>
+          <dgm:constr type="h" for="des" forName="parTx" op="equ"/>
+          <dgm:constr type="w" for="des" forName="desTx"/>
+          <dgm:constr type="h" for="des" forName="desTx" op="equ"/>
+          <dgm:constr type="primFontSz" for="des" forName="parTx" val="65"/>
+          <dgm:constr type="secFontSz" for="des" forName="desTx" refType="primFontSz" refFor="des" refForName="parTx" op="equ"/>
+          <dgm:constr type="h" for="des" forName="parTx" refType="primFontSz" refFor="des" refForName="parTx" fact="1.5"/>
+          <dgm:constr type="h" for="des" forName="desTx" refType="primFontSz" refFor="des" refForName="parTx" fact="0.5"/>
+          <dgm:constr type="w" for="ch" forName="space" op="equ" val="-6"/>
+        </dgm:constrLst>
+        <dgm:ruleLst>
+          <dgm:rule type="w" for="ch" forName="composite" val="0" fact="NaN" max="NaN"/>
+          <dgm:rule type="primFontSz" for="des" forName="parTx" val="5" fact="NaN" max="NaN"/>
+        </dgm:ruleLst>
+        <dgm:forEach name="Name6" axis="ch" ptType="node">
+          <dgm:layoutNode name="composite">
+            <dgm:alg type="composite"/>
+            <dgm:shape xmlns:r="http://schemas.openxmlformats.org/officeDocument/2006/relationships" r:blip="">
+              <dgm:adjLst/>
+            </dgm:shape>
+            <dgm:presOf/>
+            <dgm:choose name="Name7">
+              <dgm:if name="Name8" func="var" arg="dir" op="equ" val="norm">
+                <dgm:constrLst>
+                  <dgm:constr type="l" for="ch" forName="parTx"/>
+                  <dgm:constr type="w" for="ch" forName="parTx" refType="w"/>
+                  <dgm:constr type="t" for="ch" forName="parTx"/>
+                  <dgm:constr type="l" for="ch" forName="desTx"/>
+                  <dgm:constr type="w" for="ch" forName="desTx" refType="w" refFor="ch" refForName="parTx" fact="0.8"/>
+                  <dgm:constr type="t" for="ch" forName="desTx" refType="h" refFor="ch" refForName="parTx" fact="1.125"/>
+                </dgm:constrLst>
+              </dgm:if>
+              <dgm:else name="Name9">
+                <dgm:constrLst>
+                  <dgm:constr type="l" for="ch" forName="parTx"/>
+                  <dgm:constr type="w" for="ch" forName="parTx" refType="w"/>
+                  <dgm:constr type="t" for="ch" forName="parTx"/>
+                  <dgm:constr type="l" for="ch" forName="desTx" refType="w" fact="0.2"/>
+                  <dgm:constr type="w" for="ch" forName="desTx" refType="w" refFor="ch" refForName="parTx" fact="0.8"/>
+                  <dgm:constr type="t" for="ch" forName="desTx" refType="h" refFor="ch" refForName="parTx" fact="1.125"/>
+                </dgm:constrLst>
+              </dgm:else>
+            </dgm:choose>
+            <dgm:ruleLst>
+              <dgm:rule type="h" val="INF" fact="NaN" max="NaN"/>
+            </dgm:ruleLst>
+            <dgm:layoutNode name="parTx">
+              <dgm:varLst>
+                <dgm:chMax val="0"/>
+                <dgm:chPref val="0"/>
+                <dgm:bulletEnabled val="1"/>
+              </dgm:varLst>
+              <dgm:alg type="tx"/>
+              <dgm:choose name="Name10">
+                <dgm:if name="Name11" func="var" arg="dir" op="equ" val="norm">
+                  <dgm:shape xmlns:r="http://schemas.openxmlformats.org/officeDocument/2006/relationships" type="chevron" r:blip="">
+                    <dgm:adjLst/>
+                  </dgm:shape>
+                </dgm:if>
+                <dgm:else name="Name12">
+                  <dgm:shape xmlns:r="http://schemas.openxmlformats.org/officeDocument/2006/relationships" rot="180" type="chevron" r:blip="">
+                    <dgm:adjLst/>
+                  </dgm:shape>
+                </dgm:else>
+              </dgm:choose>
+              <dgm:presOf axis="self" ptType="node"/>
+              <dgm:choose name="Name13">
+                <dgm:if name="Name14" func="var" arg="dir" op="equ" val="norm">
+                  <dgm:constrLst>
+                    <dgm:constr type="h" refType="w" op="lte" fact="0.4"/>
+                    <dgm:constr type="h"/>
+                    <dgm:constr type="tMarg" refType="primFontSz" fact="0.105"/>
+                    <dgm:constr type="bMarg" refType="primFontSz" fact="0.105"/>
+                    <dgm:constr type="lMarg" refType="primFontSz" fact="0.315"/>
+                    <dgm:constr type="rMarg" refType="primFontSz" fact="0.105"/>
+                  </dgm:constrLst>
+                </dgm:if>
+                <dgm:else name="Name15">
+                  <dgm:constrLst>
+                    <dgm:constr type="h" refType="w" op="lte" fact="0.4"/>
+                    <dgm:constr type="h"/>
+                    <dgm:constr type="tMarg" refType="primFontSz" fact="0.105"/>
+                    <dgm:constr type="bMarg" refType="primFontSz" fact="0.105"/>
+                    <dgm:constr type="lMarg" refType="primFontSz" fact="0.105"/>
+                    <dgm:constr type="rMarg" refType="primFontSz" fact="0.315"/>
+                  </dgm:constrLst>
+                </dgm:else>
+              </dgm:choose>
+              <dgm:ruleLst>
+                <dgm:rule type="h" val="INF" fact="NaN" max="NaN"/>
+              </dgm:ruleLst>
+            </dgm:layoutNode>
+            <dgm:layoutNode name="desTx" styleLbl="revTx">
+              <dgm:varLst>
+                <dgm:bulletEnabled val="1"/>
+              </dgm:varLst>
+              <dgm:alg type="tx">
+                <dgm:param type="stBulletLvl" val="1"/>
+              </dgm:alg>
+              <dgm:choose name="Name16">
+                <dgm:if name="Name17" axis="ch" ptType="node" func="cnt" op="gte" val="1">
+                  <dgm:shape xmlns:r="http://schemas.openxmlformats.org/officeDocument/2006/relationships" type="rect" r:blip="">
+                    <dgm:adjLst/>
+                  </dgm:shape>
+                </dgm:if>
+                <dgm:else name="Name18">
+                  <dgm:shape xmlns:r="http://schemas.openxmlformats.org/officeDocument/2006/relationships" type="rect" r:blip="" hideGeom="1">
+                    <dgm:adjLst/>
+                  </dgm:shape>
+                </dgm:else>
+              </dgm:choose>
+              <dgm:presOf axis="des" ptType="node"/>
+              <dgm:constrLst>
+                <dgm:constr type="secFontSz" val="65"/>
+                <dgm:constr type="primFontSz" refType="secFontSz"/>
+                <dgm:constr type="h"/>
+                <dgm:constr type="tMarg"/>
+                <dgm:constr type="bMarg"/>
+                <dgm:constr type="rMarg"/>
+                <dgm:constr type="lMarg"/>
+              </dgm:constrLst>
+              <dgm:ruleLst>
+                <dgm:rule type="h" val="INF" fact="NaN" max="NaN"/>
+              </dgm:ruleLst>
+            </dgm:layoutNode>
+          </dgm:layoutNode>
+          <dgm:forEach name="Name19" axis="followSib" ptType="sibTrans" cnt="1">
+            <dgm:layoutNode name="space">
+              <dgm:alg type="sp"/>
+              <dgm:shape xmlns:r="http://schemas.openxmlformats.org/officeDocument/2006/relationships" r:blip="">
+                <dgm:adjLst/>
+              </dgm:shape>
+              <dgm:presOf/>
+              <dgm:constrLst/>
+              <dgm:ruleLst/>
+            </dgm:layoutNode>
+          </dgm:forEach>
+        </dgm:forEach>
+      </dgm:if>
+      <dgm:else name="Name20">
+        <dgm:constrLst>
+          <dgm:constr type="w" for="ch" forName="parTxOnly" refType="w"/>
+          <dgm:constr type="h" for="des" forName="parTxOnly" op="equ"/>
+          <dgm:constr type="primFontSz" for="des" forName="parTxOnly" op="equ" val="65"/>
+          <dgm:constr type="w" for="ch" forName="parTxOnlySpace" refType="w" refFor="ch" refForName="parTxOnly" fact="-0.1"/>
+        </dgm:constrLst>
+        <dgm:ruleLst/>
+        <dgm:forEach name="Name21" axis="ch" ptType="node">
+          <dgm:layoutNode name="parTxOnly">
+            <dgm:varLst>
+              <dgm:chMax val="0"/>
+              <dgm:chPref val="0"/>
+              <dgm:bulletEnabled val="1"/>
+            </dgm:varLst>
+            <dgm:alg type="tx"/>
+            <dgm:choose name="Name22">
+              <dgm:if name="Name23" func="var" arg="dir" op="equ" val="norm">
+                <dgm:shape xmlns:r="http://schemas.openxmlformats.org/officeDocument/2006/relationships" type="chevron" r:blip="">
+                  <dgm:adjLst/>
+                </dgm:shape>
+              </dgm:if>
+              <dgm:else name="Name24">
+                <dgm:shape xmlns:r="http://schemas.openxmlformats.org/officeDocument/2006/relationships" rot="180" type="chevron" r:blip="">
+                  <dgm:adjLst/>
+                </dgm:shape>
+              </dgm:else>
+            </dgm:choose>
+            <dgm:presOf axis="self" ptType="node"/>
+            <dgm:choose name="Name25">
+              <dgm:if name="Name26" func="var" arg="dir" op="equ" val="norm">
+                <dgm:constrLst>
+                  <dgm:constr type="h" refType="w" op="equ" fact="0.4"/>
+                  <dgm:constr type="tMarg" refType="primFontSz" fact="0.105"/>
+                  <dgm:constr type="bMarg" refType="primFontSz" fact="0.105"/>
+                  <dgm:constr type="lMarg" refType="primFontSz" fact="0.315"/>
+                  <dgm:constr type="rMarg" refType="primFontSz" fact="0.105"/>
+                </dgm:constrLst>
+              </dgm:if>
+              <dgm:else name="Name27">
+                <dgm:constrLst>
+                  <dgm:constr type="h" refType="w" op="equ" fact="0.4"/>
+                  <dgm:constr type="tMarg" refType="primFontSz" fact="0.105"/>
+                  <dgm:constr type="bMarg" refType="primFontSz" fact="0.105"/>
+                  <dgm:constr type="lMarg" refType="primFontSz" fact="0.105"/>
+                  <dgm:constr type="rMarg" refType="primFontSz" fact="0.315"/>
+                </dgm:constrLst>
+              </dgm:else>
+            </dgm:choose>
+            <dgm:ruleLst>
+              <dgm:rule type="primFontSz" val="5" fact="NaN" max="NaN"/>
+            </dgm:ruleLst>
+          </dgm:layoutNode>
+          <dgm:forEach name="Name28" axis="followSib" ptType="sibTrans" cnt="1">
+            <dgm:layoutNode name="parTxOnlySpace">
+              <dgm:alg type="sp"/>
+              <dgm:shape xmlns:r="http://schemas.openxmlformats.org/officeDocument/2006/relationships" r:blip="">
+                <dgm:adjLst/>
+              </dgm:shape>
+              <dgm:presOf/>
+              <dgm:constrLst/>
+              <dgm:ruleLst/>
+            </dgm:layoutNode>
+          </dgm:forEach>
+        </dgm:forEach>
+      </dgm:else>
+    </dgm:choose>
+  </dgm:layoutNode>
+</dgm:layoutDef>
+</file>
+
 <file path=ppt/diagrams/quickStyle1.xml><?xml version="1.0" encoding="utf-8"?>
 <dgm:styleDef xmlns:dgm="http://schemas.openxmlformats.org/drawingml/2006/diagram" xmlns:a="http://schemas.openxmlformats.org/drawingml/2006/main" uniqueId="urn:microsoft.com/office/officeart/2005/8/quickstyle/simple1">
   <dgm:title val=""/>
@@ -15354,6 +17067,1040 @@
 </file>
 
 <file path=ppt/diagrams/quickStyle6.xml><?xml version="1.0" encoding="utf-8"?>
+<dgm:styleDef xmlns:dgm="http://schemas.openxmlformats.org/drawingml/2006/diagram" xmlns:a="http://schemas.openxmlformats.org/drawingml/2006/main" uniqueId="urn:microsoft.com/office/officeart/2005/8/quickstyle/simple1">
+  <dgm:title val=""/>
+  <dgm:desc val=""/>
+  <dgm:catLst>
+    <dgm:cat type="simple" pri="10100"/>
+  </dgm:catLst>
+  <dgm:scene3d>
+    <a:camera prst="orthographicFront"/>
+    <a:lightRig rig="threePt" dir="t"/>
+  </dgm:scene3d>
+  <dgm:styleLbl name="node0">
+    <dgm:scene3d>
+      <a:camera prst="orthographicFront"/>
+      <a:lightRig rig="threePt" dir="t"/>
+    </dgm:scene3d>
+    <dgm:sp3d/>
+    <dgm:txPr/>
+    <dgm:style>
+      <a:lnRef idx="2">
+        <a:scrgbClr r="0" g="0" b="0"/>
+      </a:lnRef>
+      <a:fillRef idx="1">
+        <a:scrgbClr r="0" g="0" b="0"/>
+      </a:fillRef>
+      <a:effectRef idx="0">
+        <a:scrgbClr r="0" g="0" b="0"/>
+      </a:effectRef>
+      <a:fontRef idx="minor">
+        <a:schemeClr val="lt1"/>
+      </a:fontRef>
+    </dgm:style>
+  </dgm:styleLbl>
+  <dgm:styleLbl name="lnNode1">
+    <dgm:scene3d>
+      <a:camera prst="orthographicFront"/>
+      <a:lightRig rig="threePt" dir="t"/>
+    </dgm:scene3d>
+    <dgm:sp3d/>
+    <dgm:txPr/>
+    <dgm:style>
+      <a:lnRef idx="2">
+        <a:scrgbClr r="0" g="0" b="0"/>
+      </a:lnRef>
+      <a:fillRef idx="1">
+        <a:scrgbClr r="0" g="0" b="0"/>
+      </a:fillRef>
+      <a:effectRef idx="0">
+        <a:scrgbClr r="0" g="0" b="0"/>
+      </a:effectRef>
+      <a:fontRef idx="minor">
+        <a:schemeClr val="lt1"/>
+      </a:fontRef>
+    </dgm:style>
+  </dgm:styleLbl>
+  <dgm:styleLbl name="vennNode1">
+    <dgm:scene3d>
+      <a:camera prst="orthographicFront"/>
+      <a:lightRig rig="threePt" dir="t"/>
+    </dgm:scene3d>
+    <dgm:sp3d/>
+    <dgm:txPr/>
+    <dgm:style>
+      <a:lnRef idx="2">
+        <a:scrgbClr r="0" g="0" b="0"/>
+      </a:lnRef>
+      <a:fillRef idx="1">
+        <a:scrgbClr r="0" g="0" b="0"/>
+      </a:fillRef>
+      <a:effectRef idx="0">
+        <a:scrgbClr r="0" g="0" b="0"/>
+      </a:effectRef>
+      <a:fontRef idx="minor">
+        <a:schemeClr val="tx1"/>
+      </a:fontRef>
+    </dgm:style>
+  </dgm:styleLbl>
+  <dgm:styleLbl name="alignNode1">
+    <dgm:scene3d>
+      <a:camera prst="orthographicFront"/>
+      <a:lightRig rig="threePt" dir="t"/>
+    </dgm:scene3d>
+    <dgm:sp3d/>
+    <dgm:txPr/>
+    <dgm:style>
+      <a:lnRef idx="2">
+        <a:scrgbClr r="0" g="0" b="0"/>
+      </a:lnRef>
+      <a:fillRef idx="1">
+        <a:scrgbClr r="0" g="0" b="0"/>
+      </a:fillRef>
+      <a:effectRef idx="0">
+        <a:scrgbClr r="0" g="0" b="0"/>
+      </a:effectRef>
+      <a:fontRef idx="minor">
+        <a:schemeClr val="lt1"/>
+      </a:fontRef>
+    </dgm:style>
+  </dgm:styleLbl>
+  <dgm:styleLbl name="node1">
+    <dgm:scene3d>
+      <a:camera prst="orthographicFront"/>
+      <a:lightRig rig="threePt" dir="t"/>
+    </dgm:scene3d>
+    <dgm:sp3d/>
+    <dgm:txPr/>
+    <dgm:style>
+      <a:lnRef idx="2">
+        <a:scrgbClr r="0" g="0" b="0"/>
+      </a:lnRef>
+      <a:fillRef idx="1">
+        <a:scrgbClr r="0" g="0" b="0"/>
+      </a:fillRef>
+      <a:effectRef idx="0">
+        <a:scrgbClr r="0" g="0" b="0"/>
+      </a:effectRef>
+      <a:fontRef idx="minor">
+        <a:schemeClr val="lt1"/>
+      </a:fontRef>
+    </dgm:style>
+  </dgm:styleLbl>
+  <dgm:styleLbl name="node2">
+    <dgm:scene3d>
+      <a:camera prst="orthographicFront"/>
+      <a:lightRig rig="threePt" dir="t"/>
+    </dgm:scene3d>
+    <dgm:sp3d/>
+    <dgm:txPr/>
+    <dgm:style>
+      <a:lnRef idx="2">
+        <a:scrgbClr r="0" g="0" b="0"/>
+      </a:lnRef>
+      <a:fillRef idx="1">
+        <a:scrgbClr r="0" g="0" b="0"/>
+      </a:fillRef>
+      <a:effectRef idx="0">
+        <a:scrgbClr r="0" g="0" b="0"/>
+      </a:effectRef>
+      <a:fontRef idx="minor">
+        <a:schemeClr val="lt1"/>
+      </a:fontRef>
+    </dgm:style>
+  </dgm:styleLbl>
+  <dgm:styleLbl name="node3">
+    <dgm:scene3d>
+      <a:camera prst="orthographicFront"/>
+      <a:lightRig rig="threePt" dir="t"/>
+    </dgm:scene3d>
+    <dgm:sp3d/>
+    <dgm:txPr/>
+    <dgm:style>
+      <a:lnRef idx="2">
+        <a:scrgbClr r="0" g="0" b="0"/>
+      </a:lnRef>
+      <a:fillRef idx="1">
+        <a:scrgbClr r="0" g="0" b="0"/>
+      </a:fillRef>
+      <a:effectRef idx="0">
+        <a:scrgbClr r="0" g="0" b="0"/>
+      </a:effectRef>
+      <a:fontRef idx="minor">
+        <a:schemeClr val="lt1"/>
+      </a:fontRef>
+    </dgm:style>
+  </dgm:styleLbl>
+  <dgm:styleLbl name="node4">
+    <dgm:scene3d>
+      <a:camera prst="orthographicFront"/>
+      <a:lightRig rig="threePt" dir="t"/>
+    </dgm:scene3d>
+    <dgm:sp3d/>
+    <dgm:txPr/>
+    <dgm:style>
+      <a:lnRef idx="2">
+        <a:scrgbClr r="0" g="0" b="0"/>
+      </a:lnRef>
+      <a:fillRef idx="1">
+        <a:scrgbClr r="0" g="0" b="0"/>
+      </a:fillRef>
+      <a:effectRef idx="0">
+        <a:scrgbClr r="0" g="0" b="0"/>
+      </a:effectRef>
+      <a:fontRef idx="minor">
+        <a:schemeClr val="lt1"/>
+      </a:fontRef>
+    </dgm:style>
+  </dgm:styleLbl>
+  <dgm:styleLbl name="fgImgPlace1">
+    <dgm:scene3d>
+      <a:camera prst="orthographicFront"/>
+      <a:lightRig rig="threePt" dir="t"/>
+    </dgm:scene3d>
+    <dgm:sp3d/>
+    <dgm:txPr/>
+    <dgm:style>
+      <a:lnRef idx="2">
+        <a:scrgbClr r="0" g="0" b="0"/>
+      </a:lnRef>
+      <a:fillRef idx="1">
+        <a:scrgbClr r="0" g="0" b="0"/>
+      </a:fillRef>
+      <a:effectRef idx="0">
+        <a:scrgbClr r="0" g="0" b="0"/>
+      </a:effectRef>
+      <a:fontRef idx="minor"/>
+    </dgm:style>
+  </dgm:styleLbl>
+  <dgm:styleLbl name="alignImgPlace1">
+    <dgm:scene3d>
+      <a:camera prst="orthographicFront"/>
+      <a:lightRig rig="threePt" dir="t"/>
+    </dgm:scene3d>
+    <dgm:sp3d/>
+    <dgm:txPr/>
+    <dgm:style>
+      <a:lnRef idx="2">
+        <a:scrgbClr r="0" g="0" b="0"/>
+      </a:lnRef>
+      <a:fillRef idx="1">
+        <a:scrgbClr r="0" g="0" b="0"/>
+      </a:fillRef>
+      <a:effectRef idx="0">
+        <a:scrgbClr r="0" g="0" b="0"/>
+      </a:effectRef>
+      <a:fontRef idx="minor"/>
+    </dgm:style>
+  </dgm:styleLbl>
+  <dgm:styleLbl name="bgImgPlace1">
+    <dgm:scene3d>
+      <a:camera prst="orthographicFront"/>
+      <a:lightRig rig="threePt" dir="t"/>
+    </dgm:scene3d>
+    <dgm:sp3d/>
+    <dgm:txPr/>
+    <dgm:style>
+      <a:lnRef idx="2">
+        <a:scrgbClr r="0" g="0" b="0"/>
+      </a:lnRef>
+      <a:fillRef idx="1">
+        <a:scrgbClr r="0" g="0" b="0"/>
+      </a:fillRef>
+      <a:effectRef idx="0">
+        <a:scrgbClr r="0" g="0" b="0"/>
+      </a:effectRef>
+      <a:fontRef idx="minor"/>
+    </dgm:style>
+  </dgm:styleLbl>
+  <dgm:styleLbl name="sibTrans2D1">
+    <dgm:scene3d>
+      <a:camera prst="orthographicFront"/>
+      <a:lightRig rig="threePt" dir="t"/>
+    </dgm:scene3d>
+    <dgm:sp3d/>
+    <dgm:txPr/>
+    <dgm:style>
+      <a:lnRef idx="0">
+        <a:scrgbClr r="0" g="0" b="0"/>
+      </a:lnRef>
+      <a:fillRef idx="1">
+        <a:scrgbClr r="0" g="0" b="0"/>
+      </a:fillRef>
+      <a:effectRef idx="0">
+        <a:scrgbClr r="0" g="0" b="0"/>
+      </a:effectRef>
+      <a:fontRef idx="minor">
+        <a:schemeClr val="lt1"/>
+      </a:fontRef>
+    </dgm:style>
+  </dgm:styleLbl>
+  <dgm:styleLbl name="fgSibTrans2D1">
+    <dgm:scene3d>
+      <a:camera prst="orthographicFront"/>
+      <a:lightRig rig="threePt" dir="t"/>
+    </dgm:scene3d>
+    <dgm:sp3d/>
+    <dgm:txPr/>
+    <dgm:style>
+      <a:lnRef idx="0">
+        <a:scrgbClr r="0" g="0" b="0"/>
+      </a:lnRef>
+      <a:fillRef idx="1">
+        <a:scrgbClr r="0" g="0" b="0"/>
+      </a:fillRef>
+      <a:effectRef idx="0">
+        <a:scrgbClr r="0" g="0" b="0"/>
+      </a:effectRef>
+      <a:fontRef idx="minor">
+        <a:schemeClr val="lt1"/>
+      </a:fontRef>
+    </dgm:style>
+  </dgm:styleLbl>
+  <dgm:styleLbl name="bgSibTrans2D1">
+    <dgm:scene3d>
+      <a:camera prst="orthographicFront"/>
+      <a:lightRig rig="threePt" dir="t"/>
+    </dgm:scene3d>
+    <dgm:sp3d/>
+    <dgm:txPr/>
+    <dgm:style>
+      <a:lnRef idx="0">
+        <a:scrgbClr r="0" g="0" b="0"/>
+      </a:lnRef>
+      <a:fillRef idx="1">
+        <a:scrgbClr r="0" g="0" b="0"/>
+      </a:fillRef>
+      <a:effectRef idx="0">
+        <a:scrgbClr r="0" g="0" b="0"/>
+      </a:effectRef>
+      <a:fontRef idx="minor">
+        <a:schemeClr val="lt1"/>
+      </a:fontRef>
+    </dgm:style>
+  </dgm:styleLbl>
+  <dgm:styleLbl name="sibTrans1D1">
+    <dgm:scene3d>
+      <a:camera prst="orthographicFront"/>
+      <a:lightRig rig="threePt" dir="t"/>
+    </dgm:scene3d>
+    <dgm:sp3d/>
+    <dgm:txPr/>
+    <dgm:style>
+      <a:lnRef idx="1">
+        <a:scrgbClr r="0" g="0" b="0"/>
+      </a:lnRef>
+      <a:fillRef idx="0">
+        <a:scrgbClr r="0" g="0" b="0"/>
+      </a:fillRef>
+      <a:effectRef idx="0">
+        <a:scrgbClr r="0" g="0" b="0"/>
+      </a:effectRef>
+      <a:fontRef idx="minor"/>
+    </dgm:style>
+  </dgm:styleLbl>
+  <dgm:styleLbl name="callout">
+    <dgm:scene3d>
+      <a:camera prst="orthographicFront"/>
+      <a:lightRig rig="threePt" dir="t"/>
+    </dgm:scene3d>
+    <dgm:sp3d/>
+    <dgm:txPr/>
+    <dgm:style>
+      <a:lnRef idx="2">
+        <a:scrgbClr r="0" g="0" b="0"/>
+      </a:lnRef>
+      <a:fillRef idx="1">
+        <a:scrgbClr r="0" g="0" b="0"/>
+      </a:fillRef>
+      <a:effectRef idx="0">
+        <a:scrgbClr r="0" g="0" b="0"/>
+      </a:effectRef>
+      <a:fontRef idx="minor"/>
+    </dgm:style>
+  </dgm:styleLbl>
+  <dgm:styleLbl name="asst0">
+    <dgm:scene3d>
+      <a:camera prst="orthographicFront"/>
+      <a:lightRig rig="threePt" dir="t"/>
+    </dgm:scene3d>
+    <dgm:sp3d/>
+    <dgm:txPr/>
+    <dgm:style>
+      <a:lnRef idx="2">
+        <a:scrgbClr r="0" g="0" b="0"/>
+      </a:lnRef>
+      <a:fillRef idx="1">
+        <a:scrgbClr r="0" g="0" b="0"/>
+      </a:fillRef>
+      <a:effectRef idx="0">
+        <a:scrgbClr r="0" g="0" b="0"/>
+      </a:effectRef>
+      <a:fontRef idx="minor">
+        <a:schemeClr val="lt1"/>
+      </a:fontRef>
+    </dgm:style>
+  </dgm:styleLbl>
+  <dgm:styleLbl name="asst1">
+    <dgm:scene3d>
+      <a:camera prst="orthographicFront"/>
+      <a:lightRig rig="threePt" dir="t"/>
+    </dgm:scene3d>
+    <dgm:sp3d/>
+    <dgm:txPr/>
+    <dgm:style>
+      <a:lnRef idx="2">
+        <a:scrgbClr r="0" g="0" b="0"/>
+      </a:lnRef>
+      <a:fillRef idx="1">
+        <a:scrgbClr r="0" g="0" b="0"/>
+      </a:fillRef>
+      <a:effectRef idx="0">
+        <a:scrgbClr r="0" g="0" b="0"/>
+      </a:effectRef>
+      <a:fontRef idx="minor">
+        <a:schemeClr val="lt1"/>
+      </a:fontRef>
+    </dgm:style>
+  </dgm:styleLbl>
+  <dgm:styleLbl name="asst2">
+    <dgm:scene3d>
+      <a:camera prst="orthographicFront"/>
+      <a:lightRig rig="threePt" dir="t"/>
+    </dgm:scene3d>
+    <dgm:sp3d/>
+    <dgm:txPr/>
+    <dgm:style>
+      <a:lnRef idx="2">
+        <a:scrgbClr r="0" g="0" b="0"/>
+      </a:lnRef>
+      <a:fillRef idx="1">
+        <a:scrgbClr r="0" g="0" b="0"/>
+      </a:fillRef>
+      <a:effectRef idx="0">
+        <a:scrgbClr r="0" g="0" b="0"/>
+      </a:effectRef>
+      <a:fontRef idx="minor">
+        <a:schemeClr val="lt1"/>
+      </a:fontRef>
+    </dgm:style>
+  </dgm:styleLbl>
+  <dgm:styleLbl name="asst3">
+    <dgm:scene3d>
+      <a:camera prst="orthographicFront"/>
+      <a:lightRig rig="threePt" dir="t"/>
+    </dgm:scene3d>
+    <dgm:sp3d/>
+    <dgm:txPr/>
+    <dgm:style>
+      <a:lnRef idx="2">
+        <a:scrgbClr r="0" g="0" b="0"/>
+      </a:lnRef>
+      <a:fillRef idx="1">
+        <a:scrgbClr r="0" g="0" b="0"/>
+      </a:fillRef>
+      <a:effectRef idx="0">
+        <a:scrgbClr r="0" g="0" b="0"/>
+      </a:effectRef>
+      <a:fontRef idx="minor">
+        <a:schemeClr val="lt1"/>
+      </a:fontRef>
+    </dgm:style>
+  </dgm:styleLbl>
+  <dgm:styleLbl name="asst4">
+    <dgm:scene3d>
+      <a:camera prst="orthographicFront"/>
+      <a:lightRig rig="threePt" dir="t"/>
+    </dgm:scene3d>
+    <dgm:sp3d/>
+    <dgm:txPr/>
+    <dgm:style>
+      <a:lnRef idx="2">
+        <a:scrgbClr r="0" g="0" b="0"/>
+      </a:lnRef>
+      <a:fillRef idx="1">
+        <a:scrgbClr r="0" g="0" b="0"/>
+      </a:fillRef>
+      <a:effectRef idx="0">
+        <a:scrgbClr r="0" g="0" b="0"/>
+      </a:effectRef>
+      <a:fontRef idx="minor">
+        <a:schemeClr val="lt1"/>
+      </a:fontRef>
+    </dgm:style>
+  </dgm:styleLbl>
+  <dgm:styleLbl name="parChTrans2D1">
+    <dgm:scene3d>
+      <a:camera prst="orthographicFront"/>
+      <a:lightRig rig="threePt" dir="t"/>
+    </dgm:scene3d>
+    <dgm:sp3d/>
+    <dgm:txPr/>
+    <dgm:style>
+      <a:lnRef idx="2">
+        <a:scrgbClr r="0" g="0" b="0"/>
+      </a:lnRef>
+      <a:fillRef idx="1">
+        <a:scrgbClr r="0" g="0" b="0"/>
+      </a:fillRef>
+      <a:effectRef idx="0">
+        <a:scrgbClr r="0" g="0" b="0"/>
+      </a:effectRef>
+      <a:fontRef idx="minor">
+        <a:schemeClr val="lt1"/>
+      </a:fontRef>
+    </dgm:style>
+  </dgm:styleLbl>
+  <dgm:styleLbl name="parChTrans2D2">
+    <dgm:scene3d>
+      <a:camera prst="orthographicFront"/>
+      <a:lightRig rig="threePt" dir="t"/>
+    </dgm:scene3d>
+    <dgm:sp3d/>
+    <dgm:txPr/>
+    <dgm:style>
+      <a:lnRef idx="2">
+        <a:scrgbClr r="0" g="0" b="0"/>
+      </a:lnRef>
+      <a:fillRef idx="1">
+        <a:scrgbClr r="0" g="0" b="0"/>
+      </a:fillRef>
+      <a:effectRef idx="0">
+        <a:scrgbClr r="0" g="0" b="0"/>
+      </a:effectRef>
+      <a:fontRef idx="minor">
+        <a:schemeClr val="lt1"/>
+      </a:fontRef>
+    </dgm:style>
+  </dgm:styleLbl>
+  <dgm:styleLbl name="parChTrans2D3">
+    <dgm:scene3d>
+      <a:camera prst="orthographicFront"/>
+      <a:lightRig rig="threePt" dir="t"/>
+    </dgm:scene3d>
+    <dgm:sp3d/>
+    <dgm:txPr/>
+    <dgm:style>
+      <a:lnRef idx="2">
+        <a:scrgbClr r="0" g="0" b="0"/>
+      </a:lnRef>
+      <a:fillRef idx="1">
+        <a:scrgbClr r="0" g="0" b="0"/>
+      </a:fillRef>
+      <a:effectRef idx="0">
+        <a:scrgbClr r="0" g="0" b="0"/>
+      </a:effectRef>
+      <a:fontRef idx="minor">
+        <a:schemeClr val="lt1"/>
+      </a:fontRef>
+    </dgm:style>
+  </dgm:styleLbl>
+  <dgm:styleLbl name="parChTrans2D4">
+    <dgm:scene3d>
+      <a:camera prst="orthographicFront"/>
+      <a:lightRig rig="threePt" dir="t"/>
+    </dgm:scene3d>
+    <dgm:sp3d/>
+    <dgm:txPr/>
+    <dgm:style>
+      <a:lnRef idx="2">
+        <a:scrgbClr r="0" g="0" b="0"/>
+      </a:lnRef>
+      <a:fillRef idx="1">
+        <a:scrgbClr r="0" g="0" b="0"/>
+      </a:fillRef>
+      <a:effectRef idx="0">
+        <a:scrgbClr r="0" g="0" b="0"/>
+      </a:effectRef>
+      <a:fontRef idx="minor">
+        <a:schemeClr val="lt1"/>
+      </a:fontRef>
+    </dgm:style>
+  </dgm:styleLbl>
+  <dgm:styleLbl name="parChTrans1D1">
+    <dgm:scene3d>
+      <a:camera prst="orthographicFront"/>
+      <a:lightRig rig="threePt" dir="t"/>
+    </dgm:scene3d>
+    <dgm:sp3d/>
+    <dgm:txPr/>
+    <dgm:style>
+      <a:lnRef idx="2">
+        <a:scrgbClr r="0" g="0" b="0"/>
+      </a:lnRef>
+      <a:fillRef idx="0">
+        <a:scrgbClr r="0" g="0" b="0"/>
+      </a:fillRef>
+      <a:effectRef idx="0">
+        <a:scrgbClr r="0" g="0" b="0"/>
+      </a:effectRef>
+      <a:fontRef idx="minor"/>
+    </dgm:style>
+  </dgm:styleLbl>
+  <dgm:styleLbl name="parChTrans1D2">
+    <dgm:scene3d>
+      <a:camera prst="orthographicFront"/>
+      <a:lightRig rig="threePt" dir="t"/>
+    </dgm:scene3d>
+    <dgm:sp3d/>
+    <dgm:txPr/>
+    <dgm:style>
+      <a:lnRef idx="2">
+        <a:scrgbClr r="0" g="0" b="0"/>
+      </a:lnRef>
+      <a:fillRef idx="0">
+        <a:scrgbClr r="0" g="0" b="0"/>
+      </a:fillRef>
+      <a:effectRef idx="0">
+        <a:scrgbClr r="0" g="0" b="0"/>
+      </a:effectRef>
+      <a:fontRef idx="minor"/>
+    </dgm:style>
+  </dgm:styleLbl>
+  <dgm:styleLbl name="parChTrans1D3">
+    <dgm:scene3d>
+      <a:camera prst="orthographicFront"/>
+      <a:lightRig rig="threePt" dir="t"/>
+    </dgm:scene3d>
+    <dgm:sp3d/>
+    <dgm:txPr/>
+    <dgm:style>
+      <a:lnRef idx="2">
+        <a:scrgbClr r="0" g="0" b="0"/>
+      </a:lnRef>
+      <a:fillRef idx="0">
+        <a:scrgbClr r="0" g="0" b="0"/>
+      </a:fillRef>
+      <a:effectRef idx="0">
+        <a:scrgbClr r="0" g="0" b="0"/>
+      </a:effectRef>
+      <a:fontRef idx="minor"/>
+    </dgm:style>
+  </dgm:styleLbl>
+  <dgm:styleLbl name="parChTrans1D4">
+    <dgm:scene3d>
+      <a:camera prst="orthographicFront"/>
+      <a:lightRig rig="threePt" dir="t"/>
+    </dgm:scene3d>
+    <dgm:sp3d/>
+    <dgm:txPr/>
+    <dgm:style>
+      <a:lnRef idx="2">
+        <a:scrgbClr r="0" g="0" b="0"/>
+      </a:lnRef>
+      <a:fillRef idx="0">
+        <a:scrgbClr r="0" g="0" b="0"/>
+      </a:fillRef>
+      <a:effectRef idx="0">
+        <a:scrgbClr r="0" g="0" b="0"/>
+      </a:effectRef>
+      <a:fontRef idx="minor"/>
+    </dgm:style>
+  </dgm:styleLbl>
+  <dgm:styleLbl name="fgAcc1">
+    <dgm:scene3d>
+      <a:camera prst="orthographicFront"/>
+      <a:lightRig rig="threePt" dir="t"/>
+    </dgm:scene3d>
+    <dgm:sp3d/>
+    <dgm:txPr/>
+    <dgm:style>
+      <a:lnRef idx="2">
+        <a:scrgbClr r="0" g="0" b="0"/>
+      </a:lnRef>
+      <a:fillRef idx="1">
+        <a:scrgbClr r="0" g="0" b="0"/>
+      </a:fillRef>
+      <a:effectRef idx="0">
+        <a:scrgbClr r="0" g="0" b="0"/>
+      </a:effectRef>
+      <a:fontRef idx="minor"/>
+    </dgm:style>
+  </dgm:styleLbl>
+  <dgm:styleLbl name="conFgAcc1">
+    <dgm:scene3d>
+      <a:camera prst="orthographicFront"/>
+      <a:lightRig rig="threePt" dir="t"/>
+    </dgm:scene3d>
+    <dgm:sp3d/>
+    <dgm:txPr/>
+    <dgm:style>
+      <a:lnRef idx="2">
+        <a:scrgbClr r="0" g="0" b="0"/>
+      </a:lnRef>
+      <a:fillRef idx="1">
+        <a:scrgbClr r="0" g="0" b="0"/>
+      </a:fillRef>
+      <a:effectRef idx="0">
+        <a:scrgbClr r="0" g="0" b="0"/>
+      </a:effectRef>
+      <a:fontRef idx="minor"/>
+    </dgm:style>
+  </dgm:styleLbl>
+  <dgm:styleLbl name="alignAcc1">
+    <dgm:scene3d>
+      <a:camera prst="orthographicFront"/>
+      <a:lightRig rig="threePt" dir="t"/>
+    </dgm:scene3d>
+    <dgm:sp3d/>
+    <dgm:txPr/>
+    <dgm:style>
+      <a:lnRef idx="2">
+        <a:scrgbClr r="0" g="0" b="0"/>
+      </a:lnRef>
+      <a:fillRef idx="1">
+        <a:scrgbClr r="0" g="0" b="0"/>
+      </a:fillRef>
+      <a:effectRef idx="0">
+        <a:scrgbClr r="0" g="0" b="0"/>
+      </a:effectRef>
+      <a:fontRef idx="minor"/>
+    </dgm:style>
+  </dgm:styleLbl>
+  <dgm:styleLbl name="trAlignAcc1">
+    <dgm:scene3d>
+      <a:camera prst="orthographicFront"/>
+      <a:lightRig rig="threePt" dir="t"/>
+    </dgm:scene3d>
+    <dgm:sp3d/>
+    <dgm:txPr/>
+    <dgm:style>
+      <a:lnRef idx="1">
+        <a:scrgbClr r="0" g="0" b="0"/>
+      </a:lnRef>
+      <a:fillRef idx="1">
+        <a:scrgbClr r="0" g="0" b="0"/>
+      </a:fillRef>
+      <a:effectRef idx="0">
+        <a:scrgbClr r="0" g="0" b="0"/>
+      </a:effectRef>
+      <a:fontRef idx="minor"/>
+    </dgm:style>
+  </dgm:styleLbl>
+  <dgm:styleLbl name="bgAcc1">
+    <dgm:scene3d>
+      <a:camera prst="orthographicFront"/>
+      <a:lightRig rig="threePt" dir="t"/>
+    </dgm:scene3d>
+    <dgm:sp3d/>
+    <dgm:txPr/>
+    <dgm:style>
+      <a:lnRef idx="2">
+        <a:scrgbClr r="0" g="0" b="0"/>
+      </a:lnRef>
+      <a:fillRef idx="1">
+        <a:scrgbClr r="0" g="0" b="0"/>
+      </a:fillRef>
+      <a:effectRef idx="0">
+        <a:scrgbClr r="0" g="0" b="0"/>
+      </a:effectRef>
+      <a:fontRef idx="minor"/>
+    </dgm:style>
+  </dgm:styleLbl>
+  <dgm:styleLbl name="solidFgAcc1">
+    <dgm:scene3d>
+      <a:camera prst="orthographicFront"/>
+      <a:lightRig rig="threePt" dir="t"/>
+    </dgm:scene3d>
+    <dgm:sp3d/>
+    <dgm:txPr/>
+    <dgm:style>
+      <a:lnRef idx="2">
+        <a:scrgbClr r="0" g="0" b="0"/>
+      </a:lnRef>
+      <a:fillRef idx="1">
+        <a:scrgbClr r="0" g="0" b="0"/>
+      </a:fillRef>
+      <a:effectRef idx="0">
+        <a:scrgbClr r="0" g="0" b="0"/>
+      </a:effectRef>
+      <a:fontRef idx="minor"/>
+    </dgm:style>
+  </dgm:styleLbl>
+  <dgm:styleLbl name="solidAlignAcc1">
+    <dgm:scene3d>
+      <a:camera prst="orthographicFront"/>
+      <a:lightRig rig="threePt" dir="t"/>
+    </dgm:scene3d>
+    <dgm:sp3d/>
+    <dgm:txPr/>
+    <dgm:style>
+      <a:lnRef idx="2">
+        <a:scrgbClr r="0" g="0" b="0"/>
+      </a:lnRef>
+      <a:fillRef idx="1">
+        <a:scrgbClr r="0" g="0" b="0"/>
+      </a:fillRef>
+      <a:effectRef idx="0">
+        <a:scrgbClr r="0" g="0" b="0"/>
+      </a:effectRef>
+      <a:fontRef idx="minor"/>
+    </dgm:style>
+  </dgm:styleLbl>
+  <dgm:styleLbl name="solidBgAcc1">
+    <dgm:scene3d>
+      <a:camera prst="orthographicFront"/>
+      <a:lightRig rig="threePt" dir="t"/>
+    </dgm:scene3d>
+    <dgm:sp3d/>
+    <dgm:txPr/>
+    <dgm:style>
+      <a:lnRef idx="2">
+        <a:scrgbClr r="0" g="0" b="0"/>
+      </a:lnRef>
+      <a:fillRef idx="1">
+        <a:scrgbClr r="0" g="0" b="0"/>
+      </a:fillRef>
+      <a:effectRef idx="0">
+        <a:scrgbClr r="0" g="0" b="0"/>
+      </a:effectRef>
+      <a:fontRef idx="minor"/>
+    </dgm:style>
+  </dgm:styleLbl>
+  <dgm:styleLbl name="fgAccFollowNode1">
+    <dgm:scene3d>
+      <a:camera prst="orthographicFront"/>
+      <a:lightRig rig="threePt" dir="t"/>
+    </dgm:scene3d>
+    <dgm:sp3d/>
+    <dgm:txPr/>
+    <dgm:style>
+      <a:lnRef idx="2">
+        <a:scrgbClr r="0" g="0" b="0"/>
+      </a:lnRef>
+      <a:fillRef idx="1">
+        <a:scrgbClr r="0" g="0" b="0"/>
+      </a:fillRef>
+      <a:effectRef idx="0">
+        <a:scrgbClr r="0" g="0" b="0"/>
+      </a:effectRef>
+      <a:fontRef idx="minor"/>
+    </dgm:style>
+  </dgm:styleLbl>
+  <dgm:styleLbl name="alignAccFollowNode1">
+    <dgm:scene3d>
+      <a:camera prst="orthographicFront"/>
+      <a:lightRig rig="threePt" dir="t"/>
+    </dgm:scene3d>
+    <dgm:sp3d/>
+    <dgm:txPr/>
+    <dgm:style>
+      <a:lnRef idx="2">
+        <a:scrgbClr r="0" g="0" b="0"/>
+      </a:lnRef>
+      <a:fillRef idx="1">
+        <a:scrgbClr r="0" g="0" b="0"/>
+      </a:fillRef>
+      <a:effectRef idx="0">
+        <a:scrgbClr r="0" g="0" b="0"/>
+      </a:effectRef>
+      <a:fontRef idx="minor"/>
+    </dgm:style>
+  </dgm:styleLbl>
+  <dgm:styleLbl name="bgAccFollowNode1">
+    <dgm:scene3d>
+      <a:camera prst="orthographicFront"/>
+      <a:lightRig rig="threePt" dir="t"/>
+    </dgm:scene3d>
+    <dgm:sp3d/>
+    <dgm:txPr/>
+    <dgm:style>
+      <a:lnRef idx="2">
+        <a:scrgbClr r="0" g="0" b="0"/>
+      </a:lnRef>
+      <a:fillRef idx="1">
+        <a:scrgbClr r="0" g="0" b="0"/>
+      </a:fillRef>
+      <a:effectRef idx="0">
+        <a:scrgbClr r="0" g="0" b="0"/>
+      </a:effectRef>
+      <a:fontRef idx="minor"/>
+    </dgm:style>
+  </dgm:styleLbl>
+  <dgm:styleLbl name="fgAcc0">
+    <dgm:scene3d>
+      <a:camera prst="orthographicFront"/>
+      <a:lightRig rig="threePt" dir="t"/>
+    </dgm:scene3d>
+    <dgm:sp3d/>
+    <dgm:txPr/>
+    <dgm:style>
+      <a:lnRef idx="2">
+        <a:scrgbClr r="0" g="0" b="0"/>
+      </a:lnRef>
+      <a:fillRef idx="1">
+        <a:scrgbClr r="0" g="0" b="0"/>
+      </a:fillRef>
+      <a:effectRef idx="0">
+        <a:scrgbClr r="0" g="0" b="0"/>
+      </a:effectRef>
+      <a:fontRef idx="minor"/>
+    </dgm:style>
+  </dgm:styleLbl>
+  <dgm:styleLbl name="fgAcc2">
+    <dgm:scene3d>
+      <a:camera prst="orthographicFront"/>
+      <a:lightRig rig="threePt" dir="t"/>
+    </dgm:scene3d>
+    <dgm:sp3d/>
+    <dgm:txPr/>
+    <dgm:style>
+      <a:lnRef idx="2">
+        <a:scrgbClr r="0" g="0" b="0"/>
+      </a:lnRef>
+      <a:fillRef idx="1">
+        <a:scrgbClr r="0" g="0" b="0"/>
+      </a:fillRef>
+      <a:effectRef idx="0">
+        <a:scrgbClr r="0" g="0" b="0"/>
+      </a:effectRef>
+      <a:fontRef idx="minor"/>
+    </dgm:style>
+  </dgm:styleLbl>
+  <dgm:styleLbl name="fgAcc3">
+    <dgm:scene3d>
+      <a:camera prst="orthographicFront"/>
+      <a:lightRig rig="threePt" dir="t"/>
+    </dgm:scene3d>
+    <dgm:sp3d/>
+    <dgm:txPr/>
+    <dgm:style>
+      <a:lnRef idx="2">
+        <a:scrgbClr r="0" g="0" b="0"/>
+      </a:lnRef>
+      <a:fillRef idx="1">
+        <a:scrgbClr r="0" g="0" b="0"/>
+      </a:fillRef>
+      <a:effectRef idx="0">
+        <a:scrgbClr r="0" g="0" b="0"/>
+      </a:effectRef>
+      <a:fontRef idx="minor"/>
+    </dgm:style>
+  </dgm:styleLbl>
+  <dgm:styleLbl name="fgAcc4">
+    <dgm:scene3d>
+      <a:camera prst="orthographicFront"/>
+      <a:lightRig rig="threePt" dir="t"/>
+    </dgm:scene3d>
+    <dgm:sp3d/>
+    <dgm:txPr/>
+    <dgm:style>
+      <a:lnRef idx="2">
+        <a:scrgbClr r="0" g="0" b="0"/>
+      </a:lnRef>
+      <a:fillRef idx="1">
+        <a:scrgbClr r="0" g="0" b="0"/>
+      </a:fillRef>
+      <a:effectRef idx="0">
+        <a:scrgbClr r="0" g="0" b="0"/>
+      </a:effectRef>
+      <a:fontRef idx="minor"/>
+    </dgm:style>
+  </dgm:styleLbl>
+  <dgm:styleLbl name="bgShp">
+    <dgm:scene3d>
+      <a:camera prst="orthographicFront"/>
+      <a:lightRig rig="threePt" dir="t"/>
+    </dgm:scene3d>
+    <dgm:sp3d/>
+    <dgm:txPr/>
+    <dgm:style>
+      <a:lnRef idx="0">
+        <a:scrgbClr r="0" g="0" b="0"/>
+      </a:lnRef>
+      <a:fillRef idx="1">
+        <a:scrgbClr r="0" g="0" b="0"/>
+      </a:fillRef>
+      <a:effectRef idx="0">
+        <a:scrgbClr r="0" g="0" b="0"/>
+      </a:effectRef>
+      <a:fontRef idx="minor"/>
+    </dgm:style>
+  </dgm:styleLbl>
+  <dgm:styleLbl name="dkBgShp">
+    <dgm:scene3d>
+      <a:camera prst="orthographicFront"/>
+      <a:lightRig rig="threePt" dir="t"/>
+    </dgm:scene3d>
+    <dgm:sp3d/>
+    <dgm:txPr/>
+    <dgm:style>
+      <a:lnRef idx="0">
+        <a:scrgbClr r="0" g="0" b="0"/>
+      </a:lnRef>
+      <a:fillRef idx="1">
+        <a:scrgbClr r="0" g="0" b="0"/>
+      </a:fillRef>
+      <a:effectRef idx="0">
+        <a:scrgbClr r="0" g="0" b="0"/>
+      </a:effectRef>
+      <a:fontRef idx="minor"/>
+    </dgm:style>
+  </dgm:styleLbl>
+  <dgm:styleLbl name="trBgShp">
+    <dgm:scene3d>
+      <a:camera prst="orthographicFront"/>
+      <a:lightRig rig="threePt" dir="t"/>
+    </dgm:scene3d>
+    <dgm:sp3d/>
+    <dgm:txPr/>
+    <dgm:style>
+      <a:lnRef idx="0">
+        <a:scrgbClr r="0" g="0" b="0"/>
+      </a:lnRef>
+      <a:fillRef idx="1">
+        <a:scrgbClr r="0" g="0" b="0"/>
+      </a:fillRef>
+      <a:effectRef idx="0">
+        <a:scrgbClr r="0" g="0" b="0"/>
+      </a:effectRef>
+      <a:fontRef idx="minor"/>
+    </dgm:style>
+  </dgm:styleLbl>
+  <dgm:styleLbl name="fgShp">
+    <dgm:scene3d>
+      <a:camera prst="orthographicFront"/>
+      <a:lightRig rig="threePt" dir="t"/>
+    </dgm:scene3d>
+    <dgm:sp3d/>
+    <dgm:txPr/>
+    <dgm:style>
+      <a:lnRef idx="2">
+        <a:scrgbClr r="0" g="0" b="0"/>
+      </a:lnRef>
+      <a:fillRef idx="1">
+        <a:scrgbClr r="0" g="0" b="0"/>
+      </a:fillRef>
+      <a:effectRef idx="0">
+        <a:scrgbClr r="0" g="0" b="0"/>
+      </a:effectRef>
+      <a:fontRef idx="minor"/>
+    </dgm:style>
+  </dgm:styleLbl>
+  <dgm:styleLbl name="revTx">
+    <dgm:scene3d>
+      <a:camera prst="orthographicFront"/>
+      <a:lightRig rig="threePt" dir="t"/>
+    </dgm:scene3d>
+    <dgm:sp3d/>
+    <dgm:txPr/>
+    <dgm:style>
+      <a:lnRef idx="0">
+        <a:scrgbClr r="0" g="0" b="0"/>
+      </a:lnRef>
+      <a:fillRef idx="0">
+        <a:scrgbClr r="0" g="0" b="0"/>
+      </a:fillRef>
+      <a:effectRef idx="0">
+        <a:scrgbClr r="0" g="0" b="0"/>
+      </a:effectRef>
+      <a:fontRef idx="minor"/>
+    </dgm:style>
+  </dgm:styleLbl>
+</dgm:styleDef>
+</file>
+
+<file path=ppt/diagrams/quickStyle7.xml><?xml version="1.0" encoding="utf-8"?>
 <dgm:styleDef xmlns:dgm="http://schemas.openxmlformats.org/drawingml/2006/diagram" xmlns:a="http://schemas.openxmlformats.org/drawingml/2006/main" uniqueId="urn:microsoft.com/office/officeart/2005/8/quickstyle/simple1">
   <dgm:title val=""/>
   <dgm:desc val=""/>
@@ -16518,7 +19265,7 @@
           <a:p>
             <a:fld id="{914D4FD4-5B0E-4F7C-B8E4-D593C0C80ABF}" type="datetimeFigureOut">
               <a:rPr lang="en-US" smtClean="0"/>
-              <a:t>12/5/2016</a:t>
+              <a:t>12/6/2016</a:t>
             </a:fld>
             <a:endParaRPr lang="en-US"/>
           </a:p>
@@ -16688,7 +19435,7 @@
           <a:p>
             <a:fld id="{914D4FD4-5B0E-4F7C-B8E4-D593C0C80ABF}" type="datetimeFigureOut">
               <a:rPr lang="en-US" smtClean="0"/>
-              <a:t>12/5/2016</a:t>
+              <a:t>12/6/2016</a:t>
             </a:fld>
             <a:endParaRPr lang="en-US"/>
           </a:p>
@@ -16868,7 +19615,7 @@
           <a:p>
             <a:fld id="{914D4FD4-5B0E-4F7C-B8E4-D593C0C80ABF}" type="datetimeFigureOut">
               <a:rPr lang="en-US" smtClean="0"/>
-              <a:t>12/5/2016</a:t>
+              <a:t>12/6/2016</a:t>
             </a:fld>
             <a:endParaRPr lang="en-US"/>
           </a:p>
@@ -17038,7 +19785,7 @@
           <a:p>
             <a:fld id="{914D4FD4-5B0E-4F7C-B8E4-D593C0C80ABF}" type="datetimeFigureOut">
               <a:rPr lang="en-US" smtClean="0"/>
-              <a:t>12/5/2016</a:t>
+              <a:t>12/6/2016</a:t>
             </a:fld>
             <a:endParaRPr lang="en-US"/>
           </a:p>
@@ -17284,7 +20031,7 @@
           <a:p>
             <a:fld id="{914D4FD4-5B0E-4F7C-B8E4-D593C0C80ABF}" type="datetimeFigureOut">
               <a:rPr lang="en-US" smtClean="0"/>
-              <a:t>12/5/2016</a:t>
+              <a:t>12/6/2016</a:t>
             </a:fld>
             <a:endParaRPr lang="en-US"/>
           </a:p>
@@ -17516,7 +20263,7 @@
           <a:p>
             <a:fld id="{914D4FD4-5B0E-4F7C-B8E4-D593C0C80ABF}" type="datetimeFigureOut">
               <a:rPr lang="en-US" smtClean="0"/>
-              <a:t>12/5/2016</a:t>
+              <a:t>12/6/2016</a:t>
             </a:fld>
             <a:endParaRPr lang="en-US"/>
           </a:p>
@@ -17883,7 +20630,7 @@
           <a:p>
             <a:fld id="{914D4FD4-5B0E-4F7C-B8E4-D593C0C80ABF}" type="datetimeFigureOut">
               <a:rPr lang="en-US" smtClean="0"/>
-              <a:t>12/5/2016</a:t>
+              <a:t>12/6/2016</a:t>
             </a:fld>
             <a:endParaRPr lang="en-US"/>
           </a:p>
@@ -18001,7 +20748,7 @@
           <a:p>
             <a:fld id="{914D4FD4-5B0E-4F7C-B8E4-D593C0C80ABF}" type="datetimeFigureOut">
               <a:rPr lang="en-US" smtClean="0"/>
-              <a:t>12/5/2016</a:t>
+              <a:t>12/6/2016</a:t>
             </a:fld>
             <a:endParaRPr lang="en-US"/>
           </a:p>
@@ -18096,7 +20843,7 @@
           <a:p>
             <a:fld id="{914D4FD4-5B0E-4F7C-B8E4-D593C0C80ABF}" type="datetimeFigureOut">
               <a:rPr lang="en-US" smtClean="0"/>
-              <a:t>12/5/2016</a:t>
+              <a:t>12/6/2016</a:t>
             </a:fld>
             <a:endParaRPr lang="en-US"/>
           </a:p>
@@ -18373,7 +21120,7 @@
           <a:p>
             <a:fld id="{914D4FD4-5B0E-4F7C-B8E4-D593C0C80ABF}" type="datetimeFigureOut">
               <a:rPr lang="en-US" smtClean="0"/>
-              <a:t>12/5/2016</a:t>
+              <a:t>12/6/2016</a:t>
             </a:fld>
             <a:endParaRPr lang="en-US"/>
           </a:p>
@@ -18626,7 +21373,7 @@
           <a:p>
             <a:fld id="{914D4FD4-5B0E-4F7C-B8E4-D593C0C80ABF}" type="datetimeFigureOut">
               <a:rPr lang="en-US" smtClean="0"/>
-              <a:t>12/5/2016</a:t>
+              <a:t>12/6/2016</a:t>
             </a:fld>
             <a:endParaRPr lang="en-US"/>
           </a:p>
@@ -18839,7 +21586,7 @@
           <a:p>
             <a:fld id="{914D4FD4-5B0E-4F7C-B8E4-D593C0C80ABF}" type="datetimeFigureOut">
               <a:rPr lang="en-US" smtClean="0"/>
-              <a:t>12/5/2016</a:t>
+              <a:t>12/6/2016</a:t>
             </a:fld>
             <a:endParaRPr lang="en-US"/>
           </a:p>
@@ -19425,63 +22172,63 @@
                 <a:gridCol w="744175">
                   <a:extLst>
                     <a:ext uri="{9D8B030D-6E8A-4147-A177-3AD203B41FA5}">
-                      <a16:colId xmlns:a16="http://schemas.microsoft.com/office/drawing/2014/main" val="126345548"/>
+                      <a16:colId xmlns:a16="http://schemas.microsoft.com/office/drawing/2014/main" xmlns="" val="126345548"/>
                     </a:ext>
                   </a:extLst>
                 </a:gridCol>
                 <a:gridCol w="744175">
                   <a:extLst>
                     <a:ext uri="{9D8B030D-6E8A-4147-A177-3AD203B41FA5}">
-                      <a16:colId xmlns:a16="http://schemas.microsoft.com/office/drawing/2014/main" val="1556815636"/>
+                      <a16:colId xmlns:a16="http://schemas.microsoft.com/office/drawing/2014/main" xmlns="" val="1556815636"/>
                     </a:ext>
                   </a:extLst>
                 </a:gridCol>
                 <a:gridCol w="744175">
                   <a:extLst>
                     <a:ext uri="{9D8B030D-6E8A-4147-A177-3AD203B41FA5}">
-                      <a16:colId xmlns:a16="http://schemas.microsoft.com/office/drawing/2014/main" val="761277155"/>
+                      <a16:colId xmlns:a16="http://schemas.microsoft.com/office/drawing/2014/main" xmlns="" val="761277155"/>
                     </a:ext>
                   </a:extLst>
                 </a:gridCol>
                 <a:gridCol w="744175">
                   <a:extLst>
                     <a:ext uri="{9D8B030D-6E8A-4147-A177-3AD203B41FA5}">
-                      <a16:colId xmlns:a16="http://schemas.microsoft.com/office/drawing/2014/main" val="2478805113"/>
+                      <a16:colId xmlns:a16="http://schemas.microsoft.com/office/drawing/2014/main" xmlns="" val="2478805113"/>
                     </a:ext>
                   </a:extLst>
                 </a:gridCol>
                 <a:gridCol w="744175">
                   <a:extLst>
                     <a:ext uri="{9D8B030D-6E8A-4147-A177-3AD203B41FA5}">
-                      <a16:colId xmlns:a16="http://schemas.microsoft.com/office/drawing/2014/main" val="2215631369"/>
+                      <a16:colId xmlns:a16="http://schemas.microsoft.com/office/drawing/2014/main" xmlns="" val="2215631369"/>
                     </a:ext>
                   </a:extLst>
                 </a:gridCol>
                 <a:gridCol w="744175">
                   <a:extLst>
                     <a:ext uri="{9D8B030D-6E8A-4147-A177-3AD203B41FA5}">
-                      <a16:colId xmlns:a16="http://schemas.microsoft.com/office/drawing/2014/main" val="384880286"/>
+                      <a16:colId xmlns:a16="http://schemas.microsoft.com/office/drawing/2014/main" xmlns="" val="384880286"/>
                     </a:ext>
                   </a:extLst>
                 </a:gridCol>
                 <a:gridCol w="744175">
                   <a:extLst>
                     <a:ext uri="{9D8B030D-6E8A-4147-A177-3AD203B41FA5}">
-                      <a16:colId xmlns:a16="http://schemas.microsoft.com/office/drawing/2014/main" val="1544437760"/>
+                      <a16:colId xmlns:a16="http://schemas.microsoft.com/office/drawing/2014/main" xmlns="" val="1544437760"/>
                     </a:ext>
                   </a:extLst>
                 </a:gridCol>
                 <a:gridCol w="744175">
                   <a:extLst>
                     <a:ext uri="{9D8B030D-6E8A-4147-A177-3AD203B41FA5}">
-                      <a16:colId xmlns:a16="http://schemas.microsoft.com/office/drawing/2014/main" val="367150452"/>
+                      <a16:colId xmlns:a16="http://schemas.microsoft.com/office/drawing/2014/main" xmlns="" val="367150452"/>
                     </a:ext>
                   </a:extLst>
                 </a:gridCol>
                 <a:gridCol w="744175">
                   <a:extLst>
                     <a:ext uri="{9D8B030D-6E8A-4147-A177-3AD203B41FA5}">
-                      <a16:colId xmlns:a16="http://schemas.microsoft.com/office/drawing/2014/main" val="3980445139"/>
+                      <a16:colId xmlns:a16="http://schemas.microsoft.com/office/drawing/2014/main" xmlns="" val="3980445139"/>
                     </a:ext>
                   </a:extLst>
                 </a:gridCol>
@@ -20023,7 +22770,7 @@
                 </a:tc>
                 <a:extLst>
                   <a:ext uri="{0D108BD9-81ED-4DB2-BD59-A6C34878D82A}">
-                    <a16:rowId xmlns:a16="http://schemas.microsoft.com/office/drawing/2014/main" val="1115235878"/>
+                    <a16:rowId xmlns:a16="http://schemas.microsoft.com/office/drawing/2014/main" xmlns="" val="1115235878"/>
                   </a:ext>
                 </a:extLst>
               </a:tr>
@@ -20543,7 +23290,7 @@
                 </a:tc>
                 <a:extLst>
                   <a:ext uri="{0D108BD9-81ED-4DB2-BD59-A6C34878D82A}">
-                    <a16:rowId xmlns:a16="http://schemas.microsoft.com/office/drawing/2014/main" val="3205157197"/>
+                    <a16:rowId xmlns:a16="http://schemas.microsoft.com/office/drawing/2014/main" xmlns="" val="3205157197"/>
                   </a:ext>
                 </a:extLst>
               </a:tr>
@@ -21076,7 +23823,7 @@
                 </a:tc>
                 <a:extLst>
                   <a:ext uri="{0D108BD9-81ED-4DB2-BD59-A6C34878D82A}">
-                    <a16:rowId xmlns:a16="http://schemas.microsoft.com/office/drawing/2014/main" val="3195183275"/>
+                    <a16:rowId xmlns:a16="http://schemas.microsoft.com/office/drawing/2014/main" xmlns="" val="3195183275"/>
                   </a:ext>
                 </a:extLst>
               </a:tr>
@@ -21596,7 +24343,7 @@
                 </a:tc>
                 <a:extLst>
                   <a:ext uri="{0D108BD9-81ED-4DB2-BD59-A6C34878D82A}">
-                    <a16:rowId xmlns:a16="http://schemas.microsoft.com/office/drawing/2014/main" val="3462430981"/>
+                    <a16:rowId xmlns:a16="http://schemas.microsoft.com/office/drawing/2014/main" xmlns="" val="3462430981"/>
                   </a:ext>
                 </a:extLst>
               </a:tr>
@@ -21660,56 +24407,56 @@
                 <a:gridCol w="1017409">
                   <a:extLst>
                     <a:ext uri="{9D8B030D-6E8A-4147-A177-3AD203B41FA5}">
-                      <a16:colId xmlns:a16="http://schemas.microsoft.com/office/drawing/2014/main" val="1338079686"/>
+                      <a16:colId xmlns:a16="http://schemas.microsoft.com/office/drawing/2014/main" xmlns="" val="1338079686"/>
                     </a:ext>
                   </a:extLst>
                 </a:gridCol>
                 <a:gridCol w="393018">
                   <a:extLst>
                     <a:ext uri="{9D8B030D-6E8A-4147-A177-3AD203B41FA5}">
-                      <a16:colId xmlns:a16="http://schemas.microsoft.com/office/drawing/2014/main" val="3289199814"/>
+                      <a16:colId xmlns:a16="http://schemas.microsoft.com/office/drawing/2014/main" xmlns="" val="3289199814"/>
                     </a:ext>
                   </a:extLst>
                 </a:gridCol>
                 <a:gridCol w="481764">
                   <a:extLst>
                     <a:ext uri="{9D8B030D-6E8A-4147-A177-3AD203B41FA5}">
-                      <a16:colId xmlns:a16="http://schemas.microsoft.com/office/drawing/2014/main" val="2872708802"/>
+                      <a16:colId xmlns:a16="http://schemas.microsoft.com/office/drawing/2014/main" xmlns="" val="2872708802"/>
                     </a:ext>
                   </a:extLst>
                 </a:gridCol>
                 <a:gridCol w="849425">
                   <a:extLst>
                     <a:ext uri="{9D8B030D-6E8A-4147-A177-3AD203B41FA5}">
-                      <a16:colId xmlns:a16="http://schemas.microsoft.com/office/drawing/2014/main" val="4273812262"/>
+                      <a16:colId xmlns:a16="http://schemas.microsoft.com/office/drawing/2014/main" xmlns="" val="4273812262"/>
                     </a:ext>
                   </a:extLst>
                 </a:gridCol>
                 <a:gridCol w="637069">
                   <a:extLst>
                     <a:ext uri="{9D8B030D-6E8A-4147-A177-3AD203B41FA5}">
-                      <a16:colId xmlns:a16="http://schemas.microsoft.com/office/drawing/2014/main" val="3656987929"/>
+                      <a16:colId xmlns:a16="http://schemas.microsoft.com/office/drawing/2014/main" xmlns="" val="3656987929"/>
                     </a:ext>
                   </a:extLst>
                 </a:gridCol>
                 <a:gridCol w="811391">
                   <a:extLst>
                     <a:ext uri="{9D8B030D-6E8A-4147-A177-3AD203B41FA5}">
-                      <a16:colId xmlns:a16="http://schemas.microsoft.com/office/drawing/2014/main" val="2847511962"/>
+                      <a16:colId xmlns:a16="http://schemas.microsoft.com/office/drawing/2014/main" xmlns="" val="2847511962"/>
                     </a:ext>
                   </a:extLst>
                 </a:gridCol>
                 <a:gridCol w="751171">
                   <a:extLst>
                     <a:ext uri="{9D8B030D-6E8A-4147-A177-3AD203B41FA5}">
-                      <a16:colId xmlns:a16="http://schemas.microsoft.com/office/drawing/2014/main" val="3438640142"/>
+                      <a16:colId xmlns:a16="http://schemas.microsoft.com/office/drawing/2014/main" xmlns="" val="3438640142"/>
                     </a:ext>
                   </a:extLst>
                 </a:gridCol>
                 <a:gridCol w="545154">
                   <a:extLst>
                     <a:ext uri="{9D8B030D-6E8A-4147-A177-3AD203B41FA5}">
-                      <a16:colId xmlns:a16="http://schemas.microsoft.com/office/drawing/2014/main" val="2763283242"/>
+                      <a16:colId xmlns:a16="http://schemas.microsoft.com/office/drawing/2014/main" xmlns="" val="2763283242"/>
                     </a:ext>
                   </a:extLst>
                 </a:gridCol>
@@ -22197,7 +24944,7 @@
                 </a:tc>
                 <a:extLst>
                   <a:ext uri="{0D108BD9-81ED-4DB2-BD59-A6C34878D82A}">
-                    <a16:rowId xmlns:a16="http://schemas.microsoft.com/office/drawing/2014/main" val="2080402493"/>
+                    <a16:rowId xmlns:a16="http://schemas.microsoft.com/office/drawing/2014/main" xmlns="" val="2080402493"/>
                   </a:ext>
                 </a:extLst>
               </a:tr>
@@ -22660,7 +25407,7 @@
                 </a:tc>
                 <a:extLst>
                   <a:ext uri="{0D108BD9-81ED-4DB2-BD59-A6C34878D82A}">
-                    <a16:rowId xmlns:a16="http://schemas.microsoft.com/office/drawing/2014/main" val="87848480"/>
+                    <a16:rowId xmlns:a16="http://schemas.microsoft.com/office/drawing/2014/main" xmlns="" val="87848480"/>
                   </a:ext>
                 </a:extLst>
               </a:tr>
@@ -22965,49 +25712,49 @@
                 <a:gridCol w="1502229">
                   <a:extLst>
                     <a:ext uri="{9D8B030D-6E8A-4147-A177-3AD203B41FA5}">
-                      <a16:colId xmlns:a16="http://schemas.microsoft.com/office/drawing/2014/main" val="1275573595"/>
+                      <a16:colId xmlns:a16="http://schemas.microsoft.com/office/drawing/2014/main" xmlns="" val="1275573595"/>
                     </a:ext>
                   </a:extLst>
                 </a:gridCol>
                 <a:gridCol w="1502229">
                   <a:extLst>
                     <a:ext uri="{9D8B030D-6E8A-4147-A177-3AD203B41FA5}">
-                      <a16:colId xmlns:a16="http://schemas.microsoft.com/office/drawing/2014/main" val="2085175219"/>
+                      <a16:colId xmlns:a16="http://schemas.microsoft.com/office/drawing/2014/main" xmlns="" val="2085175219"/>
                     </a:ext>
                   </a:extLst>
                 </a:gridCol>
                 <a:gridCol w="1502229">
                   <a:extLst>
                     <a:ext uri="{9D8B030D-6E8A-4147-A177-3AD203B41FA5}">
-                      <a16:colId xmlns:a16="http://schemas.microsoft.com/office/drawing/2014/main" val="65551776"/>
+                      <a16:colId xmlns:a16="http://schemas.microsoft.com/office/drawing/2014/main" xmlns="" val="65551776"/>
                     </a:ext>
                   </a:extLst>
                 </a:gridCol>
                 <a:gridCol w="1502229">
                   <a:extLst>
                     <a:ext uri="{9D8B030D-6E8A-4147-A177-3AD203B41FA5}">
-                      <a16:colId xmlns:a16="http://schemas.microsoft.com/office/drawing/2014/main" val="4174822861"/>
+                      <a16:colId xmlns:a16="http://schemas.microsoft.com/office/drawing/2014/main" xmlns="" val="4174822861"/>
                     </a:ext>
                   </a:extLst>
                 </a:gridCol>
                 <a:gridCol w="1502229">
                   <a:extLst>
                     <a:ext uri="{9D8B030D-6E8A-4147-A177-3AD203B41FA5}">
-                      <a16:colId xmlns:a16="http://schemas.microsoft.com/office/drawing/2014/main" val="1784609876"/>
+                      <a16:colId xmlns:a16="http://schemas.microsoft.com/office/drawing/2014/main" xmlns="" val="1784609876"/>
                     </a:ext>
                   </a:extLst>
                 </a:gridCol>
                 <a:gridCol w="1502229">
                   <a:extLst>
                     <a:ext uri="{9D8B030D-6E8A-4147-A177-3AD203B41FA5}">
-                      <a16:colId xmlns:a16="http://schemas.microsoft.com/office/drawing/2014/main" val="3717256777"/>
+                      <a16:colId xmlns:a16="http://schemas.microsoft.com/office/drawing/2014/main" xmlns="" val="3717256777"/>
                     </a:ext>
                   </a:extLst>
                 </a:gridCol>
                 <a:gridCol w="1502229">
                   <a:extLst>
                     <a:ext uri="{9D8B030D-6E8A-4147-A177-3AD203B41FA5}">
-                      <a16:colId xmlns:a16="http://schemas.microsoft.com/office/drawing/2014/main" val="4253458947"/>
+                      <a16:colId xmlns:a16="http://schemas.microsoft.com/office/drawing/2014/main" xmlns="" val="4253458947"/>
                     </a:ext>
                   </a:extLst>
                 </a:gridCol>
@@ -23157,7 +25904,7 @@
                 </a:tc>
                 <a:extLst>
                   <a:ext uri="{0D108BD9-81ED-4DB2-BD59-A6C34878D82A}">
-                    <a16:rowId xmlns:a16="http://schemas.microsoft.com/office/drawing/2014/main" val="2323151860"/>
+                    <a16:rowId xmlns:a16="http://schemas.microsoft.com/office/drawing/2014/main" xmlns="" val="2323151860"/>
                   </a:ext>
                 </a:extLst>
               </a:tr>
@@ -23274,7 +26021,7 @@
                 </a:tc>
                 <a:extLst>
                   <a:ext uri="{0D108BD9-81ED-4DB2-BD59-A6C34878D82A}">
-                    <a16:rowId xmlns:a16="http://schemas.microsoft.com/office/drawing/2014/main" val="520857572"/>
+                    <a16:rowId xmlns:a16="http://schemas.microsoft.com/office/drawing/2014/main" xmlns="" val="520857572"/>
                   </a:ext>
                 </a:extLst>
               </a:tr>
@@ -23415,70 +26162,70 @@
                 <a:gridCol w="588383">
                   <a:extLst>
                     <a:ext uri="{9D8B030D-6E8A-4147-A177-3AD203B41FA5}">
-                      <a16:colId xmlns:a16="http://schemas.microsoft.com/office/drawing/2014/main" val="2529681779"/>
+                      <a16:colId xmlns:a16="http://schemas.microsoft.com/office/drawing/2014/main" xmlns="" val="2529681779"/>
                     </a:ext>
                   </a:extLst>
                 </a:gridCol>
                 <a:gridCol w="604286">
                   <a:extLst>
                     <a:ext uri="{9D8B030D-6E8A-4147-A177-3AD203B41FA5}">
-                      <a16:colId xmlns:a16="http://schemas.microsoft.com/office/drawing/2014/main" val="2738606914"/>
+                      <a16:colId xmlns:a16="http://schemas.microsoft.com/office/drawing/2014/main" xmlns="" val="2738606914"/>
                     </a:ext>
                   </a:extLst>
                 </a:gridCol>
                 <a:gridCol w="1065450">
                   <a:extLst>
                     <a:ext uri="{9D8B030D-6E8A-4147-A177-3AD203B41FA5}">
-                      <a16:colId xmlns:a16="http://schemas.microsoft.com/office/drawing/2014/main" val="529372686"/>
+                      <a16:colId xmlns:a16="http://schemas.microsoft.com/office/drawing/2014/main" xmlns="" val="529372686"/>
                     </a:ext>
                   </a:extLst>
                 </a:gridCol>
                 <a:gridCol w="799089">
                   <a:extLst>
                     <a:ext uri="{9D8B030D-6E8A-4147-A177-3AD203B41FA5}">
-                      <a16:colId xmlns:a16="http://schemas.microsoft.com/office/drawing/2014/main" val="3913104057"/>
+                      <a16:colId xmlns:a16="http://schemas.microsoft.com/office/drawing/2014/main" xmlns="" val="3913104057"/>
                     </a:ext>
                   </a:extLst>
                 </a:gridCol>
                 <a:gridCol w="1017743">
                   <a:extLst>
                     <a:ext uri="{9D8B030D-6E8A-4147-A177-3AD203B41FA5}">
-                      <a16:colId xmlns:a16="http://schemas.microsoft.com/office/drawing/2014/main" val="4292311348"/>
+                      <a16:colId xmlns:a16="http://schemas.microsoft.com/office/drawing/2014/main" xmlns="" val="4292311348"/>
                     </a:ext>
                   </a:extLst>
                 </a:gridCol>
                 <a:gridCol w="942208">
                   <a:extLst>
                     <a:ext uri="{9D8B030D-6E8A-4147-A177-3AD203B41FA5}">
-                      <a16:colId xmlns:a16="http://schemas.microsoft.com/office/drawing/2014/main" val="547882211"/>
+                      <a16:colId xmlns:a16="http://schemas.microsoft.com/office/drawing/2014/main" xmlns="" val="547882211"/>
                     </a:ext>
                   </a:extLst>
                 </a:gridCol>
                 <a:gridCol w="683797">
                   <a:extLst>
                     <a:ext uri="{9D8B030D-6E8A-4147-A177-3AD203B41FA5}">
-                      <a16:colId xmlns:a16="http://schemas.microsoft.com/office/drawing/2014/main" val="3499131233"/>
+                      <a16:colId xmlns:a16="http://schemas.microsoft.com/office/drawing/2014/main" xmlns="" val="3499131233"/>
                     </a:ext>
                   </a:extLst>
                 </a:gridCol>
                 <a:gridCol w="1335788">
                   <a:extLst>
                     <a:ext uri="{9D8B030D-6E8A-4147-A177-3AD203B41FA5}">
-                      <a16:colId xmlns:a16="http://schemas.microsoft.com/office/drawing/2014/main" val="2993239122"/>
+                      <a16:colId xmlns:a16="http://schemas.microsoft.com/office/drawing/2014/main" xmlns="" val="2993239122"/>
                     </a:ext>
                   </a:extLst>
                 </a:gridCol>
                 <a:gridCol w="1017743">
                   <a:extLst>
                     <a:ext uri="{9D8B030D-6E8A-4147-A177-3AD203B41FA5}">
-                      <a16:colId xmlns:a16="http://schemas.microsoft.com/office/drawing/2014/main" val="3951663878"/>
+                      <a16:colId xmlns:a16="http://schemas.microsoft.com/office/drawing/2014/main" xmlns="" val="3951663878"/>
                     </a:ext>
                   </a:extLst>
                 </a:gridCol>
                 <a:gridCol w="1065450">
                   <a:extLst>
                     <a:ext uri="{9D8B030D-6E8A-4147-A177-3AD203B41FA5}">
-                      <a16:colId xmlns:a16="http://schemas.microsoft.com/office/drawing/2014/main" val="3140318886"/>
+                      <a16:colId xmlns:a16="http://schemas.microsoft.com/office/drawing/2014/main" xmlns="" val="3140318886"/>
                     </a:ext>
                   </a:extLst>
                 </a:gridCol>
@@ -24174,7 +26921,7 @@
                 </a:tc>
                 <a:extLst>
                   <a:ext uri="{0D108BD9-81ED-4DB2-BD59-A6C34878D82A}">
-                    <a16:rowId xmlns:a16="http://schemas.microsoft.com/office/drawing/2014/main" val="3818807554"/>
+                    <a16:rowId xmlns:a16="http://schemas.microsoft.com/office/drawing/2014/main" xmlns="" val="3818807554"/>
                   </a:ext>
                 </a:extLst>
               </a:tr>
@@ -24757,7 +27504,7 @@
                 </a:tc>
                 <a:extLst>
                   <a:ext uri="{0D108BD9-81ED-4DB2-BD59-A6C34878D82A}">
-                    <a16:rowId xmlns:a16="http://schemas.microsoft.com/office/drawing/2014/main" val="4169292187"/>
+                    <a16:rowId xmlns:a16="http://schemas.microsoft.com/office/drawing/2014/main" xmlns="" val="4169292187"/>
                   </a:ext>
                 </a:extLst>
               </a:tr>
@@ -25340,7 +28087,7 @@
                 </a:tc>
                 <a:extLst>
                   <a:ext uri="{0D108BD9-81ED-4DB2-BD59-A6C34878D82A}">
-                    <a16:rowId xmlns:a16="http://schemas.microsoft.com/office/drawing/2014/main" val="2877171052"/>
+                    <a16:rowId xmlns:a16="http://schemas.microsoft.com/office/drawing/2014/main" xmlns="" val="2877171052"/>
                   </a:ext>
                 </a:extLst>
               </a:tr>
@@ -25923,7 +28670,7 @@
                 </a:tc>
                 <a:extLst>
                   <a:ext uri="{0D108BD9-81ED-4DB2-BD59-A6C34878D82A}">
-                    <a16:rowId xmlns:a16="http://schemas.microsoft.com/office/drawing/2014/main" val="540425763"/>
+                    <a16:rowId xmlns:a16="http://schemas.microsoft.com/office/drawing/2014/main" xmlns="" val="540425763"/>
                   </a:ext>
                 </a:extLst>
               </a:tr>
@@ -26506,7 +29253,7 @@
                 </a:tc>
                 <a:extLst>
                   <a:ext uri="{0D108BD9-81ED-4DB2-BD59-A6C34878D82A}">
-                    <a16:rowId xmlns:a16="http://schemas.microsoft.com/office/drawing/2014/main" val="1961928336"/>
+                    <a16:rowId xmlns:a16="http://schemas.microsoft.com/office/drawing/2014/main" xmlns="" val="1961928336"/>
                   </a:ext>
                 </a:extLst>
               </a:tr>
@@ -27089,7 +29836,7 @@
                 </a:tc>
                 <a:extLst>
                   <a:ext uri="{0D108BD9-81ED-4DB2-BD59-A6C34878D82A}">
-                    <a16:rowId xmlns:a16="http://schemas.microsoft.com/office/drawing/2014/main" val="3981824136"/>
+                    <a16:rowId xmlns:a16="http://schemas.microsoft.com/office/drawing/2014/main" xmlns="" val="3981824136"/>
                   </a:ext>
                 </a:extLst>
               </a:tr>
@@ -27672,7 +30419,7 @@
                 </a:tc>
                 <a:extLst>
                   <a:ext uri="{0D108BD9-81ED-4DB2-BD59-A6C34878D82A}">
-                    <a16:rowId xmlns:a16="http://schemas.microsoft.com/office/drawing/2014/main" val="2378919916"/>
+                    <a16:rowId xmlns:a16="http://schemas.microsoft.com/office/drawing/2014/main" xmlns="" val="2378919916"/>
                   </a:ext>
                 </a:extLst>
               </a:tr>
@@ -28255,7 +31002,7 @@
                 </a:tc>
                 <a:extLst>
                   <a:ext uri="{0D108BD9-81ED-4DB2-BD59-A6C34878D82A}">
-                    <a16:rowId xmlns:a16="http://schemas.microsoft.com/office/drawing/2014/main" val="1226108606"/>
+                    <a16:rowId xmlns:a16="http://schemas.microsoft.com/office/drawing/2014/main" xmlns="" val="1226108606"/>
                   </a:ext>
                 </a:extLst>
               </a:tr>
@@ -28519,6 +31266,110 @@
           <p:cNvPr id="8" name="Diagram 7"/>
           <p:cNvGraphicFramePr/>
           <p:nvPr>
+            <p:extLst/>
+          </p:nvPr>
+        </p:nvGraphicFramePr>
+        <p:xfrm>
+          <a:off x="994610" y="235416"/>
+          <a:ext cx="4211719" cy="461364"/>
+        </p:xfrm>
+        <a:graphic>
+          <a:graphicData uri="http://schemas.openxmlformats.org/drawingml/2006/diagram">
+            <dgm:relIds xmlns:dgm="http://schemas.openxmlformats.org/drawingml/2006/diagram" xmlns:r="http://schemas.openxmlformats.org/officeDocument/2006/relationships" r:dm="rId2" r:lo="rId3" r:qs="rId4" r:cs="rId5"/>
+          </a:graphicData>
+        </a:graphic>
+      </p:graphicFrame>
+      <p:pic>
+        <p:nvPicPr>
+          <p:cNvPr id="7" name="图片 6"/>
+          <p:cNvPicPr>
+            <a:picLocks noChangeAspect="1"/>
+          </p:cNvPicPr>
+          <p:nvPr/>
+        </p:nvPicPr>
+        <p:blipFill>
+          <a:blip r:embed="rId7"/>
+          <a:stretch>
+            <a:fillRect/>
+          </a:stretch>
+        </p:blipFill>
+        <p:spPr>
+          <a:xfrm>
+            <a:off x="838200" y="1400622"/>
+            <a:ext cx="9735355" cy="3178011"/>
+          </a:xfrm>
+          <a:prstGeom prst="rect">
+            <a:avLst/>
+          </a:prstGeom>
+        </p:spPr>
+      </p:pic>
+    </p:spTree>
+    <p:extLst>
+      <p:ext uri="{BB962C8B-B14F-4D97-AF65-F5344CB8AC3E}">
+        <p14:creationId xmlns:p14="http://schemas.microsoft.com/office/powerpoint/2010/main" val="3520293197"/>
+      </p:ext>
+    </p:extLst>
+  </p:cSld>
+  <p:clrMapOvr>
+    <a:masterClrMapping/>
+  </p:clrMapOvr>
+  <p:timing>
+    <p:tnLst>
+      <p:par>
+        <p:cTn id="1" dur="indefinite" restart="never" nodeType="tmRoot"/>
+      </p:par>
+    </p:tnLst>
+  </p:timing>
+</p:sld>
+</file>
+
+<file path=ppt/slides/slide7.xml><?xml version="1.0" encoding="utf-8"?>
+<p:sld xmlns:a="http://schemas.openxmlformats.org/drawingml/2006/main" xmlns:r="http://schemas.openxmlformats.org/officeDocument/2006/relationships" xmlns:p="http://schemas.openxmlformats.org/presentationml/2006/main">
+  <p:cSld>
+    <p:spTree>
+      <p:nvGrpSpPr>
+        <p:cNvPr id="1" name=""/>
+        <p:cNvGrpSpPr/>
+        <p:nvPr/>
+      </p:nvGrpSpPr>
+      <p:grpSpPr>
+        <a:xfrm>
+          <a:off x="0" y="0"/>
+          <a:ext cx="0" cy="0"/>
+          <a:chOff x="0" y="0"/>
+          <a:chExt cx="0" cy="0"/>
+        </a:xfrm>
+      </p:grpSpPr>
+      <p:sp>
+        <p:nvSpPr>
+          <p:cNvPr id="2" name="Title 1"/>
+          <p:cNvSpPr>
+            <a:spLocks noGrp="1"/>
+          </p:cNvSpPr>
+          <p:nvPr>
+            <p:ph type="title"/>
+          </p:nvPr>
+        </p:nvSpPr>
+        <p:spPr/>
+        <p:txBody>
+          <a:bodyPr>
+            <a:normAutofit/>
+          </a:bodyPr>
+          <a:lstStyle/>
+          <a:p>
+            <a:r>
+              <a:rPr lang="en-US" sz="2800" dirty="0" smtClean="0"/>
+              <a:t>Result</a:t>
+            </a:r>
+            <a:endParaRPr lang="en-US" sz="2800" dirty="0"/>
+          </a:p>
+        </p:txBody>
+      </p:sp>
+      <p:graphicFrame>
+        <p:nvGraphicFramePr>
+          <p:cNvPr id="8" name="Diagram 7"/>
+          <p:cNvGraphicFramePr/>
+          <p:nvPr>
             <p:extLst>
               <p:ext uri="{D42A27DB-BD31-4B8C-83A1-F6EECF244321}">
                 <p14:modId xmlns:p14="http://schemas.microsoft.com/office/powerpoint/2010/main" val="1358853655"/>
@@ -28564,15 +31415,7 @@
                 <a:ea typeface="+mj-ea"/>
                 <a:cs typeface="+mj-cs"/>
               </a:rPr>
-              <a:t>Uploa</a:t>
-            </a:r>
-            <a:r>
-              <a:rPr lang="en-US" dirty="0" smtClean="0">
-                <a:latin typeface="+mj-lt"/>
-                <a:ea typeface="+mj-ea"/>
-                <a:cs typeface="+mj-cs"/>
-              </a:rPr>
-              <a:t>d to </a:t>
+              <a:t>Upload to </a:t>
             </a:r>
             <a:r>
               <a:rPr lang="en-US" dirty="0" err="1" smtClean="0">
@@ -28601,6 +31444,442 @@
           </a:p>
         </p:txBody>
       </p:sp>
+      <p:graphicFrame>
+        <p:nvGraphicFramePr>
+          <p:cNvPr id="4" name="表格 3"/>
+          <p:cNvGraphicFramePr>
+            <a:graphicFrameLocks noGrp="1"/>
+          </p:cNvGraphicFramePr>
+          <p:nvPr>
+            <p:extLst>
+              <p:ext uri="{D42A27DB-BD31-4B8C-83A1-F6EECF244321}">
+                <p14:modId xmlns:p14="http://schemas.microsoft.com/office/powerpoint/2010/main" val="3138988071"/>
+              </p:ext>
+            </p:extLst>
+          </p:nvPr>
+        </p:nvGraphicFramePr>
+        <p:xfrm>
+          <a:off x="994609" y="2909888"/>
+          <a:ext cx="8445605" cy="1744980"/>
+        </p:xfrm>
+        <a:graphic>
+          <a:graphicData uri="http://schemas.openxmlformats.org/drawingml/2006/table">
+            <a:tbl>
+              <a:tblPr>
+                <a:tableStyleId>{5C22544A-7EE6-4342-B048-85BDC9FD1C3A}</a:tableStyleId>
+              </a:tblPr>
+              <a:tblGrid>
+                <a:gridCol w="2207772"/>
+                <a:gridCol w="1787245"/>
+                <a:gridCol w="2453080"/>
+                <a:gridCol w="1997508"/>
+              </a:tblGrid>
+              <a:tr h="218440">
+                <a:tc>
+                  <a:txBody>
+                    <a:bodyPr/>
+                    <a:lstStyle/>
+                    <a:p>
+                      <a:pPr algn="ctr" fontAlgn="ctr"/>
+                      <a:r>
+                        <a:rPr lang="zh-CN" altLang="en-US" sz="2800" u="none" strike="noStrike" dirty="0">
+                          <a:effectLst/>
+                        </a:rPr>
+                        <a:t>　</a:t>
+                      </a:r>
+                      <a:endParaRPr lang="zh-CN" altLang="en-US" sz="2800" b="0" i="0" u="none" strike="noStrike" dirty="0">
+                        <a:solidFill>
+                          <a:srgbClr val="000000"/>
+                        </a:solidFill>
+                        <a:effectLst/>
+                        <a:latin typeface="宋体" panose="02010600030101010101" pitchFamily="2" charset="-122"/>
+                        <a:ea typeface="宋体" panose="02010600030101010101" pitchFamily="2" charset="-122"/>
+                      </a:endParaRPr>
+                    </a:p>
+                  </a:txBody>
+                  <a:tcPr marL="9525" marR="9525" marT="9525" marB="0" anchor="ctr"/>
+                </a:tc>
+                <a:tc>
+                  <a:txBody>
+                    <a:bodyPr/>
+                    <a:lstStyle/>
+                    <a:p>
+                      <a:pPr algn="ctr" fontAlgn="ctr"/>
+                      <a:r>
+                        <a:rPr lang="en-US" sz="2800" u="none" strike="noStrike">
+                          <a:effectLst/>
+                        </a:rPr>
+                        <a:t>Ad</a:t>
+                      </a:r>
+                      <a:endParaRPr lang="en-US" sz="2800" b="0" i="0" u="none" strike="noStrike">
+                        <a:solidFill>
+                          <a:srgbClr val="000000"/>
+                        </a:solidFill>
+                        <a:effectLst/>
+                        <a:latin typeface="宋体" panose="02010600030101010101" pitchFamily="2" charset="-122"/>
+                        <a:ea typeface="宋体" panose="02010600030101010101" pitchFamily="2" charset="-122"/>
+                      </a:endParaRPr>
+                    </a:p>
+                  </a:txBody>
+                  <a:tcPr marL="9525" marR="9525" marT="9525" marB="0" anchor="ctr"/>
+                </a:tc>
+                <a:tc>
+                  <a:txBody>
+                    <a:bodyPr/>
+                    <a:lstStyle/>
+                    <a:p>
+                      <a:pPr algn="ctr" fontAlgn="ctr"/>
+                      <a:r>
+                        <a:rPr lang="en-US" sz="2800" u="none" strike="noStrike">
+                          <a:effectLst/>
+                        </a:rPr>
+                        <a:t>Advertiser</a:t>
+                      </a:r>
+                      <a:endParaRPr lang="en-US" sz="2800" b="0" i="0" u="none" strike="noStrike">
+                        <a:solidFill>
+                          <a:srgbClr val="000000"/>
+                        </a:solidFill>
+                        <a:effectLst/>
+                        <a:latin typeface="宋体" panose="02010600030101010101" pitchFamily="2" charset="-122"/>
+                        <a:ea typeface="宋体" panose="02010600030101010101" pitchFamily="2" charset="-122"/>
+                      </a:endParaRPr>
+                    </a:p>
+                  </a:txBody>
+                  <a:tcPr marL="9525" marR="9525" marT="9525" marB="0" anchor="ctr"/>
+                </a:tc>
+                <a:tc>
+                  <a:txBody>
+                    <a:bodyPr/>
+                    <a:lstStyle/>
+                    <a:p>
+                      <a:pPr algn="ctr" fontAlgn="ctr"/>
+                      <a:r>
+                        <a:rPr lang="en-US" sz="2800" u="none" strike="noStrike">
+                          <a:effectLst/>
+                        </a:rPr>
+                        <a:t>Campaign</a:t>
+                      </a:r>
+                      <a:endParaRPr lang="en-US" sz="2800" b="0" i="0" u="none" strike="noStrike">
+                        <a:solidFill>
+                          <a:srgbClr val="000000"/>
+                        </a:solidFill>
+                        <a:effectLst/>
+                        <a:latin typeface="宋体" panose="02010600030101010101" pitchFamily="2" charset="-122"/>
+                        <a:ea typeface="宋体" panose="02010600030101010101" pitchFamily="2" charset="-122"/>
+                      </a:endParaRPr>
+                    </a:p>
+                  </a:txBody>
+                  <a:tcPr marL="9525" marR="9525" marT="9525" marB="0" anchor="ctr"/>
+                </a:tc>
+              </a:tr>
+              <a:tr h="218440">
+                <a:tc>
+                  <a:txBody>
+                    <a:bodyPr/>
+                    <a:lstStyle/>
+                    <a:p>
+                      <a:pPr algn="ctr" fontAlgn="ctr"/>
+                      <a:r>
+                        <a:rPr lang="en-US" sz="2800" u="none" strike="noStrike">
+                          <a:effectLst/>
+                        </a:rPr>
+                        <a:t>Topic</a:t>
+                      </a:r>
+                      <a:endParaRPr lang="en-US" sz="2800" b="0" i="0" u="none" strike="noStrike">
+                        <a:solidFill>
+                          <a:srgbClr val="000000"/>
+                        </a:solidFill>
+                        <a:effectLst/>
+                        <a:latin typeface="宋体" panose="02010600030101010101" pitchFamily="2" charset="-122"/>
+                        <a:ea typeface="宋体" panose="02010600030101010101" pitchFamily="2" charset="-122"/>
+                      </a:endParaRPr>
+                    </a:p>
+                  </a:txBody>
+                  <a:tcPr marL="9525" marR="9525" marT="9525" marB="0" anchor="ctr"/>
+                </a:tc>
+                <a:tc>
+                  <a:txBody>
+                    <a:bodyPr/>
+                    <a:lstStyle/>
+                    <a:p>
+                      <a:pPr algn="ctr" fontAlgn="ctr"/>
+                      <a:r>
+                        <a:rPr lang="en-US" altLang="zh-CN" sz="2800" u="none" strike="noStrike">
+                          <a:effectLst/>
+                        </a:rPr>
+                        <a:t>0.60187</a:t>
+                      </a:r>
+                      <a:endParaRPr lang="en-US" altLang="zh-CN" sz="2800" b="0" i="0" u="none" strike="noStrike">
+                        <a:solidFill>
+                          <a:srgbClr val="000000"/>
+                        </a:solidFill>
+                        <a:effectLst/>
+                        <a:latin typeface="宋体" panose="02010600030101010101" pitchFamily="2" charset="-122"/>
+                        <a:ea typeface="宋体" panose="02010600030101010101" pitchFamily="2" charset="-122"/>
+                      </a:endParaRPr>
+                    </a:p>
+                  </a:txBody>
+                  <a:tcPr marL="9525" marR="9525" marT="9525" marB="0" anchor="ctr"/>
+                </a:tc>
+                <a:tc>
+                  <a:txBody>
+                    <a:bodyPr/>
+                    <a:lstStyle/>
+                    <a:p>
+                      <a:pPr algn="ctr" fontAlgn="ctr"/>
+                      <a:r>
+                        <a:rPr lang="zh-CN" altLang="en-US" sz="2800" u="none" strike="noStrike">
+                          <a:effectLst/>
+                        </a:rPr>
+                        <a:t>　</a:t>
+                      </a:r>
+                      <a:endParaRPr lang="zh-CN" altLang="en-US" sz="2800" b="0" i="0" u="none" strike="noStrike">
+                        <a:solidFill>
+                          <a:srgbClr val="000000"/>
+                        </a:solidFill>
+                        <a:effectLst/>
+                        <a:latin typeface="宋体" panose="02010600030101010101" pitchFamily="2" charset="-122"/>
+                        <a:ea typeface="宋体" panose="02010600030101010101" pitchFamily="2" charset="-122"/>
+                      </a:endParaRPr>
+                    </a:p>
+                  </a:txBody>
+                  <a:tcPr marL="9525" marR="9525" marT="9525" marB="0" anchor="ctr"/>
+                </a:tc>
+                <a:tc>
+                  <a:txBody>
+                    <a:bodyPr/>
+                    <a:lstStyle/>
+                    <a:p>
+                      <a:pPr algn="ctr" fontAlgn="ctr"/>
+                      <a:r>
+                        <a:rPr lang="zh-CN" altLang="en-US" sz="2800" u="none" strike="noStrike">
+                          <a:effectLst/>
+                        </a:rPr>
+                        <a:t>　</a:t>
+                      </a:r>
+                      <a:endParaRPr lang="zh-CN" altLang="en-US" sz="2800" b="0" i="0" u="none" strike="noStrike">
+                        <a:solidFill>
+                          <a:srgbClr val="000000"/>
+                        </a:solidFill>
+                        <a:effectLst/>
+                        <a:latin typeface="宋体" panose="02010600030101010101" pitchFamily="2" charset="-122"/>
+                        <a:ea typeface="宋体" panose="02010600030101010101" pitchFamily="2" charset="-122"/>
+                      </a:endParaRPr>
+                    </a:p>
+                  </a:txBody>
+                  <a:tcPr marL="9525" marR="9525" marT="9525" marB="0" anchor="ctr"/>
+                </a:tc>
+              </a:tr>
+              <a:tr h="218440">
+                <a:tc>
+                  <a:txBody>
+                    <a:bodyPr/>
+                    <a:lstStyle/>
+                    <a:p>
+                      <a:pPr algn="ctr" fontAlgn="ctr"/>
+                      <a:r>
+                        <a:rPr lang="en-US" sz="2800" u="none" strike="noStrike">
+                          <a:effectLst/>
+                        </a:rPr>
+                        <a:t>Category</a:t>
+                      </a:r>
+                      <a:endParaRPr lang="en-US" sz="2800" b="0" i="0" u="none" strike="noStrike">
+                        <a:solidFill>
+                          <a:srgbClr val="000000"/>
+                        </a:solidFill>
+                        <a:effectLst/>
+                        <a:latin typeface="宋体" panose="02010600030101010101" pitchFamily="2" charset="-122"/>
+                        <a:ea typeface="宋体" panose="02010600030101010101" pitchFamily="2" charset="-122"/>
+                      </a:endParaRPr>
+                    </a:p>
+                  </a:txBody>
+                  <a:tcPr marL="9525" marR="9525" marT="9525" marB="0" anchor="ctr"/>
+                </a:tc>
+                <a:tc>
+                  <a:txBody>
+                    <a:bodyPr/>
+                    <a:lstStyle/>
+                    <a:p>
+                      <a:pPr algn="ctr" fontAlgn="ctr"/>
+                      <a:r>
+                        <a:rPr lang="en-US" altLang="zh-CN" sz="2800" u="none" strike="noStrike" dirty="0">
+                          <a:effectLst/>
+                        </a:rPr>
+                        <a:t>0.63269</a:t>
+                      </a:r>
+                      <a:endParaRPr lang="en-US" altLang="zh-CN" sz="2800" b="0" i="0" u="none" strike="noStrike" dirty="0">
+                        <a:solidFill>
+                          <a:srgbClr val="000000"/>
+                        </a:solidFill>
+                        <a:effectLst/>
+                        <a:latin typeface="宋体" panose="02010600030101010101" pitchFamily="2" charset="-122"/>
+                        <a:ea typeface="宋体" panose="02010600030101010101" pitchFamily="2" charset="-122"/>
+                      </a:endParaRPr>
+                    </a:p>
+                  </a:txBody>
+                  <a:tcPr marL="9525" marR="9525" marT="9525" marB="0" anchor="ctr"/>
+                </a:tc>
+                <a:tc>
+                  <a:txBody>
+                    <a:bodyPr/>
+                    <a:lstStyle/>
+                    <a:p>
+                      <a:pPr algn="ctr" fontAlgn="ctr"/>
+                      <a:r>
+                        <a:rPr lang="en-US" altLang="zh-CN" sz="2800" u="none" strike="noStrike" dirty="0">
+                          <a:effectLst/>
+                        </a:rPr>
+                        <a:t>0.62657</a:t>
+                      </a:r>
+                      <a:endParaRPr lang="en-US" altLang="zh-CN" sz="2800" b="0" i="0" u="none" strike="noStrike" dirty="0">
+                        <a:solidFill>
+                          <a:srgbClr val="000000"/>
+                        </a:solidFill>
+                        <a:effectLst/>
+                        <a:latin typeface="宋体" panose="02010600030101010101" pitchFamily="2" charset="-122"/>
+                        <a:ea typeface="宋体" panose="02010600030101010101" pitchFamily="2" charset="-122"/>
+                      </a:endParaRPr>
+                    </a:p>
+                  </a:txBody>
+                  <a:tcPr marL="9525" marR="9525" marT="9525" marB="0" anchor="ctr"/>
+                </a:tc>
+                <a:tc>
+                  <a:txBody>
+                    <a:bodyPr/>
+                    <a:lstStyle/>
+                    <a:p>
+                      <a:pPr algn="ctr" fontAlgn="ctr"/>
+                      <a:r>
+                        <a:rPr lang="en-US" altLang="zh-CN" sz="2800" u="none" strike="noStrike" dirty="0">
+                          <a:effectLst/>
+                        </a:rPr>
+                        <a:t>0.63178</a:t>
+                      </a:r>
+                      <a:endParaRPr lang="en-US" altLang="zh-CN" sz="2800" b="0" i="0" u="none" strike="noStrike" dirty="0">
+                        <a:solidFill>
+                          <a:srgbClr val="000000"/>
+                        </a:solidFill>
+                        <a:effectLst/>
+                        <a:latin typeface="宋体" panose="02010600030101010101" pitchFamily="2" charset="-122"/>
+                        <a:ea typeface="宋体" panose="02010600030101010101" pitchFamily="2" charset="-122"/>
+                      </a:endParaRPr>
+                    </a:p>
+                  </a:txBody>
+                  <a:tcPr marL="9525" marR="9525" marT="9525" marB="0" anchor="ctr"/>
+                </a:tc>
+              </a:tr>
+              <a:tr h="218440">
+                <a:tc>
+                  <a:txBody>
+                    <a:bodyPr/>
+                    <a:lstStyle/>
+                    <a:p>
+                      <a:pPr algn="ctr" fontAlgn="ctr"/>
+                      <a:r>
+                        <a:rPr lang="en-US" sz="2800" u="none" strike="noStrike">
+                          <a:effectLst/>
+                        </a:rPr>
+                        <a:t>Publisher</a:t>
+                      </a:r>
+                      <a:endParaRPr lang="en-US" sz="2800" b="0" i="0" u="none" strike="noStrike">
+                        <a:solidFill>
+                          <a:srgbClr val="000000"/>
+                        </a:solidFill>
+                        <a:effectLst/>
+                        <a:latin typeface="宋体" panose="02010600030101010101" pitchFamily="2" charset="-122"/>
+                        <a:ea typeface="宋体" panose="02010600030101010101" pitchFamily="2" charset="-122"/>
+                      </a:endParaRPr>
+                    </a:p>
+                  </a:txBody>
+                  <a:tcPr marL="9525" marR="9525" marT="9525" marB="0" anchor="ctr"/>
+                </a:tc>
+                <a:tc>
+                  <a:txBody>
+                    <a:bodyPr/>
+                    <a:lstStyle/>
+                    <a:p>
+                      <a:pPr algn="ctr" fontAlgn="ctr"/>
+                      <a:r>
+                        <a:rPr lang="en-US" altLang="zh-CN" sz="2800" u="none" strike="noStrike" dirty="0">
+                          <a:solidFill>
+                            <a:schemeClr val="accent2">
+                              <a:lumMod val="75000"/>
+                            </a:schemeClr>
+                          </a:solidFill>
+                          <a:effectLst/>
+                        </a:rPr>
+                        <a:t>0.63689</a:t>
+                      </a:r>
+                      <a:endParaRPr lang="en-US" altLang="zh-CN" sz="2800" b="0" i="0" u="none" strike="noStrike" dirty="0">
+                        <a:solidFill>
+                          <a:schemeClr val="accent2">
+                            <a:lumMod val="75000"/>
+                          </a:schemeClr>
+                        </a:solidFill>
+                        <a:effectLst/>
+                        <a:latin typeface="宋体" panose="02010600030101010101" pitchFamily="2" charset="-122"/>
+                        <a:ea typeface="宋体" panose="02010600030101010101" pitchFamily="2" charset="-122"/>
+                      </a:endParaRPr>
+                    </a:p>
+                  </a:txBody>
+                  <a:tcPr marL="9525" marR="9525" marT="9525" marB="0" anchor="ctr"/>
+                </a:tc>
+                <a:tc>
+                  <a:txBody>
+                    <a:bodyPr/>
+                    <a:lstStyle/>
+                    <a:p>
+                      <a:pPr algn="ctr" fontAlgn="ctr"/>
+                      <a:r>
+                        <a:rPr lang="en-US" altLang="zh-CN" sz="2800" u="none" strike="noStrike" dirty="0">
+                          <a:solidFill>
+                            <a:srgbClr val="FF0000"/>
+                          </a:solidFill>
+                          <a:effectLst/>
+                        </a:rPr>
+                        <a:t>0.6397</a:t>
+                      </a:r>
+                      <a:endParaRPr lang="en-US" altLang="zh-CN" sz="2800" b="0" i="0" u="none" strike="noStrike" dirty="0">
+                        <a:solidFill>
+                          <a:srgbClr val="FF0000"/>
+                        </a:solidFill>
+                        <a:effectLst/>
+                        <a:latin typeface="宋体" panose="02010600030101010101" pitchFamily="2" charset="-122"/>
+                        <a:ea typeface="宋体" panose="02010600030101010101" pitchFamily="2" charset="-122"/>
+                      </a:endParaRPr>
+                    </a:p>
+                  </a:txBody>
+                  <a:tcPr marL="9525" marR="9525" marT="9525" marB="0" anchor="ctr"/>
+                </a:tc>
+                <a:tc>
+                  <a:txBody>
+                    <a:bodyPr/>
+                    <a:lstStyle/>
+                    <a:p>
+                      <a:pPr algn="ctr" fontAlgn="ctr"/>
+                      <a:r>
+                        <a:rPr lang="zh-CN" altLang="en-US" sz="2800" u="none" strike="noStrike" dirty="0">
+                          <a:effectLst/>
+                        </a:rPr>
+                        <a:t>　</a:t>
+                      </a:r>
+                      <a:endParaRPr lang="zh-CN" altLang="en-US" sz="2800" b="0" i="0" u="none" strike="noStrike" dirty="0">
+                        <a:solidFill>
+                          <a:srgbClr val="000000"/>
+                        </a:solidFill>
+                        <a:effectLst/>
+                        <a:latin typeface="宋体" panose="02010600030101010101" pitchFamily="2" charset="-122"/>
+                        <a:ea typeface="宋体" panose="02010600030101010101" pitchFamily="2" charset="-122"/>
+                      </a:endParaRPr>
+                    </a:p>
+                  </a:txBody>
+                  <a:tcPr marL="9525" marR="9525" marT="9525" marB="0" anchor="ctr"/>
+                </a:tc>
+              </a:tr>
+            </a:tbl>
+          </a:graphicData>
+        </a:graphic>
+      </p:graphicFrame>
     </p:spTree>
     <p:extLst>
       <p:ext uri="{BB962C8B-B14F-4D97-AF65-F5344CB8AC3E}">
@@ -28629,7 +31908,7 @@
         <a:sysClr val="windowText" lastClr="000000"/>
       </a:dk1>
       <a:lt1>
-        <a:sysClr val="window" lastClr="FFFFFF"/>
+        <a:sysClr val="window" lastClr="B7E8BD"/>
       </a:lt1>
       <a:dk2>
         <a:srgbClr val="44546A"/>
